--- a/Постквантовая криптография KEM на решётках.pptx
+++ b/Постквантовая криптография KEM на решётках.pptx
@@ -5,10 +5,10 @@
     <p:sldMasterId id="2147483660" r:id="rId4"/>
   </p:sldMasterIdLst>
   <p:notesMasterIdLst>
-    <p:notesMasterId r:id="rId19"/>
+    <p:notesMasterId r:id="rId20"/>
   </p:notesMasterIdLst>
   <p:handoutMasterIdLst>
-    <p:handoutMasterId r:id="rId20"/>
+    <p:handoutMasterId r:id="rId21"/>
   </p:handoutMasterIdLst>
   <p:sldIdLst>
     <p:sldId id="257" r:id="rId5"/>
@@ -21,10 +21,11 @@
     <p:sldId id="272" r:id="rId12"/>
     <p:sldId id="273" r:id="rId13"/>
     <p:sldId id="274" r:id="rId14"/>
-    <p:sldId id="275" r:id="rId15"/>
-    <p:sldId id="276" r:id="rId16"/>
-    <p:sldId id="277" r:id="rId17"/>
-    <p:sldId id="278" r:id="rId18"/>
+    <p:sldId id="279" r:id="rId15"/>
+    <p:sldId id="275" r:id="rId16"/>
+    <p:sldId id="276" r:id="rId17"/>
+    <p:sldId id="277" r:id="rId18"/>
+    <p:sldId id="278" r:id="rId19"/>
   </p:sldIdLst>
   <p:sldSz cx="12188825" cy="6858000"/>
   <p:notesSz cx="6858000" cy="9144000"/>
@@ -5645,13 +5646,13 @@
   <p:clrMapOvr>
     <a:masterClrMapping/>
   </p:clrMapOvr>
-  <mc:AlternateContent xmlns:mc="http://schemas.openxmlformats.org/markup-compatibility/2006">
-    <mc:Choice xmlns:p14="http://schemas.microsoft.com/office/powerpoint/2010/main" Requires="p14">
+  <mc:AlternateContent xmlns:mc="http://schemas.openxmlformats.org/markup-compatibility/2006" xmlns:p14="http://schemas.microsoft.com/office/powerpoint/2010/main">
+    <mc:Choice Requires="p14">
       <p:transition spd="med" p14:dur="700">
         <p:fade/>
       </p:transition>
     </mc:Choice>
-    <mc:Fallback>
+    <mc:Fallback xmlns="">
       <p:transition spd="med">
         <p:fade/>
       </p:transition>
@@ -5686,6 +5687,54 @@
       </p:grpSpPr>
       <p:sp>
         <p:nvSpPr>
+          <p:cNvPr id="7" name="Овал 6"/>
+          <p:cNvSpPr/>
+          <p:nvPr/>
+        </p:nvSpPr>
+        <p:spPr>
+          <a:xfrm>
+            <a:off x="1629916" y="1700808"/>
+            <a:ext cx="3168352" cy="3168352"/>
+          </a:xfrm>
+          <a:prstGeom prst="ellipse">
+            <a:avLst/>
+          </a:prstGeom>
+          <a:solidFill>
+            <a:schemeClr val="tx1"/>
+          </a:solidFill>
+          <a:ln w="57150">
+            <a:solidFill>
+              <a:schemeClr val="tx2"/>
+            </a:solidFill>
+          </a:ln>
+        </p:spPr>
+        <p:style>
+          <a:lnRef idx="2">
+            <a:schemeClr val="accent1">
+              <a:shade val="50000"/>
+            </a:schemeClr>
+          </a:lnRef>
+          <a:fillRef idx="1">
+            <a:schemeClr val="accent1"/>
+          </a:fillRef>
+          <a:effectRef idx="0">
+            <a:schemeClr val="accent1"/>
+          </a:effectRef>
+          <a:fontRef idx="minor">
+            <a:schemeClr val="lt1"/>
+          </a:fontRef>
+        </p:style>
+        <p:txBody>
+          <a:bodyPr rtlCol="0" anchor="ctr"/>
+          <a:lstStyle/>
+          <a:p>
+            <a:pPr algn="ctr"/>
+            <a:endParaRPr lang="ru-RU" sz="2800"/>
+          </a:p>
+        </p:txBody>
+      </p:sp>
+      <p:sp>
+        <p:nvSpPr>
           <p:cNvPr id="2" name="Заголовок 1"/>
           <p:cNvSpPr>
             <a:spLocks noGrp="1"/>
@@ -5701,6 +5750,258 @@
           <a:p>
             <a:r>
               <a:rPr lang="ru-RU" dirty="0" smtClean="0"/>
+              <a:t>Российские решения</a:t>
+            </a:r>
+            <a:endParaRPr lang="ru-RU" dirty="0"/>
+          </a:p>
+        </p:txBody>
+      </p:sp>
+      <p:pic>
+        <p:nvPicPr>
+          <p:cNvPr id="6" name="Рисунок 5"/>
+          <p:cNvPicPr>
+            <a:picLocks noChangeAspect="1"/>
+          </p:cNvPicPr>
+          <p:nvPr/>
+        </p:nvPicPr>
+        <p:blipFill>
+          <a:blip r:embed="rId2" cstate="print">
+            <a:extLst>
+              <a:ext uri="{28A0092B-C50C-407E-A947-70E740481C1C}">
+                <a14:useLocalDpi xmlns:a14="http://schemas.microsoft.com/office/drawing/2010/main" val="0"/>
+              </a:ext>
+            </a:extLst>
+          </a:blip>
+          <a:stretch>
+            <a:fillRect/>
+          </a:stretch>
+        </p:blipFill>
+        <p:spPr>
+          <a:xfrm>
+            <a:off x="1989956" y="2002532"/>
+            <a:ext cx="2564904" cy="2564904"/>
+          </a:xfrm>
+          <a:prstGeom prst="rect">
+            <a:avLst/>
+          </a:prstGeom>
+        </p:spPr>
+      </p:pic>
+      <p:sp>
+        <p:nvSpPr>
+          <p:cNvPr id="8" name="Овал 7"/>
+          <p:cNvSpPr/>
+          <p:nvPr/>
+        </p:nvSpPr>
+        <p:spPr>
+          <a:xfrm>
+            <a:off x="7318548" y="1700808"/>
+            <a:ext cx="3168352" cy="3168352"/>
+          </a:xfrm>
+          <a:prstGeom prst="ellipse">
+            <a:avLst/>
+          </a:prstGeom>
+          <a:solidFill>
+            <a:schemeClr val="tx1"/>
+          </a:solidFill>
+          <a:ln w="57150">
+            <a:solidFill>
+              <a:schemeClr val="tx2"/>
+            </a:solidFill>
+          </a:ln>
+        </p:spPr>
+        <p:style>
+          <a:lnRef idx="2">
+            <a:schemeClr val="accent1">
+              <a:shade val="50000"/>
+            </a:schemeClr>
+          </a:lnRef>
+          <a:fillRef idx="1">
+            <a:schemeClr val="accent1"/>
+          </a:fillRef>
+          <a:effectRef idx="0">
+            <a:schemeClr val="accent1"/>
+          </a:effectRef>
+          <a:fontRef idx="minor">
+            <a:schemeClr val="lt1"/>
+          </a:fontRef>
+        </p:style>
+        <p:txBody>
+          <a:bodyPr rtlCol="0" anchor="ctr"/>
+          <a:lstStyle/>
+          <a:p>
+            <a:pPr algn="ctr"/>
+            <a:r>
+              <a:rPr lang="ru-RU" sz="15000" dirty="0">
+                <a:solidFill>
+                  <a:srgbClr val="002060"/>
+                </a:solidFill>
+              </a:rPr>
+              <a:t>?</a:t>
+            </a:r>
+          </a:p>
+        </p:txBody>
+      </p:sp>
+      <p:sp>
+        <p:nvSpPr>
+          <p:cNvPr id="9" name="TextBox 8"/>
+          <p:cNvSpPr txBox="1"/>
+          <p:nvPr/>
+        </p:nvSpPr>
+        <p:spPr>
+          <a:xfrm>
+            <a:off x="1881944" y="5071368"/>
+            <a:ext cx="2780928" cy="1384995"/>
+          </a:xfrm>
+          <a:prstGeom prst="rect">
+            <a:avLst/>
+          </a:prstGeom>
+          <a:noFill/>
+        </p:spPr>
+        <p:txBody>
+          <a:bodyPr wrap="square" rtlCol="0">
+            <a:spAutoFit/>
+          </a:bodyPr>
+          <a:lstStyle/>
+          <a:p>
+            <a:pPr algn="ctr"/>
+            <a:r>
+              <a:rPr lang="ru-RU" sz="2800" dirty="0" err="1" smtClean="0"/>
+              <a:t>Кодиеум</a:t>
+            </a:r>
+            <a:endParaRPr lang="ru-RU" sz="2800" dirty="0" smtClean="0"/>
+          </a:p>
+          <a:p>
+            <a:pPr algn="ctr"/>
+            <a:r>
+              <a:rPr lang="en-US" sz="2800" dirty="0" smtClean="0"/>
+              <a:t>KEM </a:t>
+            </a:r>
+            <a:r>
+              <a:rPr lang="ru-RU" sz="2800" dirty="0" smtClean="0"/>
+              <a:t>на кодах</a:t>
+            </a:r>
+          </a:p>
+          <a:p>
+            <a:pPr algn="ctr"/>
+            <a:r>
+              <a:rPr lang="ru-RU" sz="2800" dirty="0" err="1" smtClean="0"/>
+              <a:t>Криптонит</a:t>
+            </a:r>
+            <a:endParaRPr lang="ru-RU" sz="2800" dirty="0"/>
+          </a:p>
+        </p:txBody>
+      </p:sp>
+      <p:sp>
+        <p:nvSpPr>
+          <p:cNvPr id="10" name="TextBox 9"/>
+          <p:cNvSpPr txBox="1"/>
+          <p:nvPr/>
+        </p:nvSpPr>
+        <p:spPr>
+          <a:xfrm>
+            <a:off x="7318548" y="5071368"/>
+            <a:ext cx="2974640" cy="1384995"/>
+          </a:xfrm>
+          <a:prstGeom prst="rect">
+            <a:avLst/>
+          </a:prstGeom>
+          <a:noFill/>
+        </p:spPr>
+        <p:txBody>
+          <a:bodyPr wrap="square" rtlCol="0">
+            <a:spAutoFit/>
+          </a:bodyPr>
+          <a:lstStyle/>
+          <a:p>
+            <a:pPr algn="ctr"/>
+            <a:r>
+              <a:rPr lang="ru-RU" sz="2800" dirty="0" smtClean="0"/>
+              <a:t>???</a:t>
+            </a:r>
+          </a:p>
+          <a:p>
+            <a:pPr algn="ctr"/>
+            <a:r>
+              <a:rPr lang="en-US" sz="2800" dirty="0" smtClean="0"/>
+              <a:t>KEM </a:t>
+            </a:r>
+            <a:r>
+              <a:rPr lang="ru-RU" sz="2800" dirty="0" smtClean="0"/>
+              <a:t>на решётках</a:t>
+            </a:r>
+          </a:p>
+          <a:p>
+            <a:pPr algn="ctr"/>
+            <a:endParaRPr lang="ru-RU" sz="2800" dirty="0"/>
+          </a:p>
+        </p:txBody>
+      </p:sp>
+    </p:spTree>
+    <p:extLst>
+      <p:ext uri="{BB962C8B-B14F-4D97-AF65-F5344CB8AC3E}">
+        <p14:creationId xmlns:p14="http://schemas.microsoft.com/office/powerpoint/2010/main" val="2490060834"/>
+      </p:ext>
+    </p:extLst>
+  </p:cSld>
+  <p:clrMapOvr>
+    <a:masterClrMapping/>
+  </p:clrMapOvr>
+  <mc:AlternateContent xmlns:mc="http://schemas.openxmlformats.org/markup-compatibility/2006" xmlns:p14="http://schemas.microsoft.com/office/powerpoint/2010/main">
+    <mc:Choice Requires="p14">
+      <p:transition spd="med" p14:dur="700">
+        <p:fade/>
+      </p:transition>
+    </mc:Choice>
+    <mc:Fallback xmlns="">
+      <p:transition spd="med">
+        <p:fade/>
+      </p:transition>
+    </mc:Fallback>
+  </mc:AlternateContent>
+  <p:timing>
+    <p:tnLst>
+      <p:par>
+        <p:cTn id="1" dur="indefinite" restart="never" nodeType="tmRoot"/>
+      </p:par>
+    </p:tnLst>
+  </p:timing>
+</p:sld>
+</file>
+
+<file path=ppt/slides/slide12.xml><?xml version="1.0" encoding="utf-8"?>
+<p:sld xmlns:a="http://schemas.openxmlformats.org/drawingml/2006/main" xmlns:r="http://schemas.openxmlformats.org/officeDocument/2006/relationships" xmlns:p="http://schemas.openxmlformats.org/presentationml/2006/main">
+  <p:cSld>
+    <p:spTree>
+      <p:nvGrpSpPr>
+        <p:cNvPr id="1" name=""/>
+        <p:cNvGrpSpPr/>
+        <p:nvPr/>
+      </p:nvGrpSpPr>
+      <p:grpSpPr>
+        <a:xfrm>
+          <a:off x="0" y="0"/>
+          <a:ext cx="0" cy="0"/>
+          <a:chOff x="0" y="0"/>
+          <a:chExt cx="0" cy="0"/>
+        </a:xfrm>
+      </p:grpSpPr>
+      <p:sp>
+        <p:nvSpPr>
+          <p:cNvPr id="2" name="Заголовок 1"/>
+          <p:cNvSpPr>
+            <a:spLocks noGrp="1"/>
+          </p:cNvSpPr>
+          <p:nvPr>
+            <p:ph type="title"/>
+          </p:nvPr>
+        </p:nvSpPr>
+        <p:spPr/>
+        <p:txBody>
+          <a:bodyPr/>
+          <a:lstStyle/>
+          <a:p>
+            <a:r>
+              <a:rPr lang="ru-RU" dirty="0" smtClean="0"/>
               <a:t>Методы </a:t>
             </a:r>
             <a:r>
@@ -5709,11 +6010,7 @@
             </a:r>
             <a:r>
               <a:rPr lang="ru-RU" dirty="0" smtClean="0"/>
-              <a:t> </a:t>
-            </a:r>
-            <a:r>
-              <a:rPr lang="ru-RU" dirty="0" err="1" smtClean="0"/>
-              <a:t>приктографии</a:t>
+              <a:t> криптографии</a:t>
             </a:r>
             <a:endParaRPr lang="ru-RU" dirty="0"/>
           </a:p>
@@ -5893,8 +6190,8 @@
           </a:p>
         </p:txBody>
       </p:sp>
-      <mc:AlternateContent xmlns:mc="http://schemas.openxmlformats.org/markup-compatibility/2006">
-        <mc:Choice xmlns:a14="http://schemas.microsoft.com/office/drawing/2010/main" Requires="a14">
+      <mc:AlternateContent xmlns:mc="http://schemas.openxmlformats.org/markup-compatibility/2006" xmlns:a14="http://schemas.microsoft.com/office/drawing/2010/main">
+        <mc:Choice Requires="a14">
           <p:sp>
             <p:nvSpPr>
               <p:cNvPr id="7" name="TextBox 6"/>
@@ -5917,6 +6214,7 @@
               </a:bodyPr>
               <a:lstStyle/>
               <a:p>
+                <a:pPr/>
                 <a14:m>
                   <m:oMathPara xmlns:m="http://schemas.openxmlformats.org/officeDocument/2006/math">
                     <m:oMathParaPr>
@@ -5924,65 +6222,89 @@
                     </m:oMathParaPr>
                     <m:oMath xmlns:m="http://schemas.openxmlformats.org/officeDocument/2006/math">
                       <m:r>
-                        <a:rPr lang="en-US" sz="1800" i="1"/>
+                        <a:rPr lang="en-US" sz="1800" i="1">
+                          <a:latin typeface="Cambria Math" panose="02040503050406030204" pitchFamily="18" charset="0"/>
+                        </a:rPr>
                         <m:t>𝑚</m:t>
                       </m:r>
                       <m:r>
-                        <a:rPr lang="en-US" sz="1800" i="1"/>
+                        <a:rPr lang="en-US" sz="1800" i="1">
+                          <a:latin typeface="Cambria Math" panose="02040503050406030204" pitchFamily="18" charset="0"/>
+                        </a:rPr>
                         <m:t>= </m:t>
                       </m:r>
                       <m:sSup>
                         <m:sSupPr>
                           <m:ctrlPr>
-                            <a:rPr lang="ru-RU" sz="1800" i="1"/>
+                            <a:rPr lang="ru-RU" sz="1800" i="1">
+                              <a:latin typeface="Cambria Math" panose="02040503050406030204" pitchFamily="18" charset="0"/>
+                            </a:rPr>
                           </m:ctrlPr>
                         </m:sSupPr>
                         <m:e>
                           <m:r>
-                            <a:rPr lang="en-US" sz="1800" i="1"/>
+                            <a:rPr lang="en-US" sz="1800" i="1">
+                              <a:latin typeface="Cambria Math" panose="02040503050406030204" pitchFamily="18" charset="0"/>
+                            </a:rPr>
                             <m:t>𝐵</m:t>
                           </m:r>
                         </m:e>
                         <m:sup>
                           <m:r>
-                            <a:rPr lang="en-US" sz="1800" i="1"/>
+                            <a:rPr lang="en-US" sz="1800" i="1">
+                              <a:latin typeface="Cambria Math" panose="02040503050406030204" pitchFamily="18" charset="0"/>
+                            </a:rPr>
                             <m:t>−1</m:t>
                           </m:r>
                         </m:sup>
                       </m:sSup>
                       <m:r>
-                        <a:rPr lang="en-US" sz="1800" i="1"/>
+                        <a:rPr lang="en-US" sz="1800" i="1">
+                          <a:latin typeface="Cambria Math" panose="02040503050406030204" pitchFamily="18" charset="0"/>
+                        </a:rPr>
                         <m:t>𝑅</m:t>
                       </m:r>
                       <m:r>
-                        <a:rPr lang="en-US" sz="1800" i="1"/>
+                        <a:rPr lang="en-US" sz="1800" i="1">
+                          <a:latin typeface="Cambria Math" panose="02040503050406030204" pitchFamily="18" charset="0"/>
+                        </a:rPr>
                         <m:t>[</m:t>
                       </m:r>
                       <m:sSup>
                         <m:sSupPr>
                           <m:ctrlPr>
-                            <a:rPr lang="ru-RU" sz="1800" i="1"/>
+                            <a:rPr lang="ru-RU" sz="1800" i="1">
+                              <a:latin typeface="Cambria Math" panose="02040503050406030204" pitchFamily="18" charset="0"/>
+                            </a:rPr>
                           </m:ctrlPr>
                         </m:sSupPr>
                         <m:e>
                           <m:r>
-                            <a:rPr lang="en-US" sz="1800" i="1"/>
+                            <a:rPr lang="en-US" sz="1800" i="1">
+                              <a:latin typeface="Cambria Math" panose="02040503050406030204" pitchFamily="18" charset="0"/>
+                            </a:rPr>
                             <m:t>𝑅</m:t>
                           </m:r>
                         </m:e>
                         <m:sup>
                           <m:r>
-                            <a:rPr lang="en-US" sz="1800" i="1"/>
+                            <a:rPr lang="en-US" sz="1800" i="1">
+                              <a:latin typeface="Cambria Math" panose="02040503050406030204" pitchFamily="18" charset="0"/>
+                            </a:rPr>
                             <m:t>−1</m:t>
                           </m:r>
                         </m:sup>
                       </m:sSup>
                       <m:r>
-                        <a:rPr lang="en-US" sz="1800" i="1"/>
+                        <a:rPr lang="en-US" sz="1800" i="1">
+                          <a:latin typeface="Cambria Math" panose="02040503050406030204" pitchFamily="18" charset="0"/>
+                        </a:rPr>
                         <m:t>𝑐</m:t>
                       </m:r>
                       <m:r>
-                        <a:rPr lang="en-US" sz="1800" i="1"/>
+                        <a:rPr lang="en-US" sz="1800" i="1">
+                          <a:latin typeface="Cambria Math" panose="02040503050406030204" pitchFamily="18" charset="0"/>
+                        </a:rPr>
                         <m:t>]</m:t>
                       </m:r>
                     </m:oMath>
@@ -5993,7 +6315,7 @@
             </p:txBody>
           </p:sp>
         </mc:Choice>
-        <mc:Fallback>
+        <mc:Fallback xmlns="">
           <p:sp>
             <p:nvSpPr>
               <p:cNvPr id="7" name="TextBox 6"/>
@@ -6664,232 +6986,13 @@
   <p:clrMapOvr>
     <a:masterClrMapping/>
   </p:clrMapOvr>
-  <mc:AlternateContent xmlns:mc="http://schemas.openxmlformats.org/markup-compatibility/2006">
-    <mc:Choice xmlns:p14="http://schemas.microsoft.com/office/powerpoint/2010/main" Requires="p14">
+  <mc:AlternateContent xmlns:mc="http://schemas.openxmlformats.org/markup-compatibility/2006" xmlns:p14="http://schemas.microsoft.com/office/powerpoint/2010/main">
+    <mc:Choice Requires="p14">
       <p:transition spd="med" p14:dur="700">
         <p:fade/>
       </p:transition>
     </mc:Choice>
-    <mc:Fallback>
-      <p:transition spd="med">
-        <p:fade/>
-      </p:transition>
-    </mc:Fallback>
-  </mc:AlternateContent>
-  <p:timing>
-    <p:tnLst>
-      <p:par>
-        <p:cTn id="1" dur="indefinite" restart="never" nodeType="tmRoot"/>
-      </p:par>
-    </p:tnLst>
-  </p:timing>
-</p:sld>
-</file>
-
-<file path=ppt/slides/slide12.xml><?xml version="1.0" encoding="utf-8"?>
-<p:sld xmlns:a="http://schemas.openxmlformats.org/drawingml/2006/main" xmlns:r="http://schemas.openxmlformats.org/officeDocument/2006/relationships" xmlns:p="http://schemas.openxmlformats.org/presentationml/2006/main">
-  <p:cSld>
-    <p:spTree>
-      <p:nvGrpSpPr>
-        <p:cNvPr id="1" name=""/>
-        <p:cNvGrpSpPr/>
-        <p:nvPr/>
-      </p:nvGrpSpPr>
-      <p:grpSpPr>
-        <a:xfrm>
-          <a:off x="0" y="0"/>
-          <a:ext cx="0" cy="0"/>
-          <a:chOff x="0" y="0"/>
-          <a:chExt cx="0" cy="0"/>
-        </a:xfrm>
-      </p:grpSpPr>
-      <p:sp>
-        <p:nvSpPr>
-          <p:cNvPr id="2" name="Заголовок 1"/>
-          <p:cNvSpPr>
-            <a:spLocks noGrp="1"/>
-          </p:cNvSpPr>
-          <p:nvPr>
-            <p:ph type="title"/>
-          </p:nvPr>
-        </p:nvSpPr>
-        <p:spPr/>
-        <p:txBody>
-          <a:bodyPr/>
-          <a:lstStyle/>
-          <a:p>
-            <a:r>
-              <a:rPr lang="ru-RU" dirty="0" smtClean="0"/>
-              <a:t>Алгоритмы взлома</a:t>
-            </a:r>
-            <a:endParaRPr lang="ru-RU" dirty="0"/>
-          </a:p>
-        </p:txBody>
-      </p:sp>
-      <p:sp>
-        <p:nvSpPr>
-          <p:cNvPr id="3" name="Объект 2"/>
-          <p:cNvSpPr>
-            <a:spLocks noGrp="1"/>
-          </p:cNvSpPr>
-          <p:nvPr>
-            <p:ph idx="1"/>
-          </p:nvPr>
-        </p:nvSpPr>
-        <p:spPr/>
-        <p:txBody>
-          <a:bodyPr/>
-          <a:lstStyle/>
-          <a:p>
-            <a:r>
-              <a:rPr lang="ru-RU" dirty="0" smtClean="0"/>
-              <a:t>Алгоритм </a:t>
-            </a:r>
-            <a:r>
-              <a:rPr lang="ru-RU" dirty="0" err="1" smtClean="0"/>
-              <a:t>Шора</a:t>
-            </a:r>
-            <a:endParaRPr lang="ru-RU" dirty="0" smtClean="0"/>
-          </a:p>
-          <a:p>
-            <a:pPr lvl="1"/>
-            <a:r>
-              <a:rPr lang="ru-RU" dirty="0"/>
-              <a:t>Задача факторизации сводится к поиску </a:t>
-            </a:r>
-            <a:r>
-              <a:rPr lang="ru-RU" dirty="0" err="1" smtClean="0"/>
-              <a:t>перииода</a:t>
-            </a:r>
-            <a:r>
-              <a:rPr lang="ru-RU" dirty="0" smtClean="0"/>
-              <a:t> </a:t>
-            </a:r>
-            <a:r>
-              <a:rPr lang="ru-RU" dirty="0"/>
-              <a:t>функции f(x) = </a:t>
-            </a:r>
-            <a:r>
-              <a:rPr lang="ru-RU" dirty="0" err="1"/>
-              <a:t>a</a:t>
-            </a:r>
-            <a:r>
-              <a:rPr lang="ru-RU" baseline="30000" dirty="0" err="1"/>
-              <a:t>x</a:t>
-            </a:r>
-            <a:r>
-              <a:rPr lang="ru-RU" dirty="0"/>
-              <a:t> </a:t>
-            </a:r>
-            <a:r>
-              <a:rPr lang="ru-RU" dirty="0" err="1"/>
-              <a:t>mod</a:t>
-            </a:r>
-            <a:r>
-              <a:rPr lang="ru-RU" dirty="0"/>
-              <a:t> N, где N — число для разложения, a — случайное число, </a:t>
-            </a:r>
-            <a:r>
-              <a:rPr lang="ru-RU" dirty="0" err="1"/>
-              <a:t>взаимнопростое</a:t>
-            </a:r>
-            <a:r>
-              <a:rPr lang="ru-RU" dirty="0"/>
-              <a:t> с N.</a:t>
-            </a:r>
-          </a:p>
-          <a:p>
-            <a:pPr lvl="1"/>
-            <a:r>
-              <a:rPr lang="ru-RU" dirty="0"/>
-              <a:t>Позволяет факторизовать число </a:t>
-            </a:r>
-            <a:r>
-              <a:rPr lang="ru-RU" dirty="0" smtClean="0"/>
-              <a:t>N</a:t>
-            </a:r>
-            <a:r>
-              <a:rPr lang="ru-RU" dirty="0"/>
-              <a:t> за полиномиальное время (O(log</a:t>
-            </a:r>
-            <a:r>
-              <a:rPr lang="ru-RU" baseline="-25000" dirty="0"/>
-              <a:t>3</a:t>
-            </a:r>
-            <a:r>
-              <a:rPr lang="ru-RU" dirty="0"/>
-              <a:t> N)), используя O(</a:t>
-            </a:r>
-            <a:r>
-              <a:rPr lang="ru-RU" dirty="0" err="1"/>
-              <a:t>log</a:t>
-            </a:r>
-            <a:r>
-              <a:rPr lang="ru-RU" dirty="0"/>
-              <a:t> N) </a:t>
-            </a:r>
-            <a:r>
-              <a:rPr lang="ru-RU" dirty="0" err="1"/>
-              <a:t>кубитов</a:t>
-            </a:r>
-            <a:r>
-              <a:rPr lang="ru-RU" dirty="0" smtClean="0"/>
-              <a:t>.</a:t>
-            </a:r>
-          </a:p>
-          <a:p>
-            <a:r>
-              <a:rPr lang="ru-RU" dirty="0" smtClean="0"/>
-              <a:t>Алгоритм </a:t>
-            </a:r>
-            <a:r>
-              <a:rPr lang="ru-RU" dirty="0" err="1" smtClean="0"/>
-              <a:t>Гровера</a:t>
-            </a:r>
-            <a:endParaRPr lang="ru-RU" dirty="0" smtClean="0"/>
-          </a:p>
-          <a:p>
-            <a:pPr lvl="1"/>
-            <a:r>
-              <a:rPr lang="ru-RU" dirty="0"/>
-              <a:t>Использует </a:t>
-            </a:r>
-            <a:r>
-              <a:rPr lang="ru-RU" b="1" dirty="0"/>
-              <a:t>квантовую амплитудную </a:t>
-            </a:r>
-            <a:r>
-              <a:rPr lang="ru-RU" b="1" dirty="0" smtClean="0"/>
-              <a:t>интерференцию</a:t>
-            </a:r>
-          </a:p>
-          <a:p>
-            <a:pPr lvl="1"/>
-            <a:r>
-              <a:rPr lang="ru-RU" dirty="0" smtClean="0"/>
-              <a:t>Ускоряет перебор в 2 раза</a:t>
-            </a:r>
-            <a:endParaRPr lang="ru-RU" dirty="0"/>
-          </a:p>
-        </p:txBody>
-      </p:sp>
-    </p:spTree>
-    <p:extLst>
-      <p:ext uri="{BB962C8B-B14F-4D97-AF65-F5344CB8AC3E}">
-        <p14:creationId xmlns:p14="http://schemas.microsoft.com/office/powerpoint/2010/main" val="3372615993"/>
-      </p:ext>
-    </p:extLst>
-  </p:cSld>
-  <p:clrMapOvr>
-    <a:masterClrMapping/>
-  </p:clrMapOvr>
-  <mc:AlternateContent xmlns:mc="http://schemas.openxmlformats.org/markup-compatibility/2006">
-    <mc:Choice xmlns:p14="http://schemas.microsoft.com/office/powerpoint/2010/main" Requires="p14">
-      <p:transition spd="med" p14:dur="700">
-        <p:fade/>
-      </p:transition>
-    </mc:Choice>
-    <mc:Fallback>
+    <mc:Fallback xmlns="">
       <p:transition spd="med">
         <p:fade/>
       </p:transition>
@@ -6939,7 +7042,7 @@
           <a:p>
             <a:r>
               <a:rPr lang="ru-RU" dirty="0" smtClean="0"/>
-              <a:t>Создание алгоритма</a:t>
+              <a:t>Алгоритмы взлома</a:t>
             </a:r>
             <a:endParaRPr lang="ru-RU" dirty="0"/>
           </a:p>
@@ -6960,27 +7063,147 @@
           <a:bodyPr/>
           <a:lstStyle/>
           <a:p>
-            <a:endParaRPr lang="ru-RU"/>
+            <a:r>
+              <a:rPr lang="ru-RU" dirty="0" smtClean="0"/>
+              <a:t>Алгоритм </a:t>
+            </a:r>
+            <a:r>
+              <a:rPr lang="ru-RU" dirty="0" err="1" smtClean="0"/>
+              <a:t>Шора</a:t>
+            </a:r>
+            <a:endParaRPr lang="ru-RU" dirty="0" smtClean="0"/>
+          </a:p>
+          <a:p>
+            <a:pPr lvl="1"/>
+            <a:r>
+              <a:rPr lang="ru-RU" dirty="0"/>
+              <a:t>Задача факторизации сводится к поиску </a:t>
+            </a:r>
+            <a:r>
+              <a:rPr lang="ru-RU" dirty="0" smtClean="0"/>
+              <a:t>периода </a:t>
+            </a:r>
+            <a:r>
+              <a:rPr lang="ru-RU" dirty="0"/>
+              <a:t>функции f(x) = </a:t>
+            </a:r>
+            <a:r>
+              <a:rPr lang="ru-RU" dirty="0" err="1"/>
+              <a:t>a</a:t>
+            </a:r>
+            <a:r>
+              <a:rPr lang="ru-RU" baseline="30000" dirty="0" err="1"/>
+              <a:t>x</a:t>
+            </a:r>
+            <a:r>
+              <a:rPr lang="ru-RU" dirty="0"/>
+              <a:t> </a:t>
+            </a:r>
+            <a:r>
+              <a:rPr lang="ru-RU" dirty="0" err="1"/>
+              <a:t>mod</a:t>
+            </a:r>
+            <a:r>
+              <a:rPr lang="ru-RU" dirty="0"/>
+              <a:t> N, где N — число для разложения, a — случайное число, </a:t>
+            </a:r>
+            <a:r>
+              <a:rPr lang="ru-RU" dirty="0" smtClean="0"/>
+              <a:t>взаимно простое </a:t>
+            </a:r>
+            <a:r>
+              <a:rPr lang="ru-RU" dirty="0"/>
+              <a:t>с N.</a:t>
+            </a:r>
+          </a:p>
+          <a:p>
+            <a:pPr lvl="1"/>
+            <a:r>
+              <a:rPr lang="ru-RU" dirty="0"/>
+              <a:t>Позволяет факторизовать число </a:t>
+            </a:r>
+            <a:r>
+              <a:rPr lang="ru-RU" dirty="0" smtClean="0"/>
+              <a:t>N</a:t>
+            </a:r>
+            <a:r>
+              <a:rPr lang="ru-RU" dirty="0"/>
+              <a:t> за полиномиальное время (O(log</a:t>
+            </a:r>
+            <a:r>
+              <a:rPr lang="ru-RU" baseline="-25000" dirty="0"/>
+              <a:t>3</a:t>
+            </a:r>
+            <a:r>
+              <a:rPr lang="ru-RU" dirty="0"/>
+              <a:t> N)), используя O(</a:t>
+            </a:r>
+            <a:r>
+              <a:rPr lang="ru-RU" dirty="0" err="1"/>
+              <a:t>log</a:t>
+            </a:r>
+            <a:r>
+              <a:rPr lang="ru-RU" dirty="0"/>
+              <a:t> N) кубитов</a:t>
+            </a:r>
+            <a:r>
+              <a:rPr lang="ru-RU" dirty="0" smtClean="0"/>
+              <a:t>.</a:t>
+            </a:r>
+          </a:p>
+          <a:p>
+            <a:r>
+              <a:rPr lang="ru-RU" dirty="0" smtClean="0"/>
+              <a:t>Алгоритм </a:t>
+            </a:r>
+            <a:r>
+              <a:rPr lang="ru-RU" dirty="0" err="1" smtClean="0"/>
+              <a:t>Гровера</a:t>
+            </a:r>
+            <a:endParaRPr lang="ru-RU" dirty="0" smtClean="0"/>
+          </a:p>
+          <a:p>
+            <a:pPr lvl="1"/>
+            <a:r>
+              <a:rPr lang="ru-RU" dirty="0"/>
+              <a:t>Использует </a:t>
+            </a:r>
+            <a:r>
+              <a:rPr lang="ru-RU" b="1" dirty="0"/>
+              <a:t>квантовую амплитудную </a:t>
+            </a:r>
+            <a:r>
+              <a:rPr lang="ru-RU" b="1" dirty="0" smtClean="0"/>
+              <a:t>интерференцию</a:t>
+            </a:r>
+          </a:p>
+          <a:p>
+            <a:pPr lvl="1"/>
+            <a:r>
+              <a:rPr lang="ru-RU" dirty="0" smtClean="0"/>
+              <a:t>Ускоряет перебор в 2 раза</a:t>
+            </a:r>
+            <a:endParaRPr lang="ru-RU" dirty="0"/>
           </a:p>
         </p:txBody>
       </p:sp>
     </p:spTree>
     <p:extLst>
       <p:ext uri="{BB962C8B-B14F-4D97-AF65-F5344CB8AC3E}">
-        <p14:creationId xmlns:p14="http://schemas.microsoft.com/office/powerpoint/2010/main" val="2698629028"/>
+        <p14:creationId xmlns:p14="http://schemas.microsoft.com/office/powerpoint/2010/main" val="3372615993"/>
       </p:ext>
     </p:extLst>
   </p:cSld>
   <p:clrMapOvr>
     <a:masterClrMapping/>
   </p:clrMapOvr>
-  <mc:AlternateContent xmlns:mc="http://schemas.openxmlformats.org/markup-compatibility/2006">
-    <mc:Choice xmlns:p14="http://schemas.microsoft.com/office/powerpoint/2010/main" Requires="p14">
+  <mc:AlternateContent xmlns:mc="http://schemas.openxmlformats.org/markup-compatibility/2006" xmlns:p14="http://schemas.microsoft.com/office/powerpoint/2010/main">
+    <mc:Choice Requires="p14">
       <p:transition spd="med" p14:dur="700">
         <p:fade/>
       </p:transition>
     </mc:Choice>
-    <mc:Fallback>
+    <mc:Fallback xmlns="">
       <p:transition spd="med">
         <p:fade/>
       </p:transition>
@@ -7030,9 +7253,173 @@
           <a:p>
             <a:r>
               <a:rPr lang="ru-RU" dirty="0" smtClean="0"/>
+              <a:t>Создание алгоритма</a:t>
+            </a:r>
+            <a:endParaRPr lang="ru-RU" dirty="0"/>
+          </a:p>
+        </p:txBody>
+      </p:sp>
+      <p:sp>
+        <p:nvSpPr>
+          <p:cNvPr id="3" name="Объект 2"/>
+          <p:cNvSpPr>
+            <a:spLocks noGrp="1"/>
+          </p:cNvSpPr>
+          <p:nvPr>
+            <p:ph idx="1"/>
+          </p:nvPr>
+        </p:nvSpPr>
+        <p:spPr/>
+        <p:txBody>
+          <a:bodyPr/>
+          <a:lstStyle/>
+          <a:p>
+            <a:endParaRPr lang="ru-RU"/>
+          </a:p>
+        </p:txBody>
+      </p:sp>
+    </p:spTree>
+    <p:extLst>
+      <p:ext uri="{BB962C8B-B14F-4D97-AF65-F5344CB8AC3E}">
+        <p14:creationId xmlns:p14="http://schemas.microsoft.com/office/powerpoint/2010/main" val="2698629028"/>
+      </p:ext>
+    </p:extLst>
+  </p:cSld>
+  <p:clrMapOvr>
+    <a:masterClrMapping/>
+  </p:clrMapOvr>
+  <mc:AlternateContent xmlns:mc="http://schemas.openxmlformats.org/markup-compatibility/2006" xmlns:p14="http://schemas.microsoft.com/office/powerpoint/2010/main">
+    <mc:Choice Requires="p14">
+      <p:transition spd="med" p14:dur="700">
+        <p:fade/>
+      </p:transition>
+    </mc:Choice>
+    <mc:Fallback xmlns="">
+      <p:transition spd="med">
+        <p:fade/>
+      </p:transition>
+    </mc:Fallback>
+  </mc:AlternateContent>
+  <p:timing>
+    <p:tnLst>
+      <p:par>
+        <p:cTn id="1" dur="indefinite" restart="never" nodeType="tmRoot"/>
+      </p:par>
+    </p:tnLst>
+  </p:timing>
+</p:sld>
+</file>
+
+<file path=ppt/slides/slide15.xml><?xml version="1.0" encoding="utf-8"?>
+<p:sld xmlns:a="http://schemas.openxmlformats.org/drawingml/2006/main" xmlns:r="http://schemas.openxmlformats.org/officeDocument/2006/relationships" xmlns:p="http://schemas.openxmlformats.org/presentationml/2006/main">
+  <p:cSld>
+    <p:spTree>
+      <p:nvGrpSpPr>
+        <p:cNvPr id="1" name=""/>
+        <p:cNvGrpSpPr/>
+        <p:nvPr/>
+      </p:nvGrpSpPr>
+      <p:grpSpPr>
+        <a:xfrm>
+          <a:off x="0" y="0"/>
+          <a:ext cx="0" cy="0"/>
+          <a:chOff x="0" y="0"/>
+          <a:chExt cx="0" cy="0"/>
+        </a:xfrm>
+      </p:grpSpPr>
+      <p:sp>
+        <p:nvSpPr>
+          <p:cNvPr id="8" name="Скругленный прямоугольник 7"/>
+          <p:cNvSpPr/>
+          <p:nvPr/>
+        </p:nvSpPr>
+        <p:spPr>
+          <a:xfrm>
+            <a:off x="8357279" y="369910"/>
+            <a:ext cx="3168352" cy="3212976"/>
+          </a:xfrm>
+          <a:prstGeom prst="roundRect">
+            <a:avLst/>
+          </a:prstGeom>
+          <a:solidFill>
+            <a:srgbClr val="6974D9">
+              <a:alpha val="87059"/>
+            </a:srgbClr>
+          </a:solidFill>
+          <a:ln>
+            <a:noFill/>
+          </a:ln>
+          <a:effectLst>
+            <a:outerShdw blurRad="190500" dist="228600" dir="2700000" algn="ctr">
+              <a:srgbClr val="000000">
+                <a:alpha val="30000"/>
+              </a:srgbClr>
+            </a:outerShdw>
+          </a:effectLst>
+          <a:scene3d>
+            <a:camera prst="orthographicFront">
+              <a:rot lat="0" lon="0" rev="0"/>
+            </a:camera>
+            <a:lightRig rig="glow" dir="t">
+              <a:rot lat="0" lon="0" rev="4800000"/>
+            </a:lightRig>
+          </a:scene3d>
+          <a:sp3d prstMaterial="matte">
+            <a:bevelT w="127000" h="63500"/>
+          </a:sp3d>
+        </p:spPr>
+        <p:style>
+          <a:lnRef idx="2">
+            <a:schemeClr val="accent1">
+              <a:shade val="50000"/>
+            </a:schemeClr>
+          </a:lnRef>
+          <a:fillRef idx="1">
+            <a:schemeClr val="accent1"/>
+          </a:fillRef>
+          <a:effectRef idx="0">
+            <a:schemeClr val="accent1"/>
+          </a:effectRef>
+          <a:fontRef idx="minor">
+            <a:schemeClr val="lt1"/>
+          </a:fontRef>
+        </p:style>
+        <p:txBody>
+          <a:bodyPr rtlCol="0" anchor="ctr"/>
+          <a:lstStyle/>
+          <a:p>
+            <a:pPr algn="ctr"/>
+            <a:endParaRPr lang="ru-RU" sz="2800"/>
+          </a:p>
+        </p:txBody>
+      </p:sp>
+      <p:sp>
+        <p:nvSpPr>
+          <p:cNvPr id="2" name="Заголовок 1"/>
+          <p:cNvSpPr>
+            <a:spLocks noGrp="1"/>
+          </p:cNvSpPr>
+          <p:nvPr>
+            <p:ph type="title"/>
+          </p:nvPr>
+        </p:nvSpPr>
+        <p:spPr>
+          <a:xfrm>
+            <a:off x="1701924" y="548680"/>
+            <a:ext cx="4968552" cy="1872208"/>
+          </a:xfrm>
+        </p:spPr>
+        <p:txBody>
+          <a:bodyPr>
+            <a:noAutofit/>
+          </a:bodyPr>
+          <a:lstStyle/>
+          <a:p>
+            <a:r>
+              <a:rPr lang="ru-RU" sz="6000" dirty="0" smtClean="0"/>
               <a:t>Спасибо за внимание!</a:t>
             </a:r>
-            <a:endParaRPr lang="ru-RU" dirty="0"/>
+            <a:endParaRPr lang="ru-RU" sz="6000" dirty="0"/>
           </a:p>
         </p:txBody>
       </p:sp>
@@ -7046,31 +7433,152 @@
             <p:ph type="body" sz="half" idx="2"/>
           </p:nvPr>
         </p:nvSpPr>
-        <p:spPr/>
-        <p:txBody>
-          <a:bodyPr/>
+        <p:spPr>
+          <a:xfrm>
+            <a:off x="1701924" y="3861048"/>
+            <a:ext cx="6819746" cy="2636912"/>
+          </a:xfrm>
+        </p:spPr>
+        <p:txBody>
+          <a:bodyPr>
+            <a:noAutofit/>
+          </a:bodyPr>
           <a:lstStyle/>
           <a:p>
             <a:r>
-              <a:rPr lang="ru-RU" dirty="0" smtClean="0"/>
-              <a:t>Время вопросов</a:t>
-            </a:r>
-            <a:endParaRPr lang="ru-RU" dirty="0"/>
-          </a:p>
-        </p:txBody>
-      </p:sp>
-      <p:sp>
-        <p:nvSpPr>
-          <p:cNvPr id="4" name="Рисунок 3"/>
-          <p:cNvSpPr>
-            <a:spLocks noGrp="1"/>
-          </p:cNvSpPr>
+              <a:rPr lang="ru-RU" sz="3600" i="1" dirty="0">
+                <a:latin typeface="Alexandra Zeferino Two" panose="03000500000000020003" pitchFamily="66" charset="0"/>
+              </a:rPr>
+              <a:t>"</a:t>
+            </a:r>
+            <a:r>
+              <a:rPr lang="ru-RU" sz="3600" i="1" dirty="0" err="1">
+                <a:latin typeface="Alexandra Zeferino Two" panose="03000500000000020003" pitchFamily="66" charset="0"/>
+              </a:rPr>
+              <a:t>Постквантовая</a:t>
+            </a:r>
+            <a:r>
+              <a:rPr lang="ru-RU" sz="3600" i="1" dirty="0">
+                <a:latin typeface="Alexandra Zeferino Two" panose="03000500000000020003" pitchFamily="66" charset="0"/>
+              </a:rPr>
+              <a:t> криптография — это не будущее, а необходимость уже сегодня. Начните подготовку сейчас, чтобы оставаться защищёнными завтра</a:t>
+            </a:r>
+            <a:r>
+              <a:rPr lang="ru-RU" sz="3600" i="1" dirty="0" smtClean="0">
+                <a:latin typeface="Alexandra Zeferino Two" panose="03000500000000020003" pitchFamily="66" charset="0"/>
+              </a:rPr>
+              <a:t>.</a:t>
+            </a:r>
+            <a:endParaRPr lang="en-US" sz="3600" i="1" dirty="0" smtClean="0">
+              <a:latin typeface="Alexandra Zeferino Two" panose="03000500000000020003" pitchFamily="66" charset="0"/>
+            </a:endParaRPr>
+          </a:p>
+          <a:p>
+            <a:r>
+              <a:rPr lang="ru-RU" sz="3600" i="1" dirty="0" smtClean="0">
+                <a:latin typeface="Alexandra Zeferino Two" panose="03000500000000020003" pitchFamily="66" charset="0"/>
+              </a:rPr>
+              <a:t>	       </a:t>
+            </a:r>
+            <a:r>
+              <a:rPr lang="en-US" sz="3600" i="1" dirty="0" smtClean="0">
+                <a:latin typeface="Alexandra Zeferino Two" panose="03000500000000020003" pitchFamily="66" charset="0"/>
+              </a:rPr>
+              <a:t>		</a:t>
+            </a:r>
+            <a:r>
+              <a:rPr lang="ru-RU" sz="3600" i="1" dirty="0" smtClean="0">
+                <a:latin typeface="Alexandra Zeferino Two" panose="03000500000000020003" pitchFamily="66" charset="0"/>
+              </a:rPr>
+              <a:t> </a:t>
+            </a:r>
+            <a:r>
+              <a:rPr lang="en-US" sz="3600" i="1" dirty="0" smtClean="0">
+                <a:latin typeface="Alexandra Zeferino Two" panose="03000500000000020003" pitchFamily="66" charset="0"/>
+              </a:rPr>
+              <a:t>@</a:t>
+            </a:r>
+            <a:r>
+              <a:rPr lang="ru-RU" sz="3600" i="1" dirty="0" err="1" smtClean="0">
+                <a:latin typeface="Alexandra Zeferino Two" panose="03000500000000020003" pitchFamily="66" charset="0"/>
+              </a:rPr>
+              <a:t>Брылёв</a:t>
+            </a:r>
+            <a:r>
+              <a:rPr lang="ru-RU" sz="3600" i="1" dirty="0" smtClean="0">
+                <a:latin typeface="Alexandra Zeferino Two" panose="03000500000000020003" pitchFamily="66" charset="0"/>
+              </a:rPr>
+              <a:t>  Альберт</a:t>
+            </a:r>
+            <a:endParaRPr lang="ru-RU" sz="3600" dirty="0">
+              <a:latin typeface="Alexandra Zeferino Two" panose="03000500000000020003" pitchFamily="66" charset="0"/>
+            </a:endParaRPr>
+          </a:p>
+        </p:txBody>
+      </p:sp>
+      <p:pic>
+        <p:nvPicPr>
+          <p:cNvPr id="6" name="Рисунок 5"/>
+          <p:cNvPicPr>
+            <a:picLocks noGrp="1" noChangeAspect="1"/>
+          </p:cNvPicPr>
           <p:nvPr>
             <p:ph type="pic" idx="1"/>
           </p:nvPr>
-        </p:nvSpPr>
-        <p:spPr/>
-      </p:sp>
+        </p:nvPicPr>
+        <p:blipFill>
+          <a:blip r:embed="rId2">
+            <a:extLst>
+              <a:ext uri="{28A0092B-C50C-407E-A947-70E740481C1C}">
+                <a14:useLocalDpi xmlns:a14="http://schemas.microsoft.com/office/drawing/2010/main" val="0"/>
+              </a:ext>
+            </a:extLst>
+          </a:blip>
+          <a:srcRect l="4154" r="4154"/>
+          <a:stretch>
+            <a:fillRect/>
+          </a:stretch>
+        </p:blipFill>
+        <p:spPr>
+          <a:xfrm>
+            <a:off x="8521670" y="3935648"/>
+            <a:ext cx="2819082" cy="2584831"/>
+          </a:xfrm>
+          <a:ln>
+            <a:noFill/>
+          </a:ln>
+        </p:spPr>
+      </p:pic>
+      <p:pic>
+        <p:nvPicPr>
+          <p:cNvPr id="7" name="Рисунок 6"/>
+          <p:cNvPicPr>
+            <a:picLocks noChangeAspect="1"/>
+          </p:cNvPicPr>
+          <p:nvPr/>
+        </p:nvPicPr>
+        <p:blipFill>
+          <a:blip r:embed="rId3" cstate="print">
+            <a:extLst>
+              <a:ext uri="{28A0092B-C50C-407E-A947-70E740481C1C}">
+                <a14:useLocalDpi xmlns:a14="http://schemas.microsoft.com/office/drawing/2010/main" val="0"/>
+              </a:ext>
+            </a:extLst>
+          </a:blip>
+          <a:stretch>
+            <a:fillRect/>
+          </a:stretch>
+        </p:blipFill>
+        <p:spPr>
+          <a:xfrm>
+            <a:off x="8470676" y="548680"/>
+            <a:ext cx="2912556" cy="2912556"/>
+          </a:xfrm>
+          <a:prstGeom prst="rect">
+            <a:avLst/>
+          </a:prstGeom>
+        </p:spPr>
+      </p:pic>
     </p:spTree>
     <p:extLst>
       <p:ext uri="{BB962C8B-B14F-4D97-AF65-F5344CB8AC3E}">
@@ -7081,13 +7589,13 @@
   <p:clrMapOvr>
     <a:masterClrMapping/>
   </p:clrMapOvr>
-  <mc:AlternateContent xmlns:mc="http://schemas.openxmlformats.org/markup-compatibility/2006">
-    <mc:Choice xmlns:p14="http://schemas.microsoft.com/office/powerpoint/2010/main" Requires="p14">
+  <mc:AlternateContent xmlns:mc="http://schemas.openxmlformats.org/markup-compatibility/2006" xmlns:p14="http://schemas.microsoft.com/office/powerpoint/2010/main">
+    <mc:Choice Requires="p14">
       <p:transition spd="med" p14:dur="700">
         <p:fade/>
       </p:transition>
     </mc:Choice>
-    <mc:Fallback>
+    <mc:Fallback xmlns="">
       <p:transition spd="med">
         <p:fade/>
       </p:transition>
@@ -7865,13 +8373,8 @@
             <a:pPr algn="ctr"/>
             <a:r>
               <a:rPr lang="ru-RU" sz="2800" dirty="0" smtClean="0"/>
-              <a:t>2 кг сыра</a:t>
-            </a:r>
-            <a:r>
-              <a:rPr lang="ru-RU" sz="2800" dirty="0" smtClean="0"/>
-              <a:t>, 1 чесночный зубчик</a:t>
-            </a:r>
-            <a:endParaRPr lang="ru-RU" sz="2800" dirty="0" smtClean="0"/>
+              <a:t>2 кг сыра, 1 чесночный зубчик</a:t>
+            </a:r>
           </a:p>
         </p:txBody>
       </p:sp>
@@ -8148,7 +8651,7 @@
         <p:spPr>
           <a:xfrm>
             <a:off x="1218883" y="1706880"/>
-            <a:ext cx="5883641" cy="4465320"/>
+            <a:ext cx="6243681" cy="4465320"/>
           </a:xfrm>
         </p:spPr>
         <p:txBody>
@@ -8156,20 +8659,24 @@
           <a:lstStyle/>
           <a:p>
             <a:r>
-              <a:rPr lang="en-US" dirty="0" smtClean="0"/>
-              <a:t>RSA-2048 </a:t>
+              <a:rPr lang="en-US" b="1" dirty="0" smtClean="0"/>
+              <a:t>RSA-2048</a:t>
             </a:r>
             <a:r>
               <a:rPr lang="ru-RU" dirty="0" smtClean="0"/>
-              <a:t>ломается квантовым компьютером с 4000 </a:t>
-            </a:r>
-            <a:r>
-              <a:rPr lang="ru-RU" dirty="0" err="1" smtClean="0"/>
-              <a:t>кубитов</a:t>
+              <a:t> или </a:t>
+            </a:r>
+            <a:r>
+              <a:rPr lang="ru-RU" b="1" dirty="0"/>
+              <a:t>ГОСТ Р 34.10-2012</a:t>
+            </a:r>
+            <a:r>
+              <a:rPr lang="en-US" b="1" dirty="0" smtClean="0"/>
+              <a:t> </a:t>
             </a:r>
             <a:r>
               <a:rPr lang="ru-RU" dirty="0" smtClean="0"/>
-              <a:t> за </a:t>
+              <a:t>ломается квантовым компьютером с 4000 кубитов за </a:t>
             </a:r>
             <a:r>
               <a:rPr lang="en-US" dirty="0" smtClean="0"/>
@@ -8186,12 +8693,20 @@
               <a:t>Взлом </a:t>
             </a:r>
             <a:r>
-              <a:rPr lang="en-US" dirty="0" smtClean="0"/>
+              <a:rPr lang="en-US" b="1" dirty="0" smtClean="0"/>
               <a:t>AES</a:t>
             </a:r>
             <a:r>
               <a:rPr lang="ru-RU" dirty="0" smtClean="0"/>
-              <a:t> ускоряется в 2 и 3 раза</a:t>
+              <a:t> или </a:t>
+            </a:r>
+            <a:r>
+              <a:rPr lang="ru-RU" b="1" dirty="0" smtClean="0"/>
+              <a:t>«Кузнечика» </a:t>
+            </a:r>
+            <a:r>
+              <a:rPr lang="ru-RU" dirty="0" smtClean="0"/>
+              <a:t>ускоряется в 2 и 3 раза</a:t>
             </a:r>
             <a:r>
               <a:rPr lang="en-US" dirty="0" smtClean="0"/>
@@ -8225,11 +8740,85 @@
         </p:blipFill>
         <p:spPr>
           <a:xfrm>
-            <a:off x="7462564" y="1916832"/>
+            <a:off x="7462564" y="1918017"/>
             <a:ext cx="4453652" cy="4462463"/>
           </a:xfrm>
         </p:spPr>
       </p:pic>
+      <p:sp>
+        <p:nvSpPr>
+          <p:cNvPr id="2" name="Овальная выноска 1"/>
+          <p:cNvSpPr/>
+          <p:nvPr/>
+        </p:nvSpPr>
+        <p:spPr>
+          <a:xfrm>
+            <a:off x="3214092" y="4948064"/>
+            <a:ext cx="4824536" cy="1224136"/>
+          </a:xfrm>
+          <a:prstGeom prst="wedgeEllipseCallout">
+            <a:avLst>
+              <a:gd name="adj1" fmla="val 49466"/>
+              <a:gd name="adj2" fmla="val -88932"/>
+            </a:avLst>
+          </a:prstGeom>
+          <a:solidFill>
+            <a:schemeClr val="tx1"/>
+          </a:solidFill>
+        </p:spPr>
+        <p:style>
+          <a:lnRef idx="2">
+            <a:schemeClr val="accent1">
+              <a:shade val="50000"/>
+            </a:schemeClr>
+          </a:lnRef>
+          <a:fillRef idx="1">
+            <a:schemeClr val="accent1"/>
+          </a:fillRef>
+          <a:effectRef idx="0">
+            <a:schemeClr val="accent1"/>
+          </a:effectRef>
+          <a:fontRef idx="minor">
+            <a:schemeClr val="lt1"/>
+          </a:fontRef>
+        </p:style>
+        <p:txBody>
+          <a:bodyPr rtlCol="0" anchor="ctr"/>
+          <a:lstStyle/>
+          <a:p>
+            <a:pPr algn="ctr"/>
+            <a:r>
+              <a:rPr lang="ru-RU" sz="2000" dirty="0" smtClean="0">
+                <a:solidFill>
+                  <a:schemeClr val="bg1"/>
+                </a:solidFill>
+              </a:rPr>
+              <a:t>Что бы такого не повторилось – буду использовать </a:t>
+            </a:r>
+            <a:r>
+              <a:rPr lang="ru-RU" sz="2000" b="1" dirty="0" err="1" smtClean="0">
+                <a:solidFill>
+                  <a:schemeClr val="bg1"/>
+                </a:solidFill>
+              </a:rPr>
+              <a:t>постквантовую</a:t>
+            </a:r>
+            <a:r>
+              <a:rPr lang="ru-RU" sz="2000" b="1" dirty="0" smtClean="0">
+                <a:solidFill>
+                  <a:schemeClr val="bg1"/>
+                </a:solidFill>
+              </a:rPr>
+              <a:t> криптографию</a:t>
+            </a:r>
+            <a:endParaRPr lang="ru-RU" sz="2000" b="1" dirty="0">
+              <a:solidFill>
+                <a:schemeClr val="bg1"/>
+              </a:solidFill>
+            </a:endParaRPr>
+          </a:p>
+        </p:txBody>
+      </p:sp>
     </p:spTree>
     <p:extLst>
       <p:ext uri="{BB962C8B-B14F-4D97-AF65-F5344CB8AC3E}">
@@ -8330,11 +8919,7 @@
             </a:r>
             <a:r>
               <a:rPr lang="ru-RU" dirty="0" smtClean="0"/>
-              <a:t>кубит. </a:t>
-            </a:r>
-            <a:r>
-              <a:rPr lang="ru-RU" dirty="0" smtClean="0"/>
-              <a:t>2023г</a:t>
+              <a:t>кубит. 2023г</a:t>
             </a:r>
             <a:endParaRPr lang="en-US" dirty="0"/>
           </a:p>
@@ -8436,8 +9021,8 @@
         </p:blipFill>
         <p:spPr>
           <a:xfrm>
-            <a:off x="7174531" y="2636912"/>
-            <a:ext cx="4018503" cy="3475593"/>
+            <a:off x="7174531" y="2717800"/>
+            <a:ext cx="4018503" cy="3454400"/>
           </a:xfrm>
           <a:prstGeom prst="rect">
             <a:avLst/>
@@ -8780,13 +9365,13 @@
   <p:clrMapOvr>
     <a:masterClrMapping/>
   </p:clrMapOvr>
-  <mc:AlternateContent xmlns:mc="http://schemas.openxmlformats.org/markup-compatibility/2006">
-    <mc:Choice xmlns:p14="http://schemas.microsoft.com/office/powerpoint/2010/main" Requires="p14">
+  <mc:AlternateContent xmlns:mc="http://schemas.openxmlformats.org/markup-compatibility/2006" xmlns:p14="http://schemas.microsoft.com/office/powerpoint/2010/main">
+    <mc:Choice Requires="p14">
       <p:transition spd="med" p14:dur="700">
         <p:fade/>
       </p:transition>
     </mc:Choice>
-    <mc:Fallback>
+    <mc:Fallback xmlns="">
       <p:transition spd="med">
         <p:fade/>
       </p:transition>
@@ -9507,13 +10092,13 @@
   <p:clrMapOvr>
     <a:masterClrMapping/>
   </p:clrMapOvr>
-  <mc:AlternateContent xmlns:mc="http://schemas.openxmlformats.org/markup-compatibility/2006">
-    <mc:Choice xmlns:p14="http://schemas.microsoft.com/office/powerpoint/2010/main" Requires="p14">
+  <mc:AlternateContent xmlns:mc="http://schemas.openxmlformats.org/markup-compatibility/2006" xmlns:p14="http://schemas.microsoft.com/office/powerpoint/2010/main">
+    <mc:Choice Requires="p14">
       <p:transition spd="med" p14:dur="700">
         <p:fade/>
       </p:transition>
     </mc:Choice>
-    <mc:Fallback>
+    <mc:Fallback xmlns="">
       <p:transition spd="med">
         <p:fade/>
       </p:transition>

--- a/Постквантовая криптография KEM на решётках.pptx
+++ b/Постквантовая криптография KEM на решётках.pptx
@@ -39,7 +39,7 @@
     <p:sldMasterId id="2147483716" r:id="rId35"/>
   </p:sldMasterIdLst>
   <p:notesMasterIdLst>
-    <p:notesMasterId r:id="rId88"/>
+    <p:notesMasterId r:id="rId94"/>
   </p:notesMasterIdLst>
   <p:sldIdLst>
     <p:sldId id="256" r:id="rId72"/>
@@ -58,6 +58,12 @@
     <p:sldId id="269" r:id="rId85"/>
     <p:sldId id="270" r:id="rId86"/>
     <p:sldId id="271" r:id="rId87"/>
+    <p:sldId id="272" r:id="rId88"/>
+    <p:sldId id="273" r:id="rId89"/>
+    <p:sldId id="274" r:id="rId90"/>
+    <p:sldId id="275" r:id="rId91"/>
+    <p:sldId id="276" r:id="rId92"/>
+    <p:sldId id="277" r:id="rId93"/>
   </p:sldIdLst>
   <p:sldSz cx="12188825" cy="6858000"/>
   <p:notesSz cx="6858000" cy="9144000"/>
@@ -1012,7 +1018,7 @@
       </p:grpSpPr>
       <p:sp>
         <p:nvSpPr>
-          <p:cNvPr id="2" name="Slide Image Placeholder 1"/>
+          <p:cNvPr id="1023516043" name="Slide Image Placeholder 1"/>
           <p:cNvSpPr>
             <a:spLocks noChangeAspect="1" noGrp="1" noRot="1"/>
           </p:cNvSpPr>
@@ -1024,7 +1030,7 @@
       </p:sp>
       <p:sp>
         <p:nvSpPr>
-          <p:cNvPr id="3" name="Notes Placeholder 2"/>
+          <p:cNvPr id="1288046187" name="Notes Placeholder 2"/>
           <p:cNvSpPr>
             <a:spLocks noGrp="1"/>
           </p:cNvSpPr>
@@ -1046,7 +1052,7 @@
       </p:sp>
       <p:sp>
         <p:nvSpPr>
-          <p:cNvPr id="4" name="Slide Number Placeholder 3"/>
+          <p:cNvPr id="1788643609" name="Slide Number Placeholder 3"/>
           <p:cNvSpPr>
             <a:spLocks noGrp="1"/>
           </p:cNvSpPr>
@@ -1062,7 +1068,253 @@
             <a:pPr>
               <a:defRPr/>
             </a:pPr>
-            <a:fld id="{F165FA5F-CBFC-2FF9-5EAF-7069BE010ADF}" type="slidenum">
+            <a:fld id="{4F8608D9-F1A5-BEA4-7DC7-FBAEA760F9D2}" type="slidenum">
+              <a:rPr/>
+              <a:t/>
+            </a:fld>
+            <a:endParaRPr/>
+          </a:p>
+        </p:txBody>
+      </p:sp>
+    </p:spTree>
+  </p:cSld>
+</p:notes>
+</file>
+
+<file path=ppt/notesSlides/notesSlide17.xml><?xml version="1.0" encoding="utf-8"?>
+<p:notes xmlns:a="http://schemas.openxmlformats.org/drawingml/2006/main" xmlns:r="http://schemas.openxmlformats.org/officeDocument/2006/relationships" xmlns:p="http://schemas.openxmlformats.org/presentationml/2006/main" xmlns:m="http://schemas.openxmlformats.org/officeDocument/2006/math" xmlns:w="http://schemas.openxmlformats.org/wordprocessingml/2006/main">
+  <p:cSld name="">
+    <p:spTree>
+      <p:nvGrpSpPr>
+        <p:cNvPr id="1" name=""/>
+        <p:cNvGrpSpPr/>
+        <p:nvPr/>
+      </p:nvGrpSpPr>
+      <p:grpSpPr bwMode="auto">
+        <a:xfrm>
+          <a:off x="0" y="0"/>
+          <a:ext cx="0" cy="0"/>
+          <a:chOff x="0" y="0"/>
+          <a:chExt cx="0" cy="0"/>
+        </a:xfrm>
+      </p:grpSpPr>
+      <p:sp>
+        <p:nvSpPr>
+          <p:cNvPr id="588865881" name="Slide Image Placeholder 1"/>
+          <p:cNvSpPr>
+            <a:spLocks noChangeAspect="1" noGrp="1" noRot="1"/>
+          </p:cNvSpPr>
+          <p:nvPr>
+            <p:ph type="sldImg"/>
+          </p:nvPr>
+        </p:nvSpPr>
+        <p:spPr bwMode="auto"/>
+      </p:sp>
+      <p:sp>
+        <p:nvSpPr>
+          <p:cNvPr id="795785461" name="Notes Placeholder 2"/>
+          <p:cNvSpPr>
+            <a:spLocks noGrp="1"/>
+          </p:cNvSpPr>
+          <p:nvPr>
+            <p:ph type="body" idx="1"/>
+          </p:nvPr>
+        </p:nvSpPr>
+        <p:spPr bwMode="auto"/>
+        <p:txBody>
+          <a:bodyPr/>
+          <a:lstStyle/>
+          <a:p>
+            <a:pPr>
+              <a:defRPr/>
+            </a:pPr>
+            <a:endParaRPr/>
+          </a:p>
+        </p:txBody>
+      </p:sp>
+      <p:sp>
+        <p:nvSpPr>
+          <p:cNvPr id="1353544837" name="Slide Number Placeholder 3"/>
+          <p:cNvSpPr>
+            <a:spLocks noGrp="1"/>
+          </p:cNvSpPr>
+          <p:nvPr>
+            <p:ph type="sldNum" sz="quarter" idx="10"/>
+          </p:nvPr>
+        </p:nvSpPr>
+        <p:spPr bwMode="auto"/>
+        <p:txBody>
+          <a:bodyPr/>
+          <a:lstStyle/>
+          <a:p>
+            <a:pPr>
+              <a:defRPr/>
+            </a:pPr>
+            <a:fld id="{1C5F1D5C-AEE4-FB0F-E0A0-15944BBF3832}" type="slidenum">
+              <a:rPr/>
+              <a:t/>
+            </a:fld>
+            <a:endParaRPr/>
+          </a:p>
+        </p:txBody>
+      </p:sp>
+    </p:spTree>
+  </p:cSld>
+</p:notes>
+</file>
+
+<file path=ppt/notesSlides/notesSlide18.xml><?xml version="1.0" encoding="utf-8"?>
+<p:notes xmlns:a="http://schemas.openxmlformats.org/drawingml/2006/main" xmlns:r="http://schemas.openxmlformats.org/officeDocument/2006/relationships" xmlns:p="http://schemas.openxmlformats.org/presentationml/2006/main" xmlns:m="http://schemas.openxmlformats.org/officeDocument/2006/math" xmlns:w="http://schemas.openxmlformats.org/wordprocessingml/2006/main">
+  <p:cSld name="">
+    <p:spTree>
+      <p:nvGrpSpPr>
+        <p:cNvPr id="1" name=""/>
+        <p:cNvGrpSpPr/>
+        <p:nvPr/>
+      </p:nvGrpSpPr>
+      <p:grpSpPr bwMode="auto">
+        <a:xfrm>
+          <a:off x="0" y="0"/>
+          <a:ext cx="0" cy="0"/>
+          <a:chOff x="0" y="0"/>
+          <a:chExt cx="0" cy="0"/>
+        </a:xfrm>
+      </p:grpSpPr>
+      <p:sp>
+        <p:nvSpPr>
+          <p:cNvPr id="1352823000" name="Slide Image Placeholder 1"/>
+          <p:cNvSpPr>
+            <a:spLocks noChangeAspect="1" noGrp="1" noRot="1"/>
+          </p:cNvSpPr>
+          <p:nvPr>
+            <p:ph type="sldImg"/>
+          </p:nvPr>
+        </p:nvSpPr>
+        <p:spPr bwMode="auto"/>
+      </p:sp>
+      <p:sp>
+        <p:nvSpPr>
+          <p:cNvPr id="1238289483" name="Notes Placeholder 2"/>
+          <p:cNvSpPr>
+            <a:spLocks noGrp="1"/>
+          </p:cNvSpPr>
+          <p:nvPr>
+            <p:ph type="body" idx="1"/>
+          </p:nvPr>
+        </p:nvSpPr>
+        <p:spPr bwMode="auto"/>
+        <p:txBody>
+          <a:bodyPr/>
+          <a:lstStyle/>
+          <a:p>
+            <a:pPr>
+              <a:defRPr/>
+            </a:pPr>
+            <a:endParaRPr/>
+          </a:p>
+        </p:txBody>
+      </p:sp>
+      <p:sp>
+        <p:nvSpPr>
+          <p:cNvPr id="959450655" name="Slide Number Placeholder 3"/>
+          <p:cNvSpPr>
+            <a:spLocks noGrp="1"/>
+          </p:cNvSpPr>
+          <p:nvPr>
+            <p:ph type="sldNum" sz="quarter" idx="10"/>
+          </p:nvPr>
+        </p:nvSpPr>
+        <p:spPr bwMode="auto"/>
+        <p:txBody>
+          <a:bodyPr/>
+          <a:lstStyle/>
+          <a:p>
+            <a:pPr>
+              <a:defRPr/>
+            </a:pPr>
+            <a:fld id="{E343B5A9-7837-CB48-FFD8-68D4571F8888}" type="slidenum">
+              <a:rPr/>
+              <a:t/>
+            </a:fld>
+            <a:endParaRPr/>
+          </a:p>
+        </p:txBody>
+      </p:sp>
+    </p:spTree>
+  </p:cSld>
+</p:notes>
+</file>
+
+<file path=ppt/notesSlides/notesSlide19.xml><?xml version="1.0" encoding="utf-8"?>
+<p:notes xmlns:a="http://schemas.openxmlformats.org/drawingml/2006/main" xmlns:r="http://schemas.openxmlformats.org/officeDocument/2006/relationships" xmlns:p="http://schemas.openxmlformats.org/presentationml/2006/main" xmlns:m="http://schemas.openxmlformats.org/officeDocument/2006/math" xmlns:w="http://schemas.openxmlformats.org/wordprocessingml/2006/main">
+  <p:cSld name="">
+    <p:spTree>
+      <p:nvGrpSpPr>
+        <p:cNvPr id="1" name=""/>
+        <p:cNvGrpSpPr/>
+        <p:nvPr/>
+      </p:nvGrpSpPr>
+      <p:grpSpPr bwMode="auto">
+        <a:xfrm>
+          <a:off x="0" y="0"/>
+          <a:ext cx="0" cy="0"/>
+          <a:chOff x="0" y="0"/>
+          <a:chExt cx="0" cy="0"/>
+        </a:xfrm>
+      </p:grpSpPr>
+      <p:sp>
+        <p:nvSpPr>
+          <p:cNvPr id="49254018" name="Slide Image Placeholder 1"/>
+          <p:cNvSpPr>
+            <a:spLocks noChangeAspect="1" noGrp="1" noRot="1"/>
+          </p:cNvSpPr>
+          <p:nvPr>
+            <p:ph type="sldImg"/>
+          </p:nvPr>
+        </p:nvSpPr>
+        <p:spPr bwMode="auto"/>
+      </p:sp>
+      <p:sp>
+        <p:nvSpPr>
+          <p:cNvPr id="250114988" name="Notes Placeholder 2"/>
+          <p:cNvSpPr>
+            <a:spLocks noGrp="1"/>
+          </p:cNvSpPr>
+          <p:nvPr>
+            <p:ph type="body" idx="1"/>
+          </p:nvPr>
+        </p:nvSpPr>
+        <p:spPr bwMode="auto"/>
+        <p:txBody>
+          <a:bodyPr/>
+          <a:lstStyle/>
+          <a:p>
+            <a:pPr>
+              <a:defRPr/>
+            </a:pPr>
+            <a:endParaRPr/>
+          </a:p>
+        </p:txBody>
+      </p:sp>
+      <p:sp>
+        <p:nvSpPr>
+          <p:cNvPr id="1774578140" name="Slide Number Placeholder 3"/>
+          <p:cNvSpPr>
+            <a:spLocks noGrp="1"/>
+          </p:cNvSpPr>
+          <p:nvPr>
+            <p:ph type="sldNum" sz="quarter" idx="10"/>
+          </p:nvPr>
+        </p:nvSpPr>
+        <p:spPr bwMode="auto"/>
+        <p:txBody>
+          <a:bodyPr/>
+          <a:lstStyle/>
+          <a:p>
+            <a:pPr>
+              <a:defRPr/>
+            </a:pPr>
+            <a:fld id="{667B2ADC-F5EA-A981-0C21-B012542E6068}" type="slidenum">
               <a:rPr/>
               <a:t/>
             </a:fld>
@@ -1145,6 +1397,252 @@
               <a:defRPr/>
             </a:pPr>
             <a:fld id="{4957F989-8810-062B-6FCE-A4E96737CD92}" type="slidenum">
+              <a:rPr/>
+              <a:t/>
+            </a:fld>
+            <a:endParaRPr/>
+          </a:p>
+        </p:txBody>
+      </p:sp>
+    </p:spTree>
+  </p:cSld>
+</p:notes>
+</file>
+
+<file path=ppt/notesSlides/notesSlide20.xml><?xml version="1.0" encoding="utf-8"?>
+<p:notes xmlns:a="http://schemas.openxmlformats.org/drawingml/2006/main" xmlns:r="http://schemas.openxmlformats.org/officeDocument/2006/relationships" xmlns:p="http://schemas.openxmlformats.org/presentationml/2006/main" xmlns:m="http://schemas.openxmlformats.org/officeDocument/2006/math" xmlns:w="http://schemas.openxmlformats.org/wordprocessingml/2006/main">
+  <p:cSld name="">
+    <p:spTree>
+      <p:nvGrpSpPr>
+        <p:cNvPr id="1" name=""/>
+        <p:cNvGrpSpPr/>
+        <p:nvPr/>
+      </p:nvGrpSpPr>
+      <p:grpSpPr bwMode="auto">
+        <a:xfrm>
+          <a:off x="0" y="0"/>
+          <a:ext cx="0" cy="0"/>
+          <a:chOff x="0" y="0"/>
+          <a:chExt cx="0" cy="0"/>
+        </a:xfrm>
+      </p:grpSpPr>
+      <p:sp>
+        <p:nvSpPr>
+          <p:cNvPr id="1680150869" name="Slide Image Placeholder 1"/>
+          <p:cNvSpPr>
+            <a:spLocks noChangeAspect="1" noGrp="1" noRot="1"/>
+          </p:cNvSpPr>
+          <p:nvPr>
+            <p:ph type="sldImg"/>
+          </p:nvPr>
+        </p:nvSpPr>
+        <p:spPr bwMode="auto"/>
+      </p:sp>
+      <p:sp>
+        <p:nvSpPr>
+          <p:cNvPr id="1593722777" name="Notes Placeholder 2"/>
+          <p:cNvSpPr>
+            <a:spLocks noGrp="1"/>
+          </p:cNvSpPr>
+          <p:nvPr>
+            <p:ph type="body" idx="1"/>
+          </p:nvPr>
+        </p:nvSpPr>
+        <p:spPr bwMode="auto"/>
+        <p:txBody>
+          <a:bodyPr/>
+          <a:lstStyle/>
+          <a:p>
+            <a:pPr>
+              <a:defRPr/>
+            </a:pPr>
+            <a:endParaRPr/>
+          </a:p>
+        </p:txBody>
+      </p:sp>
+      <p:sp>
+        <p:nvSpPr>
+          <p:cNvPr id="562262219" name="Slide Number Placeholder 3"/>
+          <p:cNvSpPr>
+            <a:spLocks noGrp="1"/>
+          </p:cNvSpPr>
+          <p:nvPr>
+            <p:ph type="sldNum" sz="quarter" idx="10"/>
+          </p:nvPr>
+        </p:nvSpPr>
+        <p:spPr bwMode="auto"/>
+        <p:txBody>
+          <a:bodyPr/>
+          <a:lstStyle/>
+          <a:p>
+            <a:pPr>
+              <a:defRPr/>
+            </a:pPr>
+            <a:fld id="{4DCFC8BC-F6E9-37F0-037B-9CFABD8EE06D}" type="slidenum">
+              <a:rPr/>
+              <a:t/>
+            </a:fld>
+            <a:endParaRPr/>
+          </a:p>
+        </p:txBody>
+      </p:sp>
+    </p:spTree>
+  </p:cSld>
+</p:notes>
+</file>
+
+<file path=ppt/notesSlides/notesSlide21.xml><?xml version="1.0" encoding="utf-8"?>
+<p:notes xmlns:a="http://schemas.openxmlformats.org/drawingml/2006/main" xmlns:r="http://schemas.openxmlformats.org/officeDocument/2006/relationships" xmlns:p="http://schemas.openxmlformats.org/presentationml/2006/main" xmlns:m="http://schemas.openxmlformats.org/officeDocument/2006/math" xmlns:w="http://schemas.openxmlformats.org/wordprocessingml/2006/main">
+  <p:cSld name="">
+    <p:spTree>
+      <p:nvGrpSpPr>
+        <p:cNvPr id="1" name=""/>
+        <p:cNvGrpSpPr/>
+        <p:nvPr/>
+      </p:nvGrpSpPr>
+      <p:grpSpPr bwMode="auto">
+        <a:xfrm>
+          <a:off x="0" y="0"/>
+          <a:ext cx="0" cy="0"/>
+          <a:chOff x="0" y="0"/>
+          <a:chExt cx="0" cy="0"/>
+        </a:xfrm>
+      </p:grpSpPr>
+      <p:sp>
+        <p:nvSpPr>
+          <p:cNvPr id="2080098148" name="Slide Image Placeholder 1"/>
+          <p:cNvSpPr>
+            <a:spLocks noChangeAspect="1" noGrp="1" noRot="1"/>
+          </p:cNvSpPr>
+          <p:nvPr>
+            <p:ph type="sldImg"/>
+          </p:nvPr>
+        </p:nvSpPr>
+        <p:spPr bwMode="auto"/>
+      </p:sp>
+      <p:sp>
+        <p:nvSpPr>
+          <p:cNvPr id="2136300363" name="Notes Placeholder 2"/>
+          <p:cNvSpPr>
+            <a:spLocks noGrp="1"/>
+          </p:cNvSpPr>
+          <p:nvPr>
+            <p:ph type="body" idx="1"/>
+          </p:nvPr>
+        </p:nvSpPr>
+        <p:spPr bwMode="auto"/>
+        <p:txBody>
+          <a:bodyPr/>
+          <a:lstStyle/>
+          <a:p>
+            <a:pPr>
+              <a:defRPr/>
+            </a:pPr>
+            <a:endParaRPr/>
+          </a:p>
+        </p:txBody>
+      </p:sp>
+      <p:sp>
+        <p:nvSpPr>
+          <p:cNvPr id="506361840" name="Slide Number Placeholder 3"/>
+          <p:cNvSpPr>
+            <a:spLocks noGrp="1"/>
+          </p:cNvSpPr>
+          <p:nvPr>
+            <p:ph type="sldNum" sz="quarter" idx="10"/>
+          </p:nvPr>
+        </p:nvSpPr>
+        <p:spPr bwMode="auto"/>
+        <p:txBody>
+          <a:bodyPr/>
+          <a:lstStyle/>
+          <a:p>
+            <a:pPr>
+              <a:defRPr/>
+            </a:pPr>
+            <a:fld id="{7254B657-E500-6E0B-622F-6037A4C31080}" type="slidenum">
+              <a:rPr/>
+              <a:t/>
+            </a:fld>
+            <a:endParaRPr/>
+          </a:p>
+        </p:txBody>
+      </p:sp>
+    </p:spTree>
+  </p:cSld>
+</p:notes>
+</file>
+
+<file path=ppt/notesSlides/notesSlide22.xml><?xml version="1.0" encoding="utf-8"?>
+<p:notes xmlns:a="http://schemas.openxmlformats.org/drawingml/2006/main" xmlns:r="http://schemas.openxmlformats.org/officeDocument/2006/relationships" xmlns:p="http://schemas.openxmlformats.org/presentationml/2006/main" xmlns:m="http://schemas.openxmlformats.org/officeDocument/2006/math" xmlns:w="http://schemas.openxmlformats.org/wordprocessingml/2006/main">
+  <p:cSld name="">
+    <p:spTree>
+      <p:nvGrpSpPr>
+        <p:cNvPr id="1" name=""/>
+        <p:cNvGrpSpPr/>
+        <p:nvPr/>
+      </p:nvGrpSpPr>
+      <p:grpSpPr bwMode="auto">
+        <a:xfrm>
+          <a:off x="0" y="0"/>
+          <a:ext cx="0" cy="0"/>
+          <a:chOff x="0" y="0"/>
+          <a:chExt cx="0" cy="0"/>
+        </a:xfrm>
+      </p:grpSpPr>
+      <p:sp>
+        <p:nvSpPr>
+          <p:cNvPr id="2" name="Slide Image Placeholder 1"/>
+          <p:cNvSpPr>
+            <a:spLocks noChangeAspect="1" noGrp="1" noRot="1"/>
+          </p:cNvSpPr>
+          <p:nvPr>
+            <p:ph type="sldImg"/>
+          </p:nvPr>
+        </p:nvSpPr>
+        <p:spPr bwMode="auto"/>
+      </p:sp>
+      <p:sp>
+        <p:nvSpPr>
+          <p:cNvPr id="3" name="Notes Placeholder 2"/>
+          <p:cNvSpPr>
+            <a:spLocks noGrp="1"/>
+          </p:cNvSpPr>
+          <p:nvPr>
+            <p:ph type="body" idx="1"/>
+          </p:nvPr>
+        </p:nvSpPr>
+        <p:spPr bwMode="auto"/>
+        <p:txBody>
+          <a:bodyPr/>
+          <a:lstStyle/>
+          <a:p>
+            <a:pPr>
+              <a:defRPr/>
+            </a:pPr>
+            <a:endParaRPr/>
+          </a:p>
+        </p:txBody>
+      </p:sp>
+      <p:sp>
+        <p:nvSpPr>
+          <p:cNvPr id="4" name="Slide Number Placeholder 3"/>
+          <p:cNvSpPr>
+            <a:spLocks noGrp="1"/>
+          </p:cNvSpPr>
+          <p:nvPr>
+            <p:ph type="sldNum" sz="quarter" idx="10"/>
+          </p:nvPr>
+        </p:nvSpPr>
+        <p:spPr bwMode="auto"/>
+        <p:txBody>
+          <a:bodyPr/>
+          <a:lstStyle/>
+          <a:p>
+            <a:pPr>
+              <a:defRPr/>
+            </a:pPr>
+            <a:fld id="{F165FA5F-CBFC-2FF9-5EAF-7069BE010ADF}" type="slidenum">
               <a:rPr/>
               <a:t/>
             </a:fld>
@@ -8152,7 +8650,7 @@
             <p:nvPr/>
           </p:nvSpPr>
           <p:spPr bwMode="auto">
-            <a:xfrm rot="16199999">
+            <a:xfrm rot="16199998">
               <a:off x="2338200" y="3724200"/>
               <a:ext cx="815400" cy="5484240"/>
             </a:xfrm>
@@ -8229,7 +8727,7 @@
             <p:nvPr/>
           </p:nvSpPr>
           <p:spPr bwMode="auto">
-            <a:xfrm rot="16199999">
+            <a:xfrm rot="16199998">
               <a:off x="2138760" y="4191840"/>
               <a:ext cx="545760" cy="4825440"/>
             </a:xfrm>
@@ -8308,7 +8806,7 @@
             <p:nvPr/>
           </p:nvSpPr>
           <p:spPr bwMode="auto">
-            <a:xfrm rot="16199999">
+            <a:xfrm rot="16199998">
               <a:off x="1947600" y="4592160"/>
               <a:ext cx="320400" cy="4236840"/>
             </a:xfrm>
@@ -35537,15 +36035,467 @@
               <a:buNone/>
               <a:defRPr/>
             </a:pPr>
-            <a:endParaRPr lang="en-US" sz="1800" b="0" u="none" strike="noStrike">
-              <a:solidFill>
-                <a:srgbClr val="FFFFFF"/>
-              </a:solidFill>
-              <a:latin typeface="Arial"/>
+            <a:r>
+              <a:rPr lang="ru-RU" sz="2800" b="1" u="none" strike="noStrike">
+                <a:solidFill>
+                  <a:srgbClr val="FFFFFF"/>
+                </a:solidFill>
+                <a:latin typeface="Calibri"/>
+                <a:ea typeface="Calibri"/>
+                <a:cs typeface="Calibri"/>
+              </a:rPr>
+              <a:t>Математическая база</a:t>
+            </a:r>
+            <a:endParaRPr sz="2800" b="0" u="none" strike="noStrike">
+              <a:solidFill>
+                <a:srgbClr val="FFFFFF"/>
+              </a:solidFill>
+              <a:latin typeface="Calibri"/>
+              <a:cs typeface="Calibri"/>
+            </a:endParaRPr>
+          </a:p>
+          <a:p>
+            <a:pPr indent="0">
+              <a:spcBef>
+                <a:spcPts val="1416"/>
+              </a:spcBef>
+              <a:buNone/>
+              <a:defRPr/>
+            </a:pPr>
+            <a:r>
+              <a:rPr lang="ru-RU" sz="2400" b="0" u="none" strike="noStrike">
+                <a:solidFill>
+                  <a:srgbClr val="FFFFFF"/>
+                </a:solidFill>
+                <a:latin typeface="Calibri"/>
+                <a:ea typeface="Calibri"/>
+                <a:cs typeface="Calibri"/>
+              </a:rPr>
+              <a:t>Работа в кольце многочленов </a:t>
+            </a:r>
+            <mc:AlternateContent xmlns:mc="http://schemas.openxmlformats.org/markup-compatibility/2006" xmlns:m="http://schemas.openxmlformats.org/officeDocument/2006/math">
+              <mc:Choice xmlns:a14="http://schemas.microsoft.com/office/drawing/2010/main" Requires="a14">
+                <a14:m>
+                  <m:oMathPara>
+                    <m:oMathParaPr/>
+                    <m:oMath>
+                      <m:f>
+                        <m:fPr>
+                          <m:ctrlPr>
+                            <a:rPr lang="en-US" sz="2400" i="1">
+                              <a:solidFill>
+                                <a:schemeClr val="tx1"/>
+                              </a:solidFill>
+                              <a:latin typeface="Cambria Math"/>
+                              <a:ea typeface="Cambria Math"/>
+                              <a:cs typeface="Cambria Math"/>
+                            </a:rPr>
+                          </m:ctrlPr>
+                        </m:fPr>
+                        <m:num>
+                          <m:r>
+                            <m:rPr>
+                              <m:sty m:val="i"/>
+                            </m:rPr>
+                            <a:rPr lang="en-US" sz="2400">
+                              <a:solidFill>
+                                <a:schemeClr val="tx1"/>
+                              </a:solidFill>
+                              <a:latin typeface="Cambria Math"/>
+                              <a:ea typeface="Cambria Math"/>
+                              <a:cs typeface="Cambria Math"/>
+                            </a:rPr>
+                            <m:t>Z</m:t>
+                          </m:r>
+                          <m:r>
+                            <m:rPr>
+                              <m:sty m:val="i"/>
+                            </m:rPr>
+                            <a:rPr lang="en-US" sz="2400" baseline="-25000">
+                              <a:solidFill>
+                                <a:schemeClr val="tx1"/>
+                              </a:solidFill>
+                              <a:latin typeface="Cambria Math"/>
+                              <a:ea typeface="Cambria Math"/>
+                              <a:cs typeface="Cambria Math"/>
+                            </a:rPr>
+                            <m:t>q</m:t>
+                          </m:r>
+                          <m:r>
+                            <m:rPr>
+                              <m:sty m:val="i"/>
+                            </m:rPr>
+                            <a:rPr lang="en-US" sz="2400">
+                              <a:solidFill>
+                                <a:schemeClr val="tx1"/>
+                              </a:solidFill>
+                              <a:latin typeface="Cambria Math"/>
+                              <a:ea typeface="Cambria Math"/>
+                              <a:cs typeface="Cambria Math"/>
+                            </a:rPr>
+                            <m:t>[x]</m:t>
+                          </m:r>
+                        </m:num>
+                        <m:den>
+                          <m:sSup>
+                            <m:sSupPr>
+                              <m:ctrlPr>
+                                <a:rPr lang="en-US" sz="2400" i="1">
+                                  <a:solidFill>
+                                    <a:schemeClr val="tx1"/>
+                                  </a:solidFill>
+                                  <a:latin typeface="Cambria Math"/>
+                                  <a:ea typeface="Cambria Math"/>
+                                  <a:cs typeface="Cambria Math"/>
+                                </a:rPr>
+                              </m:ctrlPr>
+                            </m:sSupPr>
+                            <m:e>
+                              <m:r>
+                                <m:rPr>
+                                  <m:sty m:val="i"/>
+                                </m:rPr>
+                                <a:rPr lang="en-US" sz="2400">
+                                  <a:solidFill>
+                                    <a:schemeClr val="tx1"/>
+                                  </a:solidFill>
+                                  <a:latin typeface="Cambria Math"/>
+                                  <a:ea typeface="Cambria Math"/>
+                                  <a:cs typeface="Cambria Math"/>
+                                </a:rPr>
+                                <m:t>x</m:t>
+                              </m:r>
+                            </m:e>
+                            <m:sup>
+                              <m:r>
+                                <m:rPr>
+                                  <m:sty m:val="i"/>
+                                </m:rPr>
+                                <a:rPr lang="en-US" sz="2400">
+                                  <a:solidFill>
+                                    <a:schemeClr val="tx1"/>
+                                  </a:solidFill>
+                                  <a:latin typeface="Cambria Math"/>
+                                  <a:ea typeface="Cambria Math"/>
+                                  <a:cs typeface="Cambria Math"/>
+                                </a:rPr>
+                                <m:t>n</m:t>
+                              </m:r>
+                            </m:sup>
+                          </m:sSup>
+                          <m:r>
+                            <m:rPr>
+                              <m:sty m:val="i"/>
+                            </m:rPr>
+                            <a:rPr lang="en-US" sz="2400">
+                              <a:solidFill>
+                                <a:schemeClr val="tx1"/>
+                              </a:solidFill>
+                              <a:latin typeface="Cambria Math"/>
+                              <a:ea typeface="Cambria Math"/>
+                              <a:cs typeface="Cambria Math"/>
+                            </a:rPr>
+                            <m:t> + 1</m:t>
+                          </m:r>
+                        </m:den>
+                      </m:f>
+                    </m:oMath>
+                  </m:oMathPara>
+                </a14:m>
+              </mc:Choice>
+              <mc:Fallback/>
+            </mc:AlternateContent>
+            <a:endParaRPr sz="2400" b="0" u="none" strike="noStrike">
+              <a:solidFill>
+                <a:srgbClr val="FFFFFF"/>
+              </a:solidFill>
+              <a:latin typeface="Calibri"/>
+              <a:cs typeface="Calibri"/>
+            </a:endParaRPr>
+          </a:p>
+          <a:p>
+            <a:pPr indent="0">
+              <a:spcBef>
+                <a:spcPts val="1416"/>
+              </a:spcBef>
+              <a:buNone/>
+              <a:defRPr/>
+            </a:pPr>
+            <a:r>
+              <a:rPr lang="ru-RU" sz="2400" b="0" u="none" strike="noStrike">
+                <a:solidFill>
+                  <a:srgbClr val="FFFFFF"/>
+                </a:solidFill>
+                <a:latin typeface="Calibri"/>
+                <a:ea typeface="Calibri"/>
+                <a:cs typeface="Calibri"/>
+              </a:rPr>
+              <a:t>Применение метода округления для реализации </a:t>
+            </a:r>
+            <a:r>
+              <a:rPr lang="en-US" sz="2400" b="0" u="none" strike="noStrike">
+                <a:solidFill>
+                  <a:srgbClr val="FFFFFF"/>
+                </a:solidFill>
+                <a:latin typeface="Calibri"/>
+                <a:ea typeface="Calibri"/>
+                <a:cs typeface="Calibri"/>
+              </a:rPr>
+              <a:t>LWR</a:t>
+            </a:r>
+            <a:r>
+              <a:rPr lang="ru-RU" sz="2400" b="0" u="none" strike="noStrike">
+                <a:solidFill>
+                  <a:srgbClr val="FFFFFF"/>
+                </a:solidFill>
+                <a:latin typeface="Calibri"/>
+                <a:ea typeface="Calibri"/>
+                <a:cs typeface="Calibri"/>
+              </a:rPr>
+              <a:t>-</a:t>
+            </a:r>
+            <a:r>
+              <a:rPr lang="ru-RU" sz="2400" b="0" u="none" strike="noStrike">
+                <a:solidFill>
+                  <a:srgbClr val="FFFFFF"/>
+                </a:solidFill>
+                <a:latin typeface="Calibri"/>
+                <a:ea typeface="Calibri"/>
+                <a:cs typeface="Calibri"/>
+              </a:rPr>
+              <a:t>подхода</a:t>
+            </a:r>
+            <a:endParaRPr lang="ru-RU" sz="2400" b="0" u="none" strike="noStrike">
+              <a:solidFill>
+                <a:srgbClr val="FFFFFF"/>
+              </a:solidFill>
+              <a:latin typeface="Calibri"/>
+              <a:ea typeface="Calibri"/>
+              <a:cs typeface="Calibri"/>
+            </a:endParaRPr>
+          </a:p>
+          <a:p>
+            <a:pPr indent="0">
+              <a:spcBef>
+                <a:spcPts val="1416"/>
+              </a:spcBef>
+              <a:buNone/>
+              <a:defRPr/>
+            </a:pPr>
+            <a:r>
+              <a:rPr lang="ru-RU" sz="2400" b="0" u="none" strike="noStrike">
+                <a:solidFill>
+                  <a:srgbClr val="FFFFFF"/>
+                </a:solidFill>
+                <a:latin typeface="Calibri"/>
+                <a:ea typeface="Calibri"/>
+                <a:cs typeface="Calibri"/>
+              </a:rPr>
+              <a:t>Выбор тестовых параметров </a:t>
+            </a:r>
+            <a:endParaRPr lang="en-US" sz="2400" b="0" u="none" strike="noStrike">
+              <a:solidFill>
+                <a:srgbClr val="FFFFFF"/>
+              </a:solidFill>
+              <a:latin typeface="Calibri"/>
+              <a:ea typeface="Calibri"/>
+              <a:cs typeface="Calibri"/>
+            </a:endParaRPr>
+          </a:p>
+          <a:p>
+            <a:pPr marL="349965" indent="-349965">
+              <a:spcBef>
+                <a:spcPts val="1416"/>
+              </a:spcBef>
+              <a:buFont typeface="Arial"/>
+              <a:buChar char="•"/>
+              <a:defRPr/>
+            </a:pPr>
+            <a:r>
+              <a:rPr lang="ru-RU" sz="2400" b="0" u="none" strike="noStrike">
+                <a:solidFill>
+                  <a:srgbClr val="FFFFFF"/>
+                </a:solidFill>
+                <a:latin typeface="Calibri"/>
+                <a:ea typeface="Calibri"/>
+                <a:cs typeface="Calibri"/>
+              </a:rPr>
+              <a:t>Порог округления </a:t>
+            </a:r>
+            <a:r>
+              <a:rPr lang="en-US" sz="2400" b="1" i="0" u="none" strike="noStrike" cap="none" spc="0">
+                <a:solidFill>
+                  <a:srgbClr val="FFFFFF"/>
+                </a:solidFill>
+                <a:latin typeface="Calibri"/>
+                <a:ea typeface="Calibri"/>
+                <a:cs typeface="Calibri"/>
+              </a:rPr>
+              <a:t>threshold = 27</a:t>
+            </a:r>
+            <a:endParaRPr lang="ru-RU" sz="2400" b="0" u="none" strike="noStrike">
+              <a:solidFill>
+                <a:srgbClr val="FFFFFF"/>
+              </a:solidFill>
+              <a:latin typeface="Calibri"/>
+              <a:ea typeface="Calibri"/>
+              <a:cs typeface="Calibri"/>
+            </a:endParaRPr>
+          </a:p>
+          <a:p>
+            <a:pPr marL="349965" indent="-349965">
+              <a:spcBef>
+                <a:spcPts val="1416"/>
+              </a:spcBef>
+              <a:buFont typeface="Arial"/>
+              <a:buChar char="•"/>
+              <a:defRPr/>
+            </a:pPr>
+            <a:r>
+              <a:rPr lang="ru-RU" sz="2400" b="0" u="none" strike="noStrike">
+                <a:solidFill>
+                  <a:srgbClr val="FFFFFF"/>
+                </a:solidFill>
+                <a:latin typeface="Calibri"/>
+                <a:ea typeface="Calibri"/>
+                <a:cs typeface="Calibri"/>
+              </a:rPr>
+              <a:t>Модуль, определяющий область значений коэффициентов </a:t>
+            </a:r>
+            <a:r>
+              <a:rPr lang="en-US" sz="2400" b="1" u="none" strike="noStrike">
+                <a:solidFill>
+                  <a:srgbClr val="FFFFFF"/>
+                </a:solidFill>
+                <a:latin typeface="Calibri"/>
+                <a:ea typeface="Calibri"/>
+                <a:cs typeface="Calibri"/>
+              </a:rPr>
+              <a:t>q = 128</a:t>
+            </a:r>
+            <a:r>
+              <a:rPr lang="en-US" sz="2400" b="0" u="none" strike="noStrike">
+                <a:solidFill>
+                  <a:srgbClr val="FFFFFF"/>
+                </a:solidFill>
+                <a:latin typeface="Calibri"/>
+                <a:ea typeface="Calibri"/>
+                <a:cs typeface="Calibri"/>
+              </a:rPr>
+              <a:t> </a:t>
+            </a:r>
+            <a:endParaRPr lang="en-US" sz="2400" b="0" u="none" strike="noStrike">
+              <a:solidFill>
+                <a:srgbClr val="FFFFFF"/>
+              </a:solidFill>
+              <a:latin typeface="Calibri"/>
+              <a:ea typeface="Calibri"/>
+              <a:cs typeface="Calibri"/>
+            </a:endParaRPr>
+          </a:p>
+          <a:p>
+            <a:pPr marL="349965" indent="-349965">
+              <a:spcBef>
+                <a:spcPts val="1416"/>
+              </a:spcBef>
+              <a:buFont typeface="Arial"/>
+              <a:buChar char="•"/>
+              <a:defRPr/>
+            </a:pPr>
+            <a:r>
+              <a:rPr lang="ru-RU" sz="2400" b="0" u="none" strike="noStrike">
+                <a:solidFill>
+                  <a:srgbClr val="FFFFFF"/>
+                </a:solidFill>
+                <a:latin typeface="Calibri"/>
+                <a:ea typeface="Calibri"/>
+                <a:cs typeface="Calibri"/>
+              </a:rPr>
+              <a:t>Параметр округления </a:t>
+            </a:r>
+            <a:r>
+              <a:rPr lang="en-US" sz="2400" b="1" u="none" strike="noStrike">
+                <a:solidFill>
+                  <a:srgbClr val="FFFFFF"/>
+                </a:solidFill>
+                <a:latin typeface="Calibri"/>
+                <a:ea typeface="Calibri"/>
+                <a:cs typeface="Calibri"/>
+              </a:rPr>
+              <a:t>p = 16 </a:t>
+            </a:r>
+            <a:endParaRPr lang="en-US" sz="2400" b="0" u="none" strike="noStrike">
+              <a:solidFill>
+                <a:srgbClr val="FFFFFF"/>
+              </a:solidFill>
+              <a:latin typeface="Calibri"/>
+              <a:ea typeface="Calibri"/>
+              <a:cs typeface="Calibri"/>
+            </a:endParaRPr>
+          </a:p>
+          <a:p>
+            <a:pPr marL="349965" indent="-349965">
+              <a:spcBef>
+                <a:spcPts val="1416"/>
+              </a:spcBef>
+              <a:buFont typeface="Arial"/>
+              <a:buChar char="•"/>
+              <a:defRPr/>
+            </a:pPr>
+            <a:r>
+              <a:rPr lang="ru-RU" sz="2400" b="0" u="none" strike="noStrike">
+                <a:solidFill>
+                  <a:srgbClr val="FFFFFF"/>
+                </a:solidFill>
+                <a:latin typeface="Calibri"/>
+                <a:ea typeface="Calibri"/>
+                <a:cs typeface="Calibri"/>
+              </a:rPr>
+              <a:t>Степень многочлена (количество коэффициентов) </a:t>
+            </a:r>
+            <a:r>
+              <a:rPr lang="en-US" sz="2400" b="1" u="none" strike="noStrike">
+                <a:solidFill>
+                  <a:srgbClr val="FFFFFF"/>
+                </a:solidFill>
+                <a:latin typeface="Calibri"/>
+                <a:ea typeface="Calibri"/>
+                <a:cs typeface="Calibri"/>
+              </a:rPr>
+              <a:t>n = 16 </a:t>
+            </a:r>
+            <a:endParaRPr lang="ru-RU" sz="2400" b="0" u="none" strike="noStrike">
+              <a:solidFill>
+                <a:srgbClr val="FFFFFF"/>
+              </a:solidFill>
+              <a:latin typeface="Calibri"/>
+              <a:cs typeface="Calibri"/>
             </a:endParaRPr>
           </a:p>
         </p:txBody>
       </p:sp>
+      <p:pic>
+        <p:nvPicPr>
+          <p:cNvPr id="1357699486" name=""/>
+          <p:cNvPicPr>
+            <a:picLocks noChangeAspect="1"/>
+          </p:cNvPicPr>
+          <p:nvPr/>
+        </p:nvPicPr>
+        <p:blipFill>
+          <a:blip r:embed="rId3"/>
+          <a:stretch/>
+        </p:blipFill>
+        <p:spPr bwMode="auto">
+          <a:xfrm flipH="0" flipV="0">
+            <a:off x="8065093" y="-85532"/>
+            <a:ext cx="3596904" cy="3514532"/>
+          </a:xfrm>
+          <a:prstGeom prst="rect">
+            <a:avLst/>
+          </a:prstGeom>
+        </p:spPr>
+      </p:pic>
     </p:spTree>
   </p:cSld>
   <p:clrMapOvr>
@@ -35585,73 +36535,7 @@
       </p:grpSpPr>
       <p:sp>
         <p:nvSpPr>
-          <p:cNvPr id="446" name="Скругленный прямоугольник 7"/>
-          <p:cNvSpPr/>
-          <p:nvPr/>
-        </p:nvSpPr>
-        <p:spPr bwMode="auto">
-          <a:xfrm>
-            <a:off x="8357400" y="370080"/>
-            <a:ext cx="3166560" cy="3211200"/>
-          </a:xfrm>
-          <a:prstGeom prst="roundRect">
-            <a:avLst>
-              <a:gd name="adj" fmla="val 16667"/>
-            </a:avLst>
-          </a:prstGeom>
-          <a:solidFill>
-            <a:srgbClr val="6974D9">
-              <a:alpha val="87000"/>
-            </a:srgbClr>
-          </a:solidFill>
-          <a:ln>
-            <a:noFill/>
-          </a:ln>
-          <a:effectLst>
-            <a:outerShdw blurRad="190440" dist="228593" dir="2700000" algn="ctr">
-              <a:srgbClr val="000000">
-                <a:alpha val="30000"/>
-              </a:srgbClr>
-            </a:outerShdw>
-          </a:effectLst>
-        </p:spPr>
-        <p:style>
-          <a:lnRef idx="2">
-            <a:schemeClr val="accent1">
-              <a:shade val="50000"/>
-            </a:schemeClr>
-          </a:lnRef>
-          <a:fillRef idx="1">
-            <a:schemeClr val="accent1"/>
-          </a:fillRef>
-          <a:effectRef idx="0">
-            <a:schemeClr val="accent1"/>
-          </a:effectRef>
-          <a:fontRef idx="minor"/>
-        </p:style>
-        <p:txBody>
-          <a:bodyPr lIns="90000" tIns="45000" rIns="90000" bIns="45000" anchor="ctr">
-            <a:noAutofit/>
-          </a:bodyPr>
-          <a:p>
-            <a:pPr algn="ctr" defTabSz="1218960">
-              <a:lnSpc>
-                <a:spcPct val="100000"/>
-              </a:lnSpc>
-              <a:defRPr/>
-            </a:pPr>
-            <a:endParaRPr lang="ru-RU" sz="2800" b="0" u="none" strike="noStrike">
-              <a:solidFill>
-                <a:schemeClr val="lt1"/>
-              </a:solidFill>
-              <a:latin typeface="Calibri"/>
-            </a:endParaRPr>
-          </a:p>
-        </p:txBody>
-      </p:sp>
-      <p:sp>
-        <p:nvSpPr>
-          <p:cNvPr id="447" name="PlaceHolder 1"/>
+          <p:cNvPr id="1591161024" name="PlaceHolder 1"/>
           <p:cNvSpPr>
             <a:spLocks noGrp="1"/>
           </p:cNvSpPr>
@@ -35661,8 +36545,8 @@
         </p:nvSpPr>
         <p:spPr bwMode="auto">
           <a:xfrm>
-            <a:off x="1702080" y="548640"/>
-            <a:ext cx="4966920" cy="1870560"/>
+            <a:off x="1218960" y="274680"/>
+            <a:ext cx="10358640" cy="1222200"/>
           </a:xfrm>
           <a:prstGeom prst="rect">
             <a:avLst/>
@@ -35688,15 +36572,15 @@
               <a:defRPr/>
             </a:pPr>
             <a:r>
-              <a:rPr lang="ru-RU" sz="6000" b="0" u="none" strike="noStrike" cap="all" spc="201">
-                <a:solidFill>
-                  <a:schemeClr val="accent1"/>
+              <a:rPr lang="ru-RU" sz="3600" b="0" u="none" strike="noStrike">
+                <a:solidFill>
+                  <a:schemeClr val="lt1"/>
                 </a:solidFill>
                 <a:latin typeface="Calibri"/>
               </a:rPr>
-              <a:t>Спасибо за внимание!</a:t>
-            </a:r>
-            <a:endParaRPr lang="en-US" sz="6000" b="0" u="none" strike="noStrike">
+              <a:t>Ключевые этапы разработки</a:t>
+            </a:r>
+            <a:endParaRPr lang="en-US" sz="3600" b="0" u="none" strike="noStrike">
               <a:solidFill>
                 <a:srgbClr val="FFFFFF"/>
               </a:solidFill>
@@ -35707,7 +36591,7 @@
       </p:sp>
       <p:sp>
         <p:nvSpPr>
-          <p:cNvPr id="448" name="PlaceHolder 2"/>
+          <p:cNvPr id="919766092" name="PlaceHolder 2"/>
           <p:cNvSpPr>
             <a:spLocks noGrp="1"/>
           </p:cNvSpPr>
@@ -35717,8 +36601,8 @@
         </p:nvSpPr>
         <p:spPr bwMode="auto">
           <a:xfrm>
-            <a:off x="1702080" y="4343400"/>
-            <a:ext cx="6818039" cy="2152800"/>
+            <a:off x="1218960" y="1701720"/>
+            <a:ext cx="10358640" cy="4460400"/>
           </a:xfrm>
           <a:prstGeom prst="rect">
             <a:avLst/>
@@ -35733,140 +36617,500 @@
             <a:noAutofit/>
           </a:bodyPr>
           <a:p>
-            <a:pPr indent="0" defTabSz="1218960">
-              <a:lnSpc>
-                <a:spcPct val="90000"/>
-              </a:lnSpc>
-              <a:spcBef>
-                <a:spcPts val="1599"/>
-              </a:spcBef>
-              <a:buNone/>
-              <a:tabLst>
-                <a:tab pos="0" algn="l"/>
-              </a:tabLst>
-              <a:defRPr/>
-            </a:pPr>
-            <a:r>
-              <a:rPr lang="ru-RU" sz="2200" b="0" i="1" u="none" strike="noStrike">
-                <a:solidFill>
-                  <a:schemeClr val="lt1"/>
-                </a:solidFill>
-                <a:latin typeface="Comic Sans MS"/>
-              </a:rPr>
-              <a:t>Постквантовая криптография</a:t>
-            </a:r>
-            <a:r>
-              <a:rPr lang="ru-RU" sz="2200" b="0" i="1" u="none" strike="noStrike">
-                <a:solidFill>
-                  <a:schemeClr val="lt1"/>
-                </a:solidFill>
-                <a:latin typeface="Comic Sans MS"/>
-              </a:rPr>
-              <a:t> — это не будущее, а необходимость уже сегодня. Начните подготовку сейчас, чтобы </a:t>
-            </a:r>
-            <a:r>
-              <a:rPr lang="ru-RU" sz="2200" b="0" i="1" u="none" strike="sngStrike">
-                <a:solidFill>
-                  <a:schemeClr val="lt1"/>
-                </a:solidFill>
-                <a:latin typeface="Comic Sans MS"/>
-              </a:rPr>
-              <a:t>(перевести деньги на безопасный счёт)</a:t>
-            </a:r>
-            <a:r>
-              <a:rPr lang="ru-RU" sz="2200" b="0" i="1" u="none" strike="noStrike">
-                <a:solidFill>
-                  <a:schemeClr val="lt1"/>
-                </a:solidFill>
-                <a:latin typeface="Comic Sans MS"/>
-              </a:rPr>
-              <a:t> оставаться защищёнными завтра.</a:t>
-            </a:r>
-            <a:endParaRPr lang="en-US" sz="2200" b="0" u="none" strike="noStrike">
-              <a:solidFill>
-                <a:srgbClr val="FFFFFF"/>
-              </a:solidFill>
-              <a:latin typeface="Arial"/>
+            <a:pPr>
+              <a:defRPr/>
+            </a:pPr>
+            <a:r>
+              <a:rPr lang="ru-RU" sz="2800" b="1">
+                <a:solidFill>
+                  <a:schemeClr val="tx1"/>
+                </a:solidFill>
+              </a:rPr>
+              <a:t>Генерация ключей</a:t>
+            </a:r>
+            <a:endParaRPr lang="ru-RU" sz="2400" b="1">
+              <a:solidFill>
+                <a:schemeClr val="tx1"/>
+              </a:solidFill>
             </a:endParaRPr>
           </a:p>
           <a:p>
-            <a:pPr indent="0" defTabSz="1218960">
-              <a:lnSpc>
-                <a:spcPct val="90000"/>
-              </a:lnSpc>
-              <a:spcBef>
-                <a:spcPts val="1599"/>
-              </a:spcBef>
-              <a:buNone/>
-              <a:tabLst>
-                <a:tab pos="0" algn="l"/>
-              </a:tabLst>
-              <a:defRPr/>
-            </a:pPr>
-            <a:r>
-              <a:rPr lang="ru-RU" sz="3600" b="0" i="1" u="none" strike="noStrike">
-                <a:solidFill>
-                  <a:schemeClr val="lt1"/>
-                </a:solidFill>
-                <a:latin typeface="Alexandra Zeferino Two"/>
-              </a:rPr>
-              <a:t>	</a:t>
-            </a:r>
-            <a:r>
-              <a:rPr lang="ru-RU" sz="3600" b="0" i="1" u="none" strike="noStrike">
-                <a:solidFill>
-                  <a:schemeClr val="lt1"/>
-                </a:solidFill>
-                <a:latin typeface="Alexandra Zeferino Two"/>
-              </a:rPr>
-              <a:t>           </a:t>
-            </a:r>
-            <a:r>
-              <a:rPr lang="en-US" sz="3600" b="0" i="1" u="none" strike="noStrike">
-                <a:solidFill>
-                  <a:schemeClr val="lt1"/>
-                </a:solidFill>
-                <a:latin typeface="Comic Sans MS"/>
-                <a:ea typeface="Comic Sans MS"/>
-                <a:cs typeface="Comic Sans MS"/>
-              </a:rPr>
-              <a:t>@</a:t>
-            </a:r>
-            <a:r>
-              <a:rPr lang="ru-RU" sz="3600" b="0" i="1" u="none" strike="noStrike">
-                <a:solidFill>
-                  <a:schemeClr val="lt1"/>
-                </a:solidFill>
-                <a:latin typeface="Comic Sans MS"/>
-                <a:ea typeface="Comic Sans MS"/>
-                <a:cs typeface="Comic Sans MS"/>
-              </a:rPr>
-              <a:t>Брылёв  Альберт</a:t>
-            </a:r>
-            <a:endParaRPr sz="3600" b="0" u="none" strike="noStrike">
-              <a:solidFill>
-                <a:srgbClr val="FFFFFF"/>
-              </a:solidFill>
-              <a:latin typeface="Comic Sans MS"/>
-              <a:cs typeface="Comic Sans MS"/>
+            <a:pPr>
+              <a:defRPr/>
+            </a:pPr>
+            <a:endParaRPr lang="ru-RU" sz="2400">
+              <a:solidFill>
+                <a:schemeClr val="tx1"/>
+              </a:solidFill>
+            </a:endParaRPr>
+          </a:p>
+          <a:p>
+            <a:pPr>
+              <a:defRPr/>
+            </a:pPr>
+            <a:r>
+              <a:rPr lang="ru-RU" sz="2400">
+                <a:solidFill>
+                  <a:schemeClr val="tx1"/>
+                </a:solidFill>
+              </a:rPr>
+              <a:t>Случайный публичный многочлен </a:t>
+            </a:r>
+            <a:r>
+              <a:rPr lang="en-US" sz="2400">
+                <a:solidFill>
+                  <a:schemeClr val="tx1"/>
+                </a:solidFill>
+              </a:rPr>
+              <a:t>a(x) </a:t>
+            </a:r>
+            <a:r>
+              <a:rPr lang="ru-RU" sz="2400">
+                <a:solidFill>
+                  <a:schemeClr val="tx1"/>
+                </a:solidFill>
+              </a:rPr>
+              <a:t>в </a:t>
+            </a:r>
+            <a:r>
+              <a:rPr lang="en-US" sz="2400">
+                <a:solidFill>
+                  <a:schemeClr val="tx1"/>
+                </a:solidFill>
+              </a:rPr>
+              <a:t>Z</a:t>
+            </a:r>
+            <a:r>
+              <a:rPr lang="en-US" sz="2400" baseline="-25000">
+                <a:solidFill>
+                  <a:schemeClr val="tx1"/>
+                </a:solidFill>
+              </a:rPr>
+              <a:t>q</a:t>
+            </a:r>
+            <a:r>
+              <a:rPr lang="en-US" sz="2400">
+                <a:solidFill>
+                  <a:schemeClr val="tx1"/>
+                </a:solidFill>
+              </a:rPr>
+              <a:t>[x] </a:t>
+            </a:r>
+            <a:endParaRPr lang="en-US" sz="2400">
+              <a:solidFill>
+                <a:schemeClr val="tx1"/>
+              </a:solidFill>
+            </a:endParaRPr>
+          </a:p>
+          <a:p>
+            <a:pPr>
+              <a:defRPr/>
+            </a:pPr>
+            <a:endParaRPr lang="en-US" sz="2400">
+              <a:solidFill>
+                <a:schemeClr val="tx1"/>
+              </a:solidFill>
+            </a:endParaRPr>
+          </a:p>
+          <a:p>
+            <a:pPr>
+              <a:defRPr/>
+            </a:pPr>
+            <a:r>
+              <a:rPr lang="ru-RU" sz="2400">
+                <a:solidFill>
+                  <a:schemeClr val="tx1"/>
+                </a:solidFill>
+              </a:rPr>
+              <a:t>Секретный многочлен </a:t>
+            </a:r>
+            <a:r>
+              <a:rPr lang="en-US" sz="2400">
+                <a:solidFill>
+                  <a:schemeClr val="tx1"/>
+                </a:solidFill>
+              </a:rPr>
+              <a:t>s(x)</a:t>
+            </a:r>
+            <a:r>
+              <a:rPr lang="ru-RU" sz="2400">
+                <a:solidFill>
+                  <a:schemeClr val="tx1"/>
+                </a:solidFill>
+              </a:rPr>
+              <a:t> </a:t>
+            </a:r>
+            <a:r>
+              <a:rPr lang="ru-RU" sz="2400">
+                <a:solidFill>
+                  <a:schemeClr val="tx1"/>
+                </a:solidFill>
+              </a:rPr>
+              <a:t>из </a:t>
+            </a:r>
+            <a:r>
+              <a:rPr lang="en-US" sz="2400">
+                <a:solidFill>
+                  <a:schemeClr val="tx1"/>
+                </a:solidFill>
+              </a:rPr>
+              <a:t>{0, 1}</a:t>
+            </a:r>
+            <a:endParaRPr lang="en-US" sz="2400">
+              <a:solidFill>
+                <a:schemeClr val="tx1"/>
+              </a:solidFill>
+            </a:endParaRPr>
+          </a:p>
+          <a:p>
+            <a:pPr>
+              <a:defRPr/>
+            </a:pPr>
+            <a:endParaRPr lang="en-US" sz="2400">
+              <a:solidFill>
+                <a:schemeClr val="tx1"/>
+              </a:solidFill>
+            </a:endParaRPr>
+          </a:p>
+          <a:p>
+            <a:pPr>
+              <a:defRPr/>
+            </a:pPr>
+            <a:r>
+              <a:rPr lang="ru-RU" sz="2400">
+                <a:solidFill>
+                  <a:schemeClr val="tx1"/>
+                </a:solidFill>
+              </a:rPr>
+              <a:t>Вычисление </a:t>
+            </a:r>
+            <a:r>
+              <a:rPr lang="en-US" sz="2400">
+                <a:solidFill>
+                  <a:schemeClr val="tx1"/>
+                </a:solidFill>
+              </a:rPr>
+              <a:t>b(x) </a:t>
+            </a:r>
+            <a:r>
+              <a:rPr lang="ru-RU" sz="2400">
+                <a:solidFill>
+                  <a:schemeClr val="tx1"/>
+                </a:solidFill>
+              </a:rPr>
+              <a:t>= </a:t>
+            </a:r>
+            <a:r>
+              <a:rPr lang="en-US" sz="2400">
+                <a:solidFill>
+                  <a:schemeClr val="tx1"/>
+                </a:solidFill>
+              </a:rPr>
+              <a:t>Round(a(x) * s(x))</a:t>
+            </a:r>
+            <a:endParaRPr lang="en-US" sz="2400">
+              <a:solidFill>
+                <a:schemeClr val="tx1"/>
+              </a:solidFill>
+            </a:endParaRPr>
+          </a:p>
+          <a:p>
+            <a:pPr>
+              <a:defRPr/>
+            </a:pPr>
+            <a:endParaRPr lang="en-US" sz="2400">
+              <a:solidFill>
+                <a:schemeClr val="tx1"/>
+              </a:solidFill>
+            </a:endParaRPr>
+          </a:p>
+          <a:p>
+            <a:pPr>
+              <a:defRPr/>
+            </a:pPr>
+            <a:r>
+              <a:rPr lang="en-US" sz="2400">
+                <a:solidFill>
+                  <a:schemeClr val="tx1"/>
+                </a:solidFill>
+              </a:rPr>
+              <a:t>b(x) = Round(a(x) * s(x))</a:t>
+            </a:r>
+            <a:endParaRPr lang="en-US" sz="2400">
+              <a:solidFill>
+                <a:schemeClr val="tx1"/>
+              </a:solidFill>
+            </a:endParaRPr>
+          </a:p>
+          <a:p>
+            <a:pPr>
+              <a:defRPr/>
+            </a:pPr>
+            <a:r>
+              <a:rPr lang="en-US" sz="2400">
+                <a:solidFill>
+                  <a:schemeClr val="tx1"/>
+                </a:solidFill>
+              </a:rPr>
+              <a:t>Round(x) =</a:t>
+            </a:r>
+            <a:r>
+              <a:rPr lang="en-US" sz="2800">
+                <a:solidFill>
+                  <a:schemeClr val="tx1"/>
+                </a:solidFill>
+              </a:rPr>
+              <a:t> </a:t>
+            </a:r>
+            <mc:AlternateContent xmlns:mc="http://schemas.openxmlformats.org/markup-compatibility/2006" xmlns:m="http://schemas.openxmlformats.org/officeDocument/2006/math">
+              <mc:Choice xmlns:a14="http://schemas.microsoft.com/office/drawing/2010/main" Requires="a14">
+                <a14:m>
+                  <m:oMathPara>
+                    <m:oMathParaPr/>
+                    <m:oMath>
+                      <m:d>
+                        <m:dPr>
+                          <m:begChr m:val="⌊"/>
+                          <m:endChr m:val=""/>
+                          <m:ctrlPr>
+                            <a:rPr lang="ru-RU" sz="2400" i="1">
+                              <a:solidFill>
+                                <a:schemeClr val="tx1"/>
+                              </a:solidFill>
+                              <a:latin typeface="Cambria Math"/>
+                              <a:ea typeface="Cambria Math"/>
+                              <a:cs typeface="Cambria Math"/>
+                            </a:rPr>
+                          </m:ctrlPr>
+                        </m:dPr>
+                        <m:e>
+                          <m:d>
+                            <m:dPr>
+                              <m:begChr m:val=""/>
+                              <m:endChr m:val="⌋"/>
+                              <m:ctrlPr>
+                                <a:rPr lang="ru-RU" sz="2400" i="1">
+                                  <a:solidFill>
+                                    <a:schemeClr val="tx1"/>
+                                  </a:solidFill>
+                                  <a:latin typeface="Cambria Math"/>
+                                  <a:ea typeface="Cambria Math"/>
+                                  <a:cs typeface="Cambria Math"/>
+                                </a:rPr>
+                              </m:ctrlPr>
+                            </m:dPr>
+                            <m:e>
+                              <m:f>
+                                <m:fPr>
+                                  <m:ctrlPr>
+                                    <a:rPr lang="ru-RU" sz="2400" i="1">
+                                      <a:solidFill>
+                                        <a:schemeClr val="tx1"/>
+                                      </a:solidFill>
+                                      <a:latin typeface="Cambria Math"/>
+                                      <a:ea typeface="Cambria Math"/>
+                                      <a:cs typeface="Cambria Math"/>
+                                    </a:rPr>
+                                  </m:ctrlPr>
+                                </m:fPr>
+                                <m:num>
+                                  <m:sSubSup>
+                                    <m:sSubSupPr>
+                                      <m:alnScr m:val="off"/>
+                                      <m:ctrlPr>
+                                        <a:rPr lang="ru-RU" sz="2400" i="1">
+                                          <a:solidFill>
+                                            <a:schemeClr val="tx1"/>
+                                          </a:solidFill>
+                                          <a:latin typeface="Cambria Math"/>
+                                          <a:ea typeface="Cambria Math"/>
+                                          <a:cs typeface="Cambria Math"/>
+                                        </a:rPr>
+                                      </m:ctrlPr>
+                                    </m:sSubSupPr>
+                                    <m:e>
+                                      <m:r>
+                                        <m:rPr>
+                                          <m:sty m:val="i"/>
+                                        </m:rPr>
+                                        <a:rPr lang="ru-RU" sz="2400">
+                                          <a:solidFill>
+                                            <a:schemeClr val="tx1"/>
+                                          </a:solidFill>
+                                          <a:latin typeface="Cambria Math"/>
+                                          <a:ea typeface="Cambria Math"/>
+                                          <a:cs typeface="Cambria Math"/>
+                                        </a:rPr>
+                                        <m:t>u</m:t>
+                                      </m:r>
+                                    </m:e>
+                                    <m:sub>
+                                      <m:r>
+                                        <m:rPr>
+                                          <m:sty m:val="i"/>
+                                        </m:rPr>
+                                        <a:rPr lang="ru-RU" sz="2400">
+                                          <a:solidFill>
+                                            <a:schemeClr val="tx1"/>
+                                          </a:solidFill>
+                                          <a:latin typeface="Cambria Math"/>
+                                          <a:ea typeface="Cambria Math"/>
+                                          <a:cs typeface="Cambria Math"/>
+                                        </a:rPr>
+                                        <m:t>i</m:t>
+                                      </m:r>
+                                    </m:sub>
+                                    <m:sup>
+                                      <m:r>
+                                        <m:rPr>
+                                          <m:sty m:val="i"/>
+                                        </m:rPr>
+                                        <a:rPr lang="ru-RU" sz="2400">
+                                          <a:solidFill>
+                                            <a:schemeClr val="tx1"/>
+                                          </a:solidFill>
+                                          <a:latin typeface="Cambria Math"/>
+                                          <a:ea typeface="Cambria Math"/>
+                                          <a:cs typeface="Cambria Math"/>
+                                        </a:rPr>
+                                        <m:t>`</m:t>
+                                      </m:r>
+                                    </m:sup>
+                                  </m:sSubSup>
+                                  <m:r>
+                                    <m:rPr/>
+                                    <a:rPr sz="2400">
+                                      <a:solidFill>
+                                        <a:schemeClr val="tx1"/>
+                                      </a:solidFill>
+                                    </a:rPr>
+                                    <m:t> + offset</m:t>
+                                  </m:r>
+                                </m:num>
+                                <m:den>
+                                  <m:r>
+                                    <m:rPr>
+                                      <m:sty m:val="i"/>
+                                    </m:rPr>
+                                    <a:rPr lang="ru-RU" sz="2400">
+                                      <a:solidFill>
+                                        <a:schemeClr val="tx1"/>
+                                      </a:solidFill>
+                                      <a:latin typeface="Cambria Math"/>
+                                      <a:ea typeface="Cambria Math"/>
+                                      <a:cs typeface="Cambria Math"/>
+                                    </a:rPr>
+                                    <m:t>d</m:t>
+                                  </m:r>
+                                </m:den>
+                              </m:f>
+                            </m:e>
+                          </m:d>
+                          <m:r>
+                            <m:rPr>
+                              <m:sty m:val="i"/>
+                            </m:rPr>
+                            <a:rPr lang="ru-RU" sz="2400">
+                              <a:solidFill>
+                                <a:schemeClr val="tx1"/>
+                              </a:solidFill>
+                              <a:latin typeface="Cambria Math"/>
+                              <a:ea typeface="Cambria Math"/>
+                              <a:cs typeface="Cambria Math"/>
+                            </a:rPr>
+                            <m:t> </m:t>
+                          </m:r>
+                          <m:r>
+                            <m:rPr>
+                              <m:sty m:val="i"/>
+                            </m:rPr>
+                            <a:rPr lang="ru-RU" sz="2400">
+                              <a:solidFill>
+                                <a:schemeClr val="tx1"/>
+                              </a:solidFill>
+                              <a:latin typeface="Cambria Math"/>
+                              <a:ea typeface="Cambria Math"/>
+                              <a:cs typeface="Cambria Math"/>
+                            </a:rPr>
+                            <m:t>mod p</m:t>
+                          </m:r>
+                        </m:e>
+                      </m:d>
+                    </m:oMath>
+                  </m:oMathPara>
+                </a14:m>
+              </mc:Choice>
+              <mc:Fallback/>
+            </mc:AlternateContent>
+            <a:endParaRPr lang="en-US" sz="2400">
+              <a:solidFill>
+                <a:schemeClr val="tx1"/>
+              </a:solidFill>
+            </a:endParaRPr>
+          </a:p>
+          <a:p>
+            <a:pPr>
+              <a:defRPr/>
+            </a:pPr>
+            <a:endParaRPr lang="en-US" sz="2400">
+              <a:solidFill>
+                <a:schemeClr val="tx1"/>
+              </a:solidFill>
             </a:endParaRPr>
           </a:p>
         </p:txBody>
       </p:sp>
-      <p:pic>
-        <p:nvPicPr>
-          <p:cNvPr id="449" name="Рисунок 6" descr=""/>
-          <p:cNvPicPr/>
-          <p:nvPr/>
-        </p:nvPicPr>
-        <p:blipFill>
-          <a:blip r:embed="rId3"/>
-          <a:stretch/>
-        </p:blipFill>
+    </p:spTree>
+  </p:cSld>
+  <p:clrMapOvr>
+    <a:masterClrMapping/>
+  </p:clrMapOvr>
+  <mc:AlternateContent xmlns:mc="http://schemas.openxmlformats.org/markup-compatibility/2006">
+    <mc:Choice xmlns:p159="http://schemas.microsoft.com/office/powerpoint/2015/09/main" xmlns:p14="http://schemas.microsoft.com/office/powerpoint/2010/main" Requires="p159">
+      <p:transition spd="med" p14:dur="700" advClick="1">
+        <p:fade thruBlk="0"/>
+      </p:transition>
+    </mc:Choice>
+    <mc:Fallback>
+      <p:transition spd="med" advClick="1">
+        <p:fade thruBlk="0"/>
+      </p:transition>
+    </mc:Fallback>
+  </mc:AlternateContent>
+</p:sld>
+</file>
+
+<file path=ppt/slides/slide17.xml><?xml version="1.0" encoding="utf-8"?>
+<p:sld xmlns:a="http://schemas.openxmlformats.org/drawingml/2006/main" xmlns:r="http://schemas.openxmlformats.org/officeDocument/2006/relationships" xmlns:p="http://schemas.openxmlformats.org/presentationml/2006/main" xmlns:m="http://schemas.openxmlformats.org/officeDocument/2006/math" xmlns:w="http://schemas.openxmlformats.org/wordprocessingml/2006/main" xmlns:mc="http://schemas.openxmlformats.org/markup-compatibility/2006" showMasterPhAnim="0" showMasterSp="1" show="1">
+  <p:cSld name="">
+    <p:spTree>
+      <p:nvGrpSpPr>
+        <p:cNvPr id="1" name=""/>
+        <p:cNvGrpSpPr/>
+        <p:nvPr/>
+      </p:nvGrpSpPr>
+      <p:grpSpPr bwMode="auto">
+        <a:xfrm>
+          <a:off x="0" y="0"/>
+          <a:ext cx="0" cy="0"/>
+          <a:chOff x="0" y="0"/>
+          <a:chExt cx="0" cy="0"/>
+        </a:xfrm>
+      </p:grpSpPr>
+      <p:sp>
+        <p:nvSpPr>
+          <p:cNvPr id="923807828" name="PlaceHolder 1"/>
+          <p:cNvSpPr>
+            <a:spLocks noGrp="1"/>
+          </p:cNvSpPr>
+          <p:nvPr>
+            <p:ph type="title"/>
+          </p:nvPr>
+        </p:nvSpPr>
         <p:spPr bwMode="auto">
           <a:xfrm>
-            <a:off x="8470800" y="548640"/>
-            <a:ext cx="2910600" cy="2910600"/>
+            <a:off x="1218960" y="274680"/>
+            <a:ext cx="10358640" cy="1222200"/>
           </a:xfrm>
           <a:prstGeom prst="rect">
             <a:avLst/>
@@ -35876,21 +37120,53 @@
             <a:noFill/>
           </a:ln>
         </p:spPr>
-      </p:pic>
-      <p:pic>
-        <p:nvPicPr>
-          <p:cNvPr id="450" name="" descr=""/>
-          <p:cNvPicPr/>
-          <p:nvPr/>
-        </p:nvPicPr>
-        <p:blipFill>
-          <a:blip r:embed="rId4"/>
-          <a:stretch/>
-        </p:blipFill>
+        <p:txBody>
+          <a:bodyPr lIns="122040" tIns="60840" rIns="122040" bIns="60840" anchor="b">
+            <a:noAutofit/>
+          </a:bodyPr>
+          <a:p>
+            <a:pPr indent="0" defTabSz="1218960">
+              <a:lnSpc>
+                <a:spcPct val="90000"/>
+              </a:lnSpc>
+              <a:buNone/>
+              <a:tabLst>
+                <a:tab pos="0" algn="l"/>
+              </a:tabLst>
+              <a:defRPr/>
+            </a:pPr>
+            <a:r>
+              <a:rPr lang="ru-RU" sz="3600" b="0" u="none" strike="noStrike">
+                <a:solidFill>
+                  <a:schemeClr val="lt1"/>
+                </a:solidFill>
+                <a:latin typeface="Calibri"/>
+              </a:rPr>
+              <a:t>Ключевые этапы разработки</a:t>
+            </a:r>
+            <a:endParaRPr lang="en-US" sz="3600" b="0" u="none" strike="noStrike">
+              <a:solidFill>
+                <a:srgbClr val="FFFFFF"/>
+              </a:solidFill>
+              <a:latin typeface="Arial"/>
+            </a:endParaRPr>
+          </a:p>
+        </p:txBody>
+      </p:sp>
+      <p:sp>
+        <p:nvSpPr>
+          <p:cNvPr id="141616482" name="PlaceHolder 2"/>
+          <p:cNvSpPr>
+            <a:spLocks noGrp="1"/>
+          </p:cNvSpPr>
+          <p:nvPr>
+            <p:ph/>
+          </p:nvPr>
+        </p:nvSpPr>
         <p:spPr bwMode="auto">
           <a:xfrm>
-            <a:off x="8610840" y="3822120"/>
-            <a:ext cx="2817720" cy="2577240"/>
+            <a:off x="1218960" y="1701720"/>
+            <a:ext cx="10358640" cy="4460400"/>
           </a:xfrm>
           <a:prstGeom prst="rect">
             <a:avLst/>
@@ -35900,7 +37176,1664 @@
             <a:noFill/>
           </a:ln>
         </p:spPr>
-      </p:pic>
+        <p:txBody>
+          <a:bodyPr lIns="122040" tIns="60840" rIns="122040" bIns="60840" anchor="t">
+            <a:noAutofit/>
+          </a:bodyPr>
+          <a:p>
+            <a:pPr>
+              <a:defRPr/>
+            </a:pPr>
+            <a:r>
+              <a:rPr lang="ru-RU" sz="2800" b="1">
+                <a:solidFill>
+                  <a:schemeClr val="tx1"/>
+                </a:solidFill>
+              </a:rPr>
+              <a:t>Инкапсуляция ключей</a:t>
+            </a:r>
+            <a:endParaRPr lang="ru-RU" sz="2400" b="1">
+              <a:solidFill>
+                <a:schemeClr val="tx1"/>
+              </a:solidFill>
+            </a:endParaRPr>
+          </a:p>
+          <a:p>
+            <a:pPr>
+              <a:defRPr/>
+            </a:pPr>
+            <a:endParaRPr lang="ru-RU" sz="2400">
+              <a:solidFill>
+                <a:schemeClr val="tx1"/>
+              </a:solidFill>
+            </a:endParaRPr>
+          </a:p>
+          <a:p>
+            <a:pPr>
+              <a:defRPr/>
+            </a:pPr>
+            <a:r>
+              <a:rPr lang="ru-RU" sz="2400">
+                <a:solidFill>
+                  <a:schemeClr val="tx1"/>
+                </a:solidFill>
+              </a:rPr>
+              <a:t>Генерация</a:t>
+            </a:r>
+            <a:r>
+              <a:rPr lang="en-US" sz="2400">
+                <a:solidFill>
+                  <a:schemeClr val="tx1"/>
+                </a:solidFill>
+              </a:rPr>
+              <a:t> </a:t>
+            </a:r>
+            <a:r>
+              <a:rPr lang="ru-RU" sz="2400">
+                <a:solidFill>
+                  <a:schemeClr val="tx1"/>
+                </a:solidFill>
+              </a:rPr>
+              <a:t>эфемерного</a:t>
+            </a:r>
+            <a:r>
+              <a:rPr lang="ru-RU" sz="2400">
+                <a:solidFill>
+                  <a:schemeClr val="tx1"/>
+                </a:solidFill>
+              </a:rPr>
+              <a:t> секрета </a:t>
+            </a:r>
+            <a:r>
+              <a:rPr lang="en-US" sz="2400">
+                <a:solidFill>
+                  <a:schemeClr val="tx1"/>
+                </a:solidFill>
+              </a:rPr>
+              <a:t>s`(x)</a:t>
+            </a:r>
+            <a:r>
+              <a:rPr lang="ru-RU" sz="2400">
+                <a:solidFill>
+                  <a:schemeClr val="tx1"/>
+                </a:solidFill>
+              </a:rPr>
+              <a:t> </a:t>
+            </a:r>
+            <a:endParaRPr lang="en-US" sz="2400">
+              <a:solidFill>
+                <a:schemeClr val="tx1"/>
+              </a:solidFill>
+            </a:endParaRPr>
+          </a:p>
+          <a:p>
+            <a:pPr>
+              <a:defRPr/>
+            </a:pPr>
+            <a:endParaRPr sz="2400">
+              <a:solidFill>
+                <a:schemeClr val="tx1"/>
+              </a:solidFill>
+            </a:endParaRPr>
+          </a:p>
+          <a:p>
+            <a:pPr>
+              <a:defRPr/>
+            </a:pPr>
+            <a:r>
+              <a:rPr lang="ru-RU" sz="2400">
+                <a:solidFill>
+                  <a:schemeClr val="tx1"/>
+                </a:solidFill>
+              </a:rPr>
+              <a:t>Вычисление </a:t>
+            </a:r>
+            <a:r>
+              <a:rPr lang="en-US" sz="2400">
+                <a:solidFill>
+                  <a:schemeClr val="tx1"/>
+                </a:solidFill>
+              </a:rPr>
+              <a:t>u(x) </a:t>
+            </a:r>
+            <a:r>
+              <a:rPr lang="ru-RU" sz="2400">
+                <a:solidFill>
+                  <a:schemeClr val="tx1"/>
+                </a:solidFill>
+              </a:rPr>
+              <a:t>и </a:t>
+            </a:r>
+            <a:r>
+              <a:rPr lang="en-US" sz="2400">
+                <a:solidFill>
+                  <a:schemeClr val="tx1"/>
+                </a:solidFill>
+              </a:rPr>
+              <a:t>v(x) </a:t>
+            </a:r>
+            <a:r>
+              <a:rPr lang="ru-RU" sz="2400">
+                <a:solidFill>
+                  <a:schemeClr val="tx1"/>
+                </a:solidFill>
+              </a:rPr>
+              <a:t>с применением округления и функции </a:t>
+            </a:r>
+            <a:r>
+              <a:rPr lang="en-US" sz="2400">
+                <a:solidFill>
+                  <a:schemeClr val="tx1"/>
+                </a:solidFill>
+              </a:rPr>
+              <a:t>hint</a:t>
+            </a:r>
+            <a:endParaRPr lang="en-US" sz="2400">
+              <a:solidFill>
+                <a:schemeClr val="tx1"/>
+              </a:solidFill>
+            </a:endParaRPr>
+          </a:p>
+          <a:p>
+            <a:pPr>
+              <a:defRPr/>
+            </a:pPr>
+            <a:r>
+              <a:rPr lang="en-US" sz="2400">
+                <a:solidFill>
+                  <a:schemeClr val="tx1"/>
+                </a:solidFill>
+              </a:rPr>
+              <a:t>u(x) </a:t>
+            </a:r>
+            <a:r>
+              <a:rPr lang="ru-RU" sz="2400">
+                <a:solidFill>
+                  <a:schemeClr val="tx1"/>
+                </a:solidFill>
+              </a:rPr>
+              <a:t>– многочлен для формирования шифротекста</a:t>
+            </a:r>
+            <a:endParaRPr lang="ru-RU" sz="2400">
+              <a:solidFill>
+                <a:schemeClr val="tx1"/>
+              </a:solidFill>
+            </a:endParaRPr>
+          </a:p>
+          <a:p>
+            <a:pPr>
+              <a:defRPr/>
+            </a:pPr>
+            <a:r>
+              <a:rPr lang="en-US" sz="2400">
+                <a:solidFill>
+                  <a:schemeClr val="tx1"/>
+                </a:solidFill>
+              </a:rPr>
+              <a:t>v(x) – </a:t>
+            </a:r>
+            <a:r>
+              <a:rPr lang="ru-RU" sz="2400">
+                <a:solidFill>
+                  <a:schemeClr val="tx1"/>
+                </a:solidFill>
+              </a:rPr>
+              <a:t>многочлен, в который включено закодированное сообщение</a:t>
+            </a:r>
+            <a:endParaRPr lang="ru-RU" sz="2400">
+              <a:solidFill>
+                <a:schemeClr val="tx1"/>
+              </a:solidFill>
+            </a:endParaRPr>
+          </a:p>
+          <a:p>
+            <a:pPr>
+              <a:defRPr/>
+            </a:pPr>
+            <a:endParaRPr lang="en-US" sz="2400">
+              <a:solidFill>
+                <a:schemeClr val="tx1"/>
+              </a:solidFill>
+            </a:endParaRPr>
+          </a:p>
+          <a:p>
+            <a:pPr>
+              <a:defRPr/>
+            </a:pPr>
+            <a:r>
+              <a:rPr lang="en-US" sz="2400">
+                <a:solidFill>
+                  <a:schemeClr val="tx1"/>
+                </a:solidFill>
+              </a:rPr>
+              <a:t>u(x) = Round(a(x) * s`(x))</a:t>
+            </a:r>
+            <a:endParaRPr lang="en-US" sz="2400">
+              <a:solidFill>
+                <a:schemeClr val="tx1"/>
+              </a:solidFill>
+            </a:endParaRPr>
+          </a:p>
+          <a:p>
+            <a:pPr>
+              <a:defRPr/>
+            </a:pPr>
+            <a:r>
+              <a:rPr lang="en-US" sz="2400">
+                <a:solidFill>
+                  <a:schemeClr val="tx1"/>
+                </a:solidFill>
+              </a:rPr>
+              <a:t>v(x) = Round(b(x) * s`(x)) + m</a:t>
+            </a:r>
+            <a:r>
+              <a:rPr lang="en-US" sz="2400" baseline="-25000">
+                <a:solidFill>
+                  <a:schemeClr val="tx1"/>
+                </a:solidFill>
+              </a:rPr>
+              <a:t>enc</a:t>
+            </a:r>
+            <a:r>
+              <a:rPr lang="en-US" sz="2400">
+                <a:solidFill>
+                  <a:schemeClr val="tx1"/>
+                </a:solidFill>
+              </a:rPr>
+              <a:t>(x) mod p</a:t>
+            </a:r>
+            <a:endParaRPr lang="en-US" sz="2400">
+              <a:solidFill>
+                <a:schemeClr val="tx1"/>
+              </a:solidFill>
+            </a:endParaRPr>
+          </a:p>
+          <a:p>
+            <a:pPr>
+              <a:defRPr/>
+            </a:pPr>
+            <a:endParaRPr sz="2400">
+              <a:solidFill>
+                <a:schemeClr val="tx1"/>
+              </a:solidFill>
+            </a:endParaRPr>
+          </a:p>
+          <a:p>
+            <a:pPr>
+              <a:defRPr/>
+            </a:pPr>
+            <a:r>
+              <a:rPr lang="en-US" sz="2400" b="0" i="0" u="none" strike="noStrike" cap="none" spc="0">
+                <a:solidFill>
+                  <a:schemeClr val="tx1"/>
+                </a:solidFill>
+                <a:latin typeface="+mn-lt"/>
+                <a:ea typeface="+mn-ea"/>
+                <a:cs typeface="+mn-cs"/>
+              </a:rPr>
+              <a:t>m</a:t>
+            </a:r>
+            <a:r>
+              <a:rPr lang="en-US" sz="2400" b="0" i="0" u="none" strike="noStrike" cap="none" spc="0" baseline="-25000">
+                <a:solidFill>
+                  <a:schemeClr val="tx1"/>
+                </a:solidFill>
+                <a:latin typeface="+mn-lt"/>
+                <a:ea typeface="+mn-ea"/>
+                <a:cs typeface="+mn-cs"/>
+              </a:rPr>
+              <a:t>enc</a:t>
+            </a:r>
+            <a:r>
+              <a:rPr lang="en-US" sz="2400">
+                <a:solidFill>
+                  <a:schemeClr val="tx1"/>
+                </a:solidFill>
+              </a:rPr>
+              <a:t> – </a:t>
+            </a:r>
+            <a:r>
+              <a:rPr lang="ru-RU" sz="2400">
+                <a:solidFill>
+                  <a:schemeClr val="tx1"/>
+                </a:solidFill>
+              </a:rPr>
+              <a:t>кодированное сообщение</a:t>
+            </a:r>
+            <a:endParaRPr sz="2400">
+              <a:solidFill>
+                <a:schemeClr val="tx1"/>
+              </a:solidFill>
+            </a:endParaRPr>
+          </a:p>
+          <a:p>
+            <a:pPr>
+              <a:defRPr/>
+            </a:pPr>
+            <a:endParaRPr lang="en-US" sz="2400">
+              <a:solidFill>
+                <a:schemeClr val="tx1"/>
+              </a:solidFill>
+            </a:endParaRPr>
+          </a:p>
+          <a:p>
+            <a:pPr>
+              <a:defRPr/>
+            </a:pPr>
+            <a:endParaRPr lang="en-US" sz="2400">
+              <a:solidFill>
+                <a:schemeClr val="tx1"/>
+              </a:solidFill>
+            </a:endParaRPr>
+          </a:p>
+        </p:txBody>
+      </p:sp>
+    </p:spTree>
+  </p:cSld>
+  <p:clrMapOvr>
+    <a:masterClrMapping/>
+  </p:clrMapOvr>
+  <mc:AlternateContent xmlns:mc="http://schemas.openxmlformats.org/markup-compatibility/2006">
+    <mc:Choice xmlns:p159="http://schemas.microsoft.com/office/powerpoint/2015/09/main" xmlns:p14="http://schemas.microsoft.com/office/powerpoint/2010/main" Requires="p159">
+      <p:transition spd="med" p14:dur="700" advClick="1">
+        <p:fade thruBlk="0"/>
+      </p:transition>
+    </mc:Choice>
+    <mc:Fallback>
+      <p:transition spd="med" advClick="1">
+        <p:fade thruBlk="0"/>
+      </p:transition>
+    </mc:Fallback>
+  </mc:AlternateContent>
+</p:sld>
+</file>
+
+<file path=ppt/slides/slide18.xml><?xml version="1.0" encoding="utf-8"?>
+<p:sld xmlns:a="http://schemas.openxmlformats.org/drawingml/2006/main" xmlns:r="http://schemas.openxmlformats.org/officeDocument/2006/relationships" xmlns:p="http://schemas.openxmlformats.org/presentationml/2006/main" xmlns:m="http://schemas.openxmlformats.org/officeDocument/2006/math" xmlns:w="http://schemas.openxmlformats.org/wordprocessingml/2006/main" xmlns:mc="http://schemas.openxmlformats.org/markup-compatibility/2006" showMasterPhAnim="0" showMasterSp="1" show="1">
+  <p:cSld name="">
+    <p:spTree>
+      <p:nvGrpSpPr>
+        <p:cNvPr id="1" name=""/>
+        <p:cNvGrpSpPr/>
+        <p:nvPr/>
+      </p:nvGrpSpPr>
+      <p:grpSpPr bwMode="auto">
+        <a:xfrm>
+          <a:off x="0" y="0"/>
+          <a:ext cx="0" cy="0"/>
+          <a:chOff x="0" y="0"/>
+          <a:chExt cx="0" cy="0"/>
+        </a:xfrm>
+      </p:grpSpPr>
+      <p:sp>
+        <p:nvSpPr>
+          <p:cNvPr id="1232328732" name="PlaceHolder 1"/>
+          <p:cNvSpPr>
+            <a:spLocks noGrp="1"/>
+          </p:cNvSpPr>
+          <p:nvPr>
+            <p:ph type="title"/>
+          </p:nvPr>
+        </p:nvSpPr>
+        <p:spPr bwMode="auto">
+          <a:xfrm>
+            <a:off x="1218960" y="274680"/>
+            <a:ext cx="10358640" cy="1222200"/>
+          </a:xfrm>
+          <a:prstGeom prst="rect">
+            <a:avLst/>
+          </a:prstGeom>
+          <a:noFill/>
+          <a:ln w="0">
+            <a:noFill/>
+          </a:ln>
+        </p:spPr>
+        <p:txBody>
+          <a:bodyPr lIns="122040" tIns="60840" rIns="122040" bIns="60840" anchor="b">
+            <a:noAutofit/>
+          </a:bodyPr>
+          <a:p>
+            <a:pPr indent="0" defTabSz="1218960">
+              <a:lnSpc>
+                <a:spcPct val="90000"/>
+              </a:lnSpc>
+              <a:buNone/>
+              <a:tabLst>
+                <a:tab pos="0" algn="l"/>
+              </a:tabLst>
+              <a:defRPr/>
+            </a:pPr>
+            <a:r>
+              <a:rPr lang="ru-RU" sz="3600" b="0" u="none" strike="noStrike">
+                <a:solidFill>
+                  <a:schemeClr val="lt1"/>
+                </a:solidFill>
+                <a:latin typeface="Calibri"/>
+              </a:rPr>
+              <a:t>Ключевые этапы разработки</a:t>
+            </a:r>
+            <a:endParaRPr lang="en-US" sz="3600" b="0" u="none" strike="noStrike">
+              <a:solidFill>
+                <a:srgbClr val="FFFFFF"/>
+              </a:solidFill>
+              <a:latin typeface="Arial"/>
+            </a:endParaRPr>
+          </a:p>
+        </p:txBody>
+      </p:sp>
+      <p:sp>
+        <p:nvSpPr>
+          <p:cNvPr id="548460415" name="PlaceHolder 2"/>
+          <p:cNvSpPr>
+            <a:spLocks noGrp="1"/>
+          </p:cNvSpPr>
+          <p:nvPr>
+            <p:ph/>
+          </p:nvPr>
+        </p:nvSpPr>
+        <p:spPr bwMode="auto">
+          <a:xfrm>
+            <a:off x="1218960" y="1701720"/>
+            <a:ext cx="10358640" cy="4460400"/>
+          </a:xfrm>
+          <a:prstGeom prst="rect">
+            <a:avLst/>
+          </a:prstGeom>
+          <a:noFill/>
+          <a:ln w="0">
+            <a:noFill/>
+          </a:ln>
+        </p:spPr>
+        <p:txBody>
+          <a:bodyPr lIns="122040" tIns="60840" rIns="122040" bIns="60840" anchor="t">
+            <a:noAutofit/>
+          </a:bodyPr>
+          <a:p>
+            <a:pPr>
+              <a:defRPr/>
+            </a:pPr>
+            <a:r>
+              <a:rPr lang="ru-RU" sz="2800" b="1">
+                <a:solidFill>
+                  <a:schemeClr val="tx1"/>
+                </a:solidFill>
+              </a:rPr>
+              <a:t>Инкапсуляция ключей</a:t>
+            </a:r>
+            <a:endParaRPr lang="ru-RU" sz="2400" b="1">
+              <a:solidFill>
+                <a:schemeClr val="tx1"/>
+              </a:solidFill>
+            </a:endParaRPr>
+          </a:p>
+          <a:p>
+            <a:pPr>
+              <a:defRPr/>
+            </a:pPr>
+            <a:endParaRPr lang="ru-RU" sz="2400">
+              <a:solidFill>
+                <a:schemeClr val="tx1"/>
+              </a:solidFill>
+            </a:endParaRPr>
+          </a:p>
+          <a:p>
+            <a:pPr>
+              <a:defRPr/>
+            </a:pPr>
+            <a:r>
+              <a:rPr lang="ru-RU" sz="2400" b="0" i="0" u="none" strike="noStrike" cap="none" spc="0">
+                <a:solidFill>
+                  <a:schemeClr val="tx1"/>
+                </a:solidFill>
+                <a:latin typeface="+mn-lt"/>
+                <a:ea typeface="+mn-ea"/>
+                <a:cs typeface="+mn-cs"/>
+              </a:rPr>
+              <a:t>Формирование шифротекста</a:t>
+            </a:r>
+            <a:r>
+              <a:rPr lang="en-US" sz="2400" b="0" i="0" u="none" strike="noStrike" cap="none" spc="0">
+                <a:solidFill>
+                  <a:schemeClr val="tx1"/>
+                </a:solidFill>
+                <a:latin typeface="+mn-lt"/>
+                <a:ea typeface="+mn-ea"/>
+                <a:cs typeface="+mn-cs"/>
+              </a:rPr>
+              <a:t> ct = (u, v, hint)</a:t>
+            </a:r>
+            <a:endParaRPr lang="en-US" sz="2400">
+              <a:solidFill>
+                <a:schemeClr val="tx1"/>
+              </a:solidFill>
+            </a:endParaRPr>
+          </a:p>
+          <a:p>
+            <a:pPr>
+              <a:defRPr/>
+            </a:pPr>
+            <a:endParaRPr lang="en-US" sz="2400">
+              <a:solidFill>
+                <a:schemeClr val="tx1"/>
+              </a:solidFill>
+            </a:endParaRPr>
+          </a:p>
+          <a:p>
+            <a:pPr>
+              <a:defRPr/>
+            </a:pPr>
+            <a:r>
+              <a:rPr lang="en-US" sz="2400" b="0" i="0" u="none" strike="noStrike" cap="none" spc="0">
+                <a:solidFill>
+                  <a:schemeClr val="tx1"/>
+                </a:solidFill>
+                <a:latin typeface="+mn-lt"/>
+                <a:ea typeface="+mn-ea"/>
+                <a:cs typeface="+mn-cs"/>
+              </a:rPr>
+              <a:t>hint</a:t>
+            </a:r>
+            <a:r>
+              <a:rPr lang="en-US" sz="2400" b="0" i="0" u="none" strike="noStrike" cap="none" spc="0">
+                <a:solidFill>
+                  <a:schemeClr val="tx1"/>
+                </a:solidFill>
+                <a:latin typeface="+mn-lt"/>
+                <a:ea typeface="+mn-ea"/>
+                <a:cs typeface="+mn-cs"/>
+              </a:rPr>
+              <a:t>[i] = </a:t>
+            </a:r>
+            <mc:AlternateContent xmlns:mc="http://schemas.openxmlformats.org/markup-compatibility/2006" xmlns:m="http://schemas.openxmlformats.org/officeDocument/2006/math">
+              <mc:Choice xmlns:a14="http://schemas.microsoft.com/office/drawing/2010/main" Requires="a14">
+                <a14:m>
+                  <m:oMathPara>
+                    <m:oMathParaPr/>
+                    <m:oMath>
+                      <m:d>
+                        <m:dPr>
+                          <m:begChr m:val="{"/>
+                          <m:endChr m:val=""/>
+                          <m:ctrlPr>
+                            <a:rPr lang="ru-RU" sz="2400" i="1">
+                              <a:solidFill>
+                                <a:schemeClr val="tx1"/>
+                              </a:solidFill>
+                              <a:latin typeface="Cambria Math"/>
+                              <a:ea typeface="Cambria Math"/>
+                              <a:cs typeface="Cambria Math"/>
+                            </a:rPr>
+                          </m:ctrlPr>
+                        </m:dPr>
+                        <m:e>
+                          <m:eqArr>
+                            <m:eqArrPr>
+                              <m:baseJc m:val="center"/>
+                              <m:maxDist m:val="off"/>
+                              <m:objDist m:val="off"/>
+                              <m:rSp/>
+                              <m:rSpRule/>
+                              <m:ctrlPr>
+                                <a:rPr lang="ru-RU" sz="2400" i="1">
+                                  <a:solidFill>
+                                    <a:schemeClr val="tx1"/>
+                                  </a:solidFill>
+                                  <a:latin typeface="Cambria Math"/>
+                                  <a:ea typeface="Cambria Math"/>
+                                  <a:cs typeface="Cambria Math"/>
+                                </a:rPr>
+                              </m:ctrlPr>
+                            </m:eqArrPr>
+                            <m:e>
+                              <m:r>
+                                <m:rPr>
+                                  <m:sty m:val="i"/>
+                                </m:rPr>
+                                <a:rPr lang="ru-RU" sz="2400">
+                                  <a:solidFill>
+                                    <a:schemeClr val="tx1"/>
+                                  </a:solidFill>
+                                  <a:latin typeface="Cambria Math"/>
+                                  <a:ea typeface="Cambria Math"/>
+                                  <a:cs typeface="Cambria Math"/>
+                                </a:rPr>
+                                <m:t>1, если </m:t>
+                              </m:r>
+                              <m:sSubSup>
+                                <m:sSubSupPr>
+                                  <m:alnScr m:val="off"/>
+                                  <m:ctrlPr>
+                                    <a:rPr lang="en-US" sz="2400" b="0" i="1">
+                                      <a:solidFill>
+                                        <a:schemeClr val="tx1"/>
+                                      </a:solidFill>
+                                      <a:latin typeface="Cambria Math"/>
+                                      <a:ea typeface="Cambria Math"/>
+                                      <a:cs typeface="Cambria Math"/>
+                                    </a:rPr>
+                                  </m:ctrlPr>
+                                </m:sSubSupPr>
+                                <m:e>
+                                  <m:r>
+                                    <m:rPr>
+                                      <m:sty m:val="i"/>
+                                    </m:rPr>
+                                    <a:rPr lang="en-US" sz="2400">
+                                      <a:solidFill>
+                                        <a:schemeClr val="tx1"/>
+                                      </a:solidFill>
+                                      <a:latin typeface="Cambria Math"/>
+                                      <a:ea typeface="Cambria Math"/>
+                                      <a:cs typeface="Cambria Math"/>
+                                    </a:rPr>
+                                    <m:t>b</m:t>
+                                  </m:r>
+                                </m:e>
+                                <m:sub>
+                                  <m:r>
+                                    <m:rPr>
+                                      <m:sty m:val="i"/>
+                                    </m:rPr>
+                                    <a:rPr lang="en-US" sz="2400">
+                                      <a:solidFill>
+                                        <a:schemeClr val="tx1"/>
+                                      </a:solidFill>
+                                      <a:latin typeface="Cambria Math"/>
+                                      <a:ea typeface="Cambria Math"/>
+                                      <a:cs typeface="Cambria Math"/>
+                                    </a:rPr>
+                                    <m:t>i</m:t>
+                                  </m:r>
+                                </m:sub>
+                                <m:sup>
+                                  <m:r>
+                                    <m:rPr>
+                                      <m:sty m:val="i"/>
+                                    </m:rPr>
+                                    <a:rPr lang="en-US" sz="2400">
+                                      <a:solidFill>
+                                        <a:schemeClr val="tx1"/>
+                                      </a:solidFill>
+                                      <a:latin typeface="Cambria Math"/>
+                                      <a:ea typeface="Cambria Math"/>
+                                      <a:cs typeface="Cambria Math"/>
+                                    </a:rPr>
+                                    <m:t>`</m:t>
+                                  </m:r>
+                                </m:sup>
+                              </m:sSubSup>
+                              <m:r>
+                                <m:rPr>
+                                  <m:sty m:val="i"/>
+                                </m:rPr>
+                                <a:rPr lang="en-US" sz="2400">
+                                  <a:solidFill>
+                                    <a:schemeClr val="tx1"/>
+                                  </a:solidFill>
+                                  <a:latin typeface="Cambria Math"/>
+                                  <a:ea typeface="Cambria Math"/>
+                                  <a:cs typeface="Cambria Math"/>
+                                </a:rPr>
+                                <m:t> mod d </m:t>
+                              </m:r>
+                              <m:r>
+                                <m:rPr>
+                                  <m:sty m:val="i"/>
+                                </m:rPr>
+                                <a:rPr lang="en-US" sz="2400">
+                                  <a:solidFill>
+                                    <a:schemeClr val="tx1"/>
+                                  </a:solidFill>
+                                  <a:latin typeface="Cambria Math"/>
+                                  <a:ea typeface="Cambria Math"/>
+                                  <a:cs typeface="Cambria Math"/>
+                                </a:rPr>
+                                <m:t>≥</m:t>
+                              </m:r>
+                              <m:r>
+                                <m:rPr>
+                                  <m:sty m:val="i"/>
+                                </m:rPr>
+                                <a:rPr lang="en-US" sz="2400">
+                                  <a:solidFill>
+                                    <a:schemeClr val="tx1"/>
+                                  </a:solidFill>
+                                  <a:latin typeface="Cambria Math"/>
+                                  <a:ea typeface="Cambria Math"/>
+                                  <a:cs typeface="Cambria Math"/>
+                                </a:rPr>
+                                <m:t> threshold</m:t>
+                              </m:r>
+                              <m:r>
+                                <m:rPr>
+                                  <m:sty m:val="i"/>
+                                </m:rPr>
+                                <a:rPr lang="ru-RU" sz="2400">
+                                  <a:solidFill>
+                                    <a:schemeClr val="tx1"/>
+                                  </a:solidFill>
+                                  <a:latin typeface="Cambria Math"/>
+                                  <a:ea typeface="Cambria Math"/>
+                                  <a:cs typeface="Cambria Math"/>
+                                </a:rPr>
+                                <m:t> </m:t>
+                              </m:r>
+                            </m:e>
+                            <m:e>
+                              <m:r>
+                                <m:rPr>
+                                  <m:sty m:val="i"/>
+                                </m:rPr>
+                                <a:rPr lang="ru-RU" sz="2400">
+                                  <a:solidFill>
+                                    <a:schemeClr val="tx1"/>
+                                  </a:solidFill>
+                                  <a:latin typeface="Cambria Math"/>
+                                  <a:ea typeface="Cambria Math"/>
+                                  <a:cs typeface="Cambria Math"/>
+                                </a:rPr>
+                                <m:t>0, иначе</m:t>
+                              </m:r>
+                            </m:e>
+                          </m:eqArr>
+                        </m:e>
+                      </m:d>
+                    </m:oMath>
+                  </m:oMathPara>
+                </a14:m>
+              </mc:Choice>
+              <mc:Fallback/>
+            </mc:AlternateContent>
+            <a:endParaRPr lang="en-US" sz="2400">
+              <a:solidFill>
+                <a:schemeClr val="tx1"/>
+              </a:solidFill>
+            </a:endParaRPr>
+          </a:p>
+          <a:p>
+            <a:pPr>
+              <a:defRPr/>
+            </a:pPr>
+            <a:endParaRPr lang="en-US" sz="2400">
+              <a:solidFill>
+                <a:schemeClr val="tx1"/>
+              </a:solidFill>
+            </a:endParaRPr>
+          </a:p>
+        </p:txBody>
+      </p:sp>
+    </p:spTree>
+  </p:cSld>
+  <p:clrMapOvr>
+    <a:masterClrMapping/>
+  </p:clrMapOvr>
+  <mc:AlternateContent xmlns:mc="http://schemas.openxmlformats.org/markup-compatibility/2006">
+    <mc:Choice xmlns:p159="http://schemas.microsoft.com/office/powerpoint/2015/09/main" xmlns:p14="http://schemas.microsoft.com/office/powerpoint/2010/main" Requires="p159">
+      <p:transition spd="med" p14:dur="700" advClick="1">
+        <p:fade thruBlk="0"/>
+      </p:transition>
+    </mc:Choice>
+    <mc:Fallback>
+      <p:transition spd="med" advClick="1">
+        <p:fade thruBlk="0"/>
+      </p:transition>
+    </mc:Fallback>
+  </mc:AlternateContent>
+</p:sld>
+</file>
+
+<file path=ppt/slides/slide19.xml><?xml version="1.0" encoding="utf-8"?>
+<p:sld xmlns:a="http://schemas.openxmlformats.org/drawingml/2006/main" xmlns:r="http://schemas.openxmlformats.org/officeDocument/2006/relationships" xmlns:p="http://schemas.openxmlformats.org/presentationml/2006/main" xmlns:m="http://schemas.openxmlformats.org/officeDocument/2006/math" xmlns:w="http://schemas.openxmlformats.org/wordprocessingml/2006/main" xmlns:mc="http://schemas.openxmlformats.org/markup-compatibility/2006" showMasterPhAnim="0" showMasterSp="1" show="1">
+  <p:cSld name="">
+    <p:spTree>
+      <p:nvGrpSpPr>
+        <p:cNvPr id="1" name=""/>
+        <p:cNvGrpSpPr/>
+        <p:nvPr/>
+      </p:nvGrpSpPr>
+      <p:grpSpPr bwMode="auto">
+        <a:xfrm>
+          <a:off x="0" y="0"/>
+          <a:ext cx="0" cy="0"/>
+          <a:chOff x="0" y="0"/>
+          <a:chExt cx="0" cy="0"/>
+        </a:xfrm>
+      </p:grpSpPr>
+      <p:sp>
+        <p:nvSpPr>
+          <p:cNvPr id="792992124" name="PlaceHolder 1"/>
+          <p:cNvSpPr>
+            <a:spLocks noGrp="1"/>
+          </p:cNvSpPr>
+          <p:nvPr>
+            <p:ph type="title"/>
+          </p:nvPr>
+        </p:nvSpPr>
+        <p:spPr bwMode="auto">
+          <a:xfrm>
+            <a:off x="1218960" y="274680"/>
+            <a:ext cx="10358640" cy="1222200"/>
+          </a:xfrm>
+          <a:prstGeom prst="rect">
+            <a:avLst/>
+          </a:prstGeom>
+          <a:noFill/>
+          <a:ln w="0">
+            <a:noFill/>
+          </a:ln>
+        </p:spPr>
+        <p:txBody>
+          <a:bodyPr lIns="122040" tIns="60840" rIns="122040" bIns="60840" anchor="b">
+            <a:noAutofit/>
+          </a:bodyPr>
+          <a:p>
+            <a:pPr indent="0" defTabSz="1218960">
+              <a:lnSpc>
+                <a:spcPct val="90000"/>
+              </a:lnSpc>
+              <a:buNone/>
+              <a:tabLst>
+                <a:tab pos="0" algn="l"/>
+              </a:tabLst>
+              <a:defRPr/>
+            </a:pPr>
+            <a:r>
+              <a:rPr lang="ru-RU" sz="3600" b="0" u="none" strike="noStrike">
+                <a:solidFill>
+                  <a:schemeClr val="lt1"/>
+                </a:solidFill>
+                <a:latin typeface="Calibri"/>
+              </a:rPr>
+              <a:t>Ключевые этапы разработки</a:t>
+            </a:r>
+            <a:endParaRPr lang="en-US" sz="3600" b="0" u="none" strike="noStrike">
+              <a:solidFill>
+                <a:srgbClr val="FFFFFF"/>
+              </a:solidFill>
+              <a:latin typeface="Arial"/>
+            </a:endParaRPr>
+          </a:p>
+        </p:txBody>
+      </p:sp>
+      <p:sp>
+        <p:nvSpPr>
+          <p:cNvPr id="1743406749" name="PlaceHolder 2"/>
+          <p:cNvSpPr>
+            <a:spLocks noGrp="1"/>
+          </p:cNvSpPr>
+          <p:nvPr>
+            <p:ph/>
+          </p:nvPr>
+        </p:nvSpPr>
+        <p:spPr bwMode="auto">
+          <a:xfrm>
+            <a:off x="1218960" y="1701720"/>
+            <a:ext cx="10358640" cy="4460400"/>
+          </a:xfrm>
+          <a:prstGeom prst="rect">
+            <a:avLst/>
+          </a:prstGeom>
+          <a:noFill/>
+          <a:ln w="0">
+            <a:noFill/>
+          </a:ln>
+        </p:spPr>
+        <p:txBody>
+          <a:bodyPr lIns="122040" tIns="60840" rIns="122040" bIns="60840" anchor="t">
+            <a:noAutofit/>
+          </a:bodyPr>
+          <a:p>
+            <a:pPr>
+              <a:defRPr/>
+            </a:pPr>
+            <a:r>
+              <a:rPr lang="ru-RU" sz="2800" b="1">
+                <a:solidFill>
+                  <a:schemeClr val="tx1"/>
+                </a:solidFill>
+              </a:rPr>
+              <a:t>Декапсуляция ключей</a:t>
+            </a:r>
+            <a:endParaRPr lang="ru-RU" sz="2400" b="1">
+              <a:solidFill>
+                <a:schemeClr val="tx1"/>
+              </a:solidFill>
+            </a:endParaRPr>
+          </a:p>
+          <a:p>
+            <a:pPr>
+              <a:defRPr/>
+            </a:pPr>
+            <a:endParaRPr lang="ru-RU" sz="2400">
+              <a:solidFill>
+                <a:schemeClr val="tx1"/>
+              </a:solidFill>
+            </a:endParaRPr>
+          </a:p>
+          <a:p>
+            <a:pPr>
+              <a:defRPr/>
+            </a:pPr>
+            <a:r>
+              <a:rPr lang="ru-RU" sz="2400">
+                <a:solidFill>
+                  <a:schemeClr val="tx1"/>
+                </a:solidFill>
+              </a:rPr>
+              <a:t>Восстановление секретного </a:t>
+            </a:r>
+            <a:r>
+              <a:rPr lang="en-US" sz="2400">
+                <a:solidFill>
+                  <a:schemeClr val="tx1"/>
+                </a:solidFill>
+              </a:rPr>
+              <a:t>s(x) </a:t>
+            </a:r>
+            <a:r>
+              <a:rPr lang="ru-RU" sz="2400">
+                <a:solidFill>
+                  <a:schemeClr val="tx1"/>
+                </a:solidFill>
+              </a:rPr>
+              <a:t>для восстановления </a:t>
+            </a:r>
+            <a:r>
+              <a:rPr lang="en-US" sz="2400">
+                <a:solidFill>
+                  <a:schemeClr val="tx1"/>
+                </a:solidFill>
+              </a:rPr>
+              <a:t>w(x)</a:t>
+            </a:r>
+            <a:endParaRPr lang="en-US" sz="2400">
+              <a:solidFill>
+                <a:schemeClr val="tx1"/>
+              </a:solidFill>
+            </a:endParaRPr>
+          </a:p>
+          <a:p>
+            <a:pPr>
+              <a:defRPr/>
+            </a:pPr>
+            <a:r>
+              <a:rPr lang="en-US" sz="2400" b="0" i="0" u="none" strike="noStrike" cap="none" spc="0">
+                <a:solidFill>
+                  <a:schemeClr val="tx1"/>
+                </a:solidFill>
+                <a:latin typeface="Calibri"/>
+                <a:ea typeface="Calibri"/>
+                <a:cs typeface="Calibri"/>
+              </a:rPr>
+              <a:t>w(x) </a:t>
+            </a:r>
+            <a:r>
+              <a:rPr lang="ru-RU" sz="2400" b="0" i="0" u="none" strike="noStrike" cap="none" spc="0">
+                <a:solidFill>
+                  <a:schemeClr val="tx1"/>
+                </a:solidFill>
+                <a:latin typeface="Calibri"/>
+                <a:ea typeface="Calibri"/>
+                <a:cs typeface="Calibri"/>
+              </a:rPr>
+              <a:t>– многочлен для восстановления сообщения</a:t>
+            </a:r>
+            <a:endParaRPr lang="ru-RU" sz="2400" b="0" i="0" u="none" strike="noStrike" cap="none" spc="0">
+              <a:solidFill>
+                <a:schemeClr val="tx1"/>
+              </a:solidFill>
+              <a:latin typeface="Calibri"/>
+              <a:ea typeface="Calibri"/>
+              <a:cs typeface="Calibri"/>
+            </a:endParaRPr>
+          </a:p>
+          <a:p>
+            <a:pPr>
+              <a:defRPr/>
+            </a:pPr>
+            <a:r>
+              <a:rPr lang="en-US" sz="2400" b="0" i="0" u="none" strike="noStrike" cap="none" spc="0">
+                <a:solidFill>
+                  <a:schemeClr val="tx1"/>
+                </a:solidFill>
+                <a:latin typeface="Calibri"/>
+                <a:ea typeface="Calibri"/>
+                <a:cs typeface="Calibri"/>
+              </a:rPr>
+              <a:t>w(x) = Round(u(x) * s(x))</a:t>
+            </a:r>
+            <a:endParaRPr lang="en-US" sz="2400">
+              <a:solidFill>
+                <a:schemeClr val="tx1"/>
+              </a:solidFill>
+            </a:endParaRPr>
+          </a:p>
+          <a:p>
+            <a:pPr>
+              <a:defRPr/>
+            </a:pPr>
+            <a:endParaRPr lang="en-US" sz="2400">
+              <a:solidFill>
+                <a:schemeClr val="tx1"/>
+              </a:solidFill>
+            </a:endParaRPr>
+          </a:p>
+          <a:p>
+            <a:pPr>
+              <a:defRPr/>
+            </a:pPr>
+            <a:r>
+              <a:rPr lang="ru-RU" sz="2400">
+                <a:solidFill>
+                  <a:schemeClr val="tx1"/>
+                </a:solidFill>
+              </a:rPr>
+              <a:t>Коррекция ошибок</a:t>
+            </a:r>
+            <a:endParaRPr lang="ru-RU" sz="2400">
+              <a:solidFill>
+                <a:schemeClr val="tx1"/>
+              </a:solidFill>
+            </a:endParaRPr>
+          </a:p>
+          <a:p>
+            <a:pPr>
+              <a:defRPr/>
+            </a:pPr>
+            <mc:AlternateContent xmlns:mc="http://schemas.openxmlformats.org/markup-compatibility/2006" xmlns:m="http://schemas.openxmlformats.org/officeDocument/2006/math">
+              <mc:Choice xmlns:a14="http://schemas.microsoft.com/office/drawing/2010/main" Requires="a14">
+                <a14:m>
+                  <m:oMathPara>
+                    <m:oMathParaPr/>
+                    <m:oMath>
+                      <m:sSubSup>
+                        <m:sSubSupPr>
+                          <m:alnScr m:val="off"/>
+                          <m:ctrlPr>
+                            <a:rPr lang="ru-RU" sz="2600" b="0" i="1">
+                              <a:solidFill>
+                                <a:schemeClr val="tx1"/>
+                              </a:solidFill>
+                              <a:latin typeface="Cambria Math"/>
+                              <a:ea typeface="Cambria Math"/>
+                              <a:cs typeface="Cambria Math"/>
+                            </a:rPr>
+                          </m:ctrlPr>
+                        </m:sSubSupPr>
+                        <m:e>
+                          <m:r>
+                            <m:rPr>
+                              <m:sty m:val="i"/>
+                            </m:rPr>
+                            <a:rPr lang="ru-RU" sz="2600">
+                              <a:solidFill>
+                                <a:schemeClr val="tx1"/>
+                              </a:solidFill>
+                              <a:latin typeface="Cambria Math"/>
+                              <a:ea typeface="Cambria Math"/>
+                              <a:cs typeface="Cambria Math"/>
+                            </a:rPr>
+                            <m:t>w</m:t>
+                          </m:r>
+                        </m:e>
+                        <m:sub>
+                          <m:r>
+                            <m:rPr>
+                              <m:sty m:val="i"/>
+                            </m:rPr>
+                            <a:rPr lang="ru-RU" sz="2600">
+                              <a:solidFill>
+                                <a:schemeClr val="tx1"/>
+                              </a:solidFill>
+                              <a:latin typeface="Cambria Math"/>
+                              <a:ea typeface="Cambria Math"/>
+                              <a:cs typeface="Cambria Math"/>
+                            </a:rPr>
+                            <m:t>i</m:t>
+                          </m:r>
+                        </m:sub>
+                        <m:sup>
+                          <m:r>
+                            <m:rPr>
+                              <m:sty m:val="i"/>
+                            </m:rPr>
+                            <a:rPr lang="ru-RU" sz="2600">
+                              <a:solidFill>
+                                <a:schemeClr val="tx1"/>
+                              </a:solidFill>
+                              <a:latin typeface="Cambria Math"/>
+                              <a:ea typeface="Cambria Math"/>
+                              <a:cs typeface="Cambria Math"/>
+                            </a:rPr>
+                            <m:t>`</m:t>
+                          </m:r>
+                        </m:sup>
+                      </m:sSubSup>
+                      <m:r>
+                        <m:rPr>
+                          <m:sty m:val="i"/>
+                        </m:rPr>
+                        <a:rPr lang="ru-RU" sz="2600">
+                          <a:solidFill>
+                            <a:schemeClr val="tx1"/>
+                          </a:solidFill>
+                          <a:latin typeface="Cambria Math"/>
+                          <a:ea typeface="Cambria Math"/>
+                          <a:cs typeface="Cambria Math"/>
+                        </a:rPr>
+                        <m:t> = </m:t>
+                      </m:r>
+                      <m:d>
+                        <m:dPr>
+                          <m:begChr m:val="{"/>
+                          <m:endChr m:val=""/>
+                          <m:ctrlPr>
+                            <a:rPr lang="ru-RU" sz="2600" i="1">
+                              <a:solidFill>
+                                <a:schemeClr val="tx1"/>
+                              </a:solidFill>
+                              <a:latin typeface="Cambria Math"/>
+                              <a:ea typeface="Cambria Math"/>
+                              <a:cs typeface="Cambria Math"/>
+                            </a:rPr>
+                          </m:ctrlPr>
+                        </m:dPr>
+                        <m:e>
+                          <m:eqArr>
+                            <m:eqArrPr>
+                              <m:baseJc m:val="center"/>
+                              <m:maxDist m:val="off"/>
+                              <m:objDist m:val="off"/>
+                              <m:rSp/>
+                              <m:rSpRule/>
+                              <m:ctrlPr>
+                                <a:rPr lang="ru-RU" sz="2600" i="1">
+                                  <a:solidFill>
+                                    <a:schemeClr val="tx1"/>
+                                  </a:solidFill>
+                                  <a:latin typeface="Cambria Math"/>
+                                  <a:ea typeface="Cambria Math"/>
+                                  <a:cs typeface="Cambria Math"/>
+                                </a:rPr>
+                              </m:ctrlPr>
+                            </m:eqArrPr>
+                            <m:e>
+                              <m:sSub>
+                                <m:sSubPr>
+                                  <m:ctrlPr>
+                                    <a:rPr lang="ru-RU" sz="2600" i="1">
+                                      <a:solidFill>
+                                        <a:schemeClr val="tx1"/>
+                                      </a:solidFill>
+                                      <a:latin typeface="Cambria Math"/>
+                                      <a:ea typeface="Cambria Math"/>
+                                      <a:cs typeface="Cambria Math"/>
+                                    </a:rPr>
+                                  </m:ctrlPr>
+                                </m:sSubPr>
+                                <m:e>
+                                  <m:r>
+                                    <m:rPr>
+                                      <m:sty m:val="i"/>
+                                    </m:rPr>
+                                    <a:rPr lang="ru-RU" sz="2600">
+                                      <a:solidFill>
+                                        <a:schemeClr val="tx1"/>
+                                      </a:solidFill>
+                                      <a:latin typeface="Cambria Math"/>
+                                      <a:ea typeface="Cambria Math"/>
+                                      <a:cs typeface="Cambria Math"/>
+                                    </a:rPr>
+                                    <m:t>w</m:t>
+                                  </m:r>
+                                </m:e>
+                                <m:sub>
+                                  <m:r>
+                                    <m:rPr>
+                                      <m:sty m:val="i"/>
+                                    </m:rPr>
+                                    <a:rPr lang="ru-RU" sz="2600">
+                                      <a:solidFill>
+                                        <a:schemeClr val="tx1"/>
+                                      </a:solidFill>
+                                      <a:latin typeface="Cambria Math"/>
+                                      <a:ea typeface="Cambria Math"/>
+                                      <a:cs typeface="Cambria Math"/>
+                                    </a:rPr>
+                                    <m:t>i</m:t>
+                                  </m:r>
+                                </m:sub>
+                              </m:sSub>
+                              <m:r>
+                                <m:rPr>
+                                  <m:sty m:val="i"/>
+                                </m:rPr>
+                                <a:rPr lang="ru-RU" sz="2600">
+                                  <a:solidFill>
+                                    <a:schemeClr val="tx1"/>
+                                  </a:solidFill>
+                                  <a:latin typeface="Cambria Math"/>
+                                  <a:ea typeface="Cambria Math"/>
+                                  <a:cs typeface="Cambria Math"/>
+                                </a:rPr>
+                                <m:t> + 1, если </m:t>
+                              </m:r>
+                              <m:sSub>
+                                <m:sSubPr>
+                                  <m:ctrlPr>
+                                    <a:rPr lang="ru-RU" sz="2600" i="1">
+                                      <a:solidFill>
+                                        <a:schemeClr val="tx1"/>
+                                      </a:solidFill>
+                                      <a:latin typeface="Cambria Math"/>
+                                      <a:ea typeface="Cambria Math"/>
+                                      <a:cs typeface="Cambria Math"/>
+                                    </a:rPr>
+                                  </m:ctrlPr>
+                                </m:sSubPr>
+                                <m:e>
+                                  <m:r>
+                                    <m:rPr>
+                                      <m:sty m:val="i"/>
+                                    </m:rPr>
+                                    <a:rPr lang="ru-RU" sz="2600">
+                                      <a:solidFill>
+                                        <a:schemeClr val="tx1"/>
+                                      </a:solidFill>
+                                      <a:latin typeface="Cambria Math"/>
+                                      <a:ea typeface="Cambria Math"/>
+                                      <a:cs typeface="Cambria Math"/>
+                                    </a:rPr>
+                                    <m:t>h</m:t>
+                                  </m:r>
+                                </m:e>
+                                <m:sub>
+                                  <m:r>
+                                    <m:rPr>
+                                      <m:sty m:val="i"/>
+                                    </m:rPr>
+                                    <a:rPr lang="ru-RU" sz="2600">
+                                      <a:solidFill>
+                                        <a:schemeClr val="tx1"/>
+                                      </a:solidFill>
+                                      <a:latin typeface="Cambria Math"/>
+                                      <a:ea typeface="Cambria Math"/>
+                                      <a:cs typeface="Cambria Math"/>
+                                    </a:rPr>
+                                    <m:t>i</m:t>
+                                  </m:r>
+                                </m:sub>
+                              </m:sSub>
+                              <m:r>
+                                <m:rPr>
+                                  <m:sty m:val="i"/>
+                                </m:rPr>
+                                <a:rPr lang="ru-RU" sz="2600">
+                                  <a:solidFill>
+                                    <a:schemeClr val="tx1"/>
+                                  </a:solidFill>
+                                  <a:latin typeface="Cambria Math"/>
+                                  <a:ea typeface="Cambria Math"/>
+                                  <a:cs typeface="Cambria Math"/>
+                                </a:rPr>
+                                <m:t> = 1 и </m:t>
+                              </m:r>
+                              <m:sSub>
+                                <m:sSubPr>
+                                  <m:ctrlPr>
+                                    <a:rPr lang="ru-RU" sz="2600" i="1">
+                                      <a:solidFill>
+                                        <a:schemeClr val="tx1"/>
+                                      </a:solidFill>
+                                      <a:latin typeface="Cambria Math"/>
+                                      <a:ea typeface="Cambria Math"/>
+                                      <a:cs typeface="Cambria Math"/>
+                                    </a:rPr>
+                                  </m:ctrlPr>
+                                </m:sSubPr>
+                                <m:e>
+                                  <m:r>
+                                    <m:rPr>
+                                      <m:sty m:val="i"/>
+                                    </m:rPr>
+                                    <a:rPr lang="ru-RU" sz="2600">
+                                      <a:solidFill>
+                                        <a:schemeClr val="tx1"/>
+                                      </a:solidFill>
+                                      <a:latin typeface="Cambria Math"/>
+                                      <a:ea typeface="Cambria Math"/>
+                                      <a:cs typeface="Cambria Math"/>
+                                    </a:rPr>
+                                    <m:t>w</m:t>
+                                  </m:r>
+                                </m:e>
+                                <m:sub>
+                                  <m:r>
+                                    <m:rPr>
+                                      <m:sty m:val="i"/>
+                                    </m:rPr>
+                                    <a:rPr lang="ru-RU" sz="2600">
+                                      <a:solidFill>
+                                        <a:schemeClr val="tx1"/>
+                                      </a:solidFill>
+                                      <a:latin typeface="Cambria Math"/>
+                                      <a:ea typeface="Cambria Math"/>
+                                      <a:cs typeface="Cambria Math"/>
+                                    </a:rPr>
+                                    <m:t>i</m:t>
+                                  </m:r>
+                                </m:sub>
+                              </m:sSub>
+                              <m:r>
+                                <m:rPr>
+                                  <m:sty m:val="i"/>
+                                </m:rPr>
+                                <a:rPr lang="ru-RU" sz="2600">
+                                  <a:solidFill>
+                                    <a:schemeClr val="tx1"/>
+                                  </a:solidFill>
+                                  <a:latin typeface="Cambria Math"/>
+                                  <a:ea typeface="Cambria Math"/>
+                                  <a:cs typeface="Cambria Math"/>
+                                </a:rPr>
+                                <m:t> &lt; p - 1</m:t>
+                              </m:r>
+                            </m:e>
+                            <m:e>
+                              <m:sSub>
+                                <m:sSubPr>
+                                  <m:ctrlPr>
+                                    <a:rPr lang="ru-RU" sz="2600" i="1">
+                                      <a:solidFill>
+                                        <a:schemeClr val="tx1"/>
+                                      </a:solidFill>
+                                      <a:latin typeface="Cambria Math"/>
+                                      <a:ea typeface="Cambria Math"/>
+                                      <a:cs typeface="Cambria Math"/>
+                                    </a:rPr>
+                                  </m:ctrlPr>
+                                </m:sSubPr>
+                                <m:e>
+                                  <m:r>
+                                    <m:rPr>
+                                      <m:sty m:val="i"/>
+                                    </m:rPr>
+                                    <a:rPr lang="ru-RU" sz="2600">
+                                      <a:solidFill>
+                                        <a:schemeClr val="tx1"/>
+                                      </a:solidFill>
+                                      <a:latin typeface="Cambria Math"/>
+                                      <a:ea typeface="Cambria Math"/>
+                                      <a:cs typeface="Cambria Math"/>
+                                    </a:rPr>
+                                    <m:t>w</m:t>
+                                  </m:r>
+                                </m:e>
+                                <m:sub>
+                                  <m:r>
+                                    <m:rPr>
+                                      <m:sty m:val="i"/>
+                                    </m:rPr>
+                                    <a:rPr lang="ru-RU" sz="2600">
+                                      <a:solidFill>
+                                        <a:schemeClr val="tx1"/>
+                                      </a:solidFill>
+                                      <a:latin typeface="Cambria Math"/>
+                                      <a:ea typeface="Cambria Math"/>
+                                      <a:cs typeface="Cambria Math"/>
+                                    </a:rPr>
+                                    <m:t>i</m:t>
+                                  </m:r>
+                                </m:sub>
+                              </m:sSub>
+                              <m:r>
+                                <m:rPr>
+                                  <m:sty m:val="i"/>
+                                </m:rPr>
+                                <a:rPr lang="ru-RU" sz="2600">
+                                  <a:solidFill>
+                                    <a:schemeClr val="tx1"/>
+                                  </a:solidFill>
+                                  <a:latin typeface="Cambria Math"/>
+                                  <a:ea typeface="Cambria Math"/>
+                                  <a:cs typeface="Cambria Math"/>
+                                </a:rPr>
+                                <m:t> - 1, </m:t>
+                              </m:r>
+                              <m:r>
+                                <m:rPr>
+                                  <m:sty m:val="i"/>
+                                </m:rPr>
+                                <a:rPr lang="ru-RU" sz="2600">
+                                  <a:solidFill>
+                                    <a:schemeClr val="tx1"/>
+                                  </a:solidFill>
+                                  <a:latin typeface="Cambria Math"/>
+                                  <a:ea typeface="Cambria Math"/>
+                                  <a:cs typeface="Cambria Math"/>
+                                </a:rPr>
+                                <m:t>если </m:t>
+                              </m:r>
+                              <m:sSub>
+                                <m:sSubPr>
+                                  <m:ctrlPr>
+                                    <a:rPr lang="ru-RU" sz="2600" i="1">
+                                      <a:solidFill>
+                                        <a:schemeClr val="tx1"/>
+                                      </a:solidFill>
+                                      <a:latin typeface="Cambria Math"/>
+                                      <a:ea typeface="Cambria Math"/>
+                                      <a:cs typeface="Cambria Math"/>
+                                    </a:rPr>
+                                  </m:ctrlPr>
+                                </m:sSubPr>
+                                <m:e>
+                                  <m:r>
+                                    <m:rPr>
+                                      <m:sty m:val="i"/>
+                                    </m:rPr>
+                                    <a:rPr lang="ru-RU" sz="2600">
+                                      <a:solidFill>
+                                        <a:schemeClr val="tx1"/>
+                                      </a:solidFill>
+                                      <a:latin typeface="Cambria Math"/>
+                                      <a:ea typeface="Cambria Math"/>
+                                      <a:cs typeface="Cambria Math"/>
+                                    </a:rPr>
+                                    <m:t>h</m:t>
+                                  </m:r>
+                                </m:e>
+                                <m:sub>
+                                  <m:r>
+                                    <m:rPr>
+                                      <m:sty m:val="i"/>
+                                    </m:rPr>
+                                    <a:rPr lang="ru-RU" sz="2600">
+                                      <a:solidFill>
+                                        <a:schemeClr val="tx1"/>
+                                      </a:solidFill>
+                                      <a:latin typeface="Cambria Math"/>
+                                      <a:ea typeface="Cambria Math"/>
+                                      <a:cs typeface="Cambria Math"/>
+                                    </a:rPr>
+                                    <m:t>i</m:t>
+                                  </m:r>
+                                </m:sub>
+                              </m:sSub>
+                              <m:r>
+                                <m:rPr>
+                                  <m:sty m:val="i"/>
+                                </m:rPr>
+                                <a:rPr lang="ru-RU" sz="2600">
+                                  <a:solidFill>
+                                    <a:schemeClr val="tx1"/>
+                                  </a:solidFill>
+                                  <a:latin typeface="Cambria Math"/>
+                                  <a:ea typeface="Cambria Math"/>
+                                  <a:cs typeface="Cambria Math"/>
+                                </a:rPr>
+                                <m:t> = 0 и </m:t>
+                              </m:r>
+                              <m:sSub>
+                                <m:sSubPr>
+                                  <m:ctrlPr>
+                                    <a:rPr lang="ru-RU" sz="2600" i="1">
+                                      <a:solidFill>
+                                        <a:schemeClr val="tx1"/>
+                                      </a:solidFill>
+                                      <a:latin typeface="Cambria Math"/>
+                                      <a:ea typeface="Cambria Math"/>
+                                      <a:cs typeface="Cambria Math"/>
+                                    </a:rPr>
+                                  </m:ctrlPr>
+                                </m:sSubPr>
+                                <m:e>
+                                  <m:r>
+                                    <m:rPr>
+                                      <m:sty m:val="i"/>
+                                    </m:rPr>
+                                    <a:rPr lang="ru-RU" sz="2600">
+                                      <a:solidFill>
+                                        <a:schemeClr val="tx1"/>
+                                      </a:solidFill>
+                                      <a:latin typeface="Cambria Math"/>
+                                      <a:ea typeface="Cambria Math"/>
+                                      <a:cs typeface="Cambria Math"/>
+                                    </a:rPr>
+                                    <m:t>w</m:t>
+                                  </m:r>
+                                </m:e>
+                                <m:sub>
+                                  <m:r>
+                                    <m:rPr>
+                                      <m:sty m:val="i"/>
+                                    </m:rPr>
+                                    <a:rPr lang="ru-RU" sz="2600">
+                                      <a:solidFill>
+                                        <a:schemeClr val="tx1"/>
+                                      </a:solidFill>
+                                      <a:latin typeface="Cambria Math"/>
+                                      <a:ea typeface="Cambria Math"/>
+                                      <a:cs typeface="Cambria Math"/>
+                                    </a:rPr>
+                                    <m:t>i</m:t>
+                                  </m:r>
+                                </m:sub>
+                              </m:sSub>
+                              <m:r>
+                                <m:rPr>
+                                  <m:sty m:val="i"/>
+                                </m:rPr>
+                                <a:rPr lang="ru-RU" sz="2600">
+                                  <a:solidFill>
+                                    <a:schemeClr val="tx1"/>
+                                  </a:solidFill>
+                                  <a:latin typeface="Cambria Math"/>
+                                  <a:ea typeface="Cambria Math"/>
+                                  <a:cs typeface="Cambria Math"/>
+                                </a:rPr>
+                                <m:t> &gt; 0</m:t>
+                              </m:r>
+                            </m:e>
+                            <m:e>
+                              <m:sSub>
+                                <m:sSubPr>
+                                  <m:ctrlPr>
+                                    <a:rPr lang="ru-RU" sz="2600" i="1">
+                                      <a:solidFill>
+                                        <a:schemeClr val="tx1"/>
+                                      </a:solidFill>
+                                      <a:latin typeface="Cambria Math"/>
+                                      <a:ea typeface="Cambria Math"/>
+                                      <a:cs typeface="Cambria Math"/>
+                                    </a:rPr>
+                                  </m:ctrlPr>
+                                </m:sSubPr>
+                                <m:e>
+                                  <m:r>
+                                    <m:rPr>
+                                      <m:sty m:val="i"/>
+                                    </m:rPr>
+                                    <a:rPr lang="ru-RU" sz="2600">
+                                      <a:solidFill>
+                                        <a:schemeClr val="tx1"/>
+                                      </a:solidFill>
+                                      <a:latin typeface="Cambria Math"/>
+                                      <a:ea typeface="Cambria Math"/>
+                                      <a:cs typeface="Cambria Math"/>
+                                    </a:rPr>
+                                    <m:t>w</m:t>
+                                  </m:r>
+                                </m:e>
+                                <m:sub>
+                                  <m:r>
+                                    <m:rPr>
+                                      <m:sty m:val="i"/>
+                                    </m:rPr>
+                                    <a:rPr lang="ru-RU" sz="2600">
+                                      <a:solidFill>
+                                        <a:schemeClr val="tx1"/>
+                                      </a:solidFill>
+                                      <a:latin typeface="Cambria Math"/>
+                                      <a:ea typeface="Cambria Math"/>
+                                      <a:cs typeface="Cambria Math"/>
+                                    </a:rPr>
+                                    <m:t>i</m:t>
+                                  </m:r>
+                                </m:sub>
+                              </m:sSub>
+                              <m:r>
+                                <m:rPr>
+                                  <m:sty m:val="i"/>
+                                </m:rPr>
+                                <a:rPr lang="ru-RU" sz="2600">
+                                  <a:solidFill>
+                                    <a:schemeClr val="tx1"/>
+                                  </a:solidFill>
+                                  <a:latin typeface="Cambria Math"/>
+                                  <a:ea typeface="Cambria Math"/>
+                                  <a:cs typeface="Cambria Math"/>
+                                </a:rPr>
+                                <m:t>, иначе</m:t>
+                              </m:r>
+                            </m:e>
+                          </m:eqArr>
+                        </m:e>
+                      </m:d>
+                    </m:oMath>
+                  </m:oMathPara>
+                </a14:m>
+              </mc:Choice>
+              <mc:Fallback/>
+            </mc:AlternateContent>
+            <a:endParaRPr lang="ru-RU" sz="2400">
+              <a:solidFill>
+                <a:schemeClr val="tx1"/>
+              </a:solidFill>
+            </a:endParaRPr>
+          </a:p>
+          <a:p>
+            <a:pPr>
+              <a:defRPr/>
+            </a:pPr>
+            <a:endParaRPr lang="en-US" sz="2400">
+              <a:solidFill>
+                <a:schemeClr val="tx1"/>
+              </a:solidFill>
+            </a:endParaRPr>
+          </a:p>
+          <a:p>
+            <a:pPr>
+              <a:defRPr/>
+            </a:pPr>
+            <a:endParaRPr lang="en-US" sz="2400">
+              <a:solidFill>
+                <a:schemeClr val="tx1"/>
+              </a:solidFill>
+            </a:endParaRPr>
+          </a:p>
+        </p:txBody>
+      </p:sp>
     </p:spTree>
   </p:cSld>
   <p:clrMapOvr>
@@ -35946,7 +38879,7 @@
         </p:nvSpPr>
         <p:spPr bwMode="auto">
           <a:xfrm>
-            <a:off x="5014440" y="2312145"/>
+            <a:off x="5014440" y="2312144"/>
             <a:ext cx="3454560" cy="1798560"/>
           </a:xfrm>
           <a:prstGeom prst="roundRect">
@@ -36094,7 +39027,7 @@
         </p:nvSpPr>
         <p:spPr bwMode="auto">
           <a:xfrm>
-            <a:off x="5662440" y="2735145"/>
+            <a:off x="5662440" y="2735144"/>
             <a:ext cx="2158560" cy="943560"/>
           </a:xfrm>
           <a:prstGeom prst="rect">
@@ -36242,6 +39175,1488 @@
           </a:p>
         </p:txBody>
       </p:sp>
+    </p:spTree>
+  </p:cSld>
+  <p:clrMapOvr>
+    <a:masterClrMapping/>
+  </p:clrMapOvr>
+  <mc:AlternateContent xmlns:mc="http://schemas.openxmlformats.org/markup-compatibility/2006">
+    <mc:Choice xmlns:p159="http://schemas.microsoft.com/office/powerpoint/2015/09/main" xmlns:p14="http://schemas.microsoft.com/office/powerpoint/2010/main" Requires="p159">
+      <p:transition spd="med" p14:dur="700" advClick="1">
+        <p:fade thruBlk="0"/>
+      </p:transition>
+    </mc:Choice>
+    <mc:Fallback>
+      <p:transition spd="med" advClick="1">
+        <p:fade thruBlk="0"/>
+      </p:transition>
+    </mc:Fallback>
+  </mc:AlternateContent>
+</p:sld>
+</file>
+
+<file path=ppt/slides/slide20.xml><?xml version="1.0" encoding="utf-8"?>
+<p:sld xmlns:a="http://schemas.openxmlformats.org/drawingml/2006/main" xmlns:r="http://schemas.openxmlformats.org/officeDocument/2006/relationships" xmlns:p="http://schemas.openxmlformats.org/presentationml/2006/main" xmlns:m="http://schemas.openxmlformats.org/officeDocument/2006/math" xmlns:w="http://schemas.openxmlformats.org/wordprocessingml/2006/main" xmlns:mc="http://schemas.openxmlformats.org/markup-compatibility/2006" showMasterPhAnim="0" showMasterSp="1" show="1">
+  <p:cSld name="">
+    <p:spTree>
+      <p:nvGrpSpPr>
+        <p:cNvPr id="1" name=""/>
+        <p:cNvGrpSpPr/>
+        <p:nvPr/>
+      </p:nvGrpSpPr>
+      <p:grpSpPr bwMode="auto">
+        <a:xfrm>
+          <a:off x="0" y="0"/>
+          <a:ext cx="0" cy="0"/>
+          <a:chOff x="0" y="0"/>
+          <a:chExt cx="0" cy="0"/>
+        </a:xfrm>
+      </p:grpSpPr>
+      <p:sp>
+        <p:nvSpPr>
+          <p:cNvPr id="1898285607" name="PlaceHolder 1"/>
+          <p:cNvSpPr>
+            <a:spLocks noGrp="1"/>
+          </p:cNvSpPr>
+          <p:nvPr>
+            <p:ph type="title"/>
+          </p:nvPr>
+        </p:nvSpPr>
+        <p:spPr bwMode="auto">
+          <a:xfrm>
+            <a:off x="1218960" y="274680"/>
+            <a:ext cx="10358640" cy="1222200"/>
+          </a:xfrm>
+          <a:prstGeom prst="rect">
+            <a:avLst/>
+          </a:prstGeom>
+          <a:noFill/>
+          <a:ln w="0">
+            <a:noFill/>
+          </a:ln>
+        </p:spPr>
+        <p:txBody>
+          <a:bodyPr lIns="122040" tIns="60840" rIns="122040" bIns="60840" anchor="b">
+            <a:noAutofit/>
+          </a:bodyPr>
+          <a:p>
+            <a:pPr indent="0" defTabSz="1218960">
+              <a:lnSpc>
+                <a:spcPct val="90000"/>
+              </a:lnSpc>
+              <a:buNone/>
+              <a:tabLst>
+                <a:tab pos="0" algn="l"/>
+              </a:tabLst>
+              <a:defRPr/>
+            </a:pPr>
+            <a:r>
+              <a:rPr lang="ru-RU" sz="3600" b="0" u="none" strike="noStrike">
+                <a:solidFill>
+                  <a:schemeClr val="lt1"/>
+                </a:solidFill>
+                <a:latin typeface="Calibri"/>
+              </a:rPr>
+              <a:t>Ключевые этапы разработки</a:t>
+            </a:r>
+            <a:endParaRPr lang="en-US" sz="3600" b="0" u="none" strike="noStrike">
+              <a:solidFill>
+                <a:srgbClr val="FFFFFF"/>
+              </a:solidFill>
+              <a:latin typeface="Arial"/>
+            </a:endParaRPr>
+          </a:p>
+        </p:txBody>
+      </p:sp>
+      <p:sp>
+        <p:nvSpPr>
+          <p:cNvPr id="271998477" name="PlaceHolder 2"/>
+          <p:cNvSpPr>
+            <a:spLocks noGrp="1"/>
+          </p:cNvSpPr>
+          <p:nvPr>
+            <p:ph/>
+          </p:nvPr>
+        </p:nvSpPr>
+        <p:spPr bwMode="auto">
+          <a:xfrm>
+            <a:off x="1218960" y="1701720"/>
+            <a:ext cx="10358640" cy="4460400"/>
+          </a:xfrm>
+          <a:prstGeom prst="rect">
+            <a:avLst/>
+          </a:prstGeom>
+          <a:noFill/>
+          <a:ln w="0">
+            <a:noFill/>
+          </a:ln>
+        </p:spPr>
+        <p:txBody>
+          <a:bodyPr lIns="122040" tIns="60840" rIns="122040" bIns="60840" anchor="t">
+            <a:noAutofit/>
+          </a:bodyPr>
+          <a:p>
+            <a:pPr>
+              <a:defRPr/>
+            </a:pPr>
+            <a:r>
+              <a:rPr lang="ru-RU" sz="2800" b="1">
+                <a:solidFill>
+                  <a:schemeClr val="tx1"/>
+                </a:solidFill>
+              </a:rPr>
+              <a:t>Декапсуляция ключей</a:t>
+            </a:r>
+            <a:endParaRPr lang="ru-RU" sz="2400" b="1">
+              <a:solidFill>
+                <a:schemeClr val="tx1"/>
+              </a:solidFill>
+            </a:endParaRPr>
+          </a:p>
+          <a:p>
+            <a:pPr>
+              <a:defRPr/>
+            </a:pPr>
+            <a:endParaRPr lang="ru-RU" sz="2400">
+              <a:solidFill>
+                <a:schemeClr val="tx1"/>
+              </a:solidFill>
+            </a:endParaRPr>
+          </a:p>
+          <a:p>
+            <a:pPr>
+              <a:defRPr/>
+            </a:pPr>
+            <a:r>
+              <a:rPr lang="ru-RU" sz="2400" b="0" i="0" u="none" strike="noStrike" cap="none" spc="0">
+                <a:solidFill>
+                  <a:schemeClr val="tx1"/>
+                </a:solidFill>
+                <a:latin typeface="+mn-lt"/>
+                <a:ea typeface="+mn-ea"/>
+                <a:cs typeface="+mn-cs"/>
+              </a:rPr>
+              <a:t>Декодирование сообщения</a:t>
+            </a:r>
+            <a:endParaRPr lang="en-US" sz="2400">
+              <a:solidFill>
+                <a:schemeClr val="tx1"/>
+              </a:solidFill>
+            </a:endParaRPr>
+          </a:p>
+          <a:p>
+            <a:pPr>
+              <a:defRPr/>
+            </a:pPr>
+            <a:endParaRPr lang="en-US" sz="2400">
+              <a:solidFill>
+                <a:schemeClr val="tx1"/>
+              </a:solidFill>
+            </a:endParaRPr>
+          </a:p>
+          <a:p>
+            <a:pPr>
+              <a:defRPr/>
+            </a:pPr>
+            <a:r>
+              <a:rPr lang="en-US" sz="2400">
+                <a:solidFill>
+                  <a:schemeClr val="tx1"/>
+                </a:solidFill>
+              </a:rPr>
+              <a:t>m` = (u(x) * w`(x)) mod p</a:t>
+            </a:r>
+            <a:endParaRPr lang="en-US" sz="2400">
+              <a:solidFill>
+                <a:schemeClr val="tx1"/>
+              </a:solidFill>
+            </a:endParaRPr>
+          </a:p>
+          <a:p>
+            <a:pPr>
+              <a:defRPr/>
+            </a:pPr>
+            <a:endParaRPr lang="en-US" sz="2400">
+              <a:solidFill>
+                <a:schemeClr val="tx1"/>
+              </a:solidFill>
+            </a:endParaRPr>
+          </a:p>
+          <a:p>
+            <a:pPr>
+              <a:defRPr/>
+            </a:pPr>
+            <mc:AlternateContent xmlns:mc="http://schemas.openxmlformats.org/markup-compatibility/2006" xmlns:m="http://schemas.openxmlformats.org/officeDocument/2006/math">
+              <mc:Choice xmlns:a14="http://schemas.microsoft.com/office/drawing/2010/main" Requires="a14">
+                <a14:m>
+                  <m:oMathPara>
+                    <m:oMathParaPr/>
+                    <m:oMath>
+                      <m:sSubSup>
+                        <m:sSubSupPr>
+                          <m:alnScr m:val="off"/>
+                          <m:ctrlPr>
+                            <a:rPr lang="ru-RU" sz="2600" b="0" i="1">
+                              <a:solidFill>
+                                <a:schemeClr val="tx1"/>
+                              </a:solidFill>
+                              <a:latin typeface="Cambria Math"/>
+                              <a:ea typeface="Cambria Math"/>
+                              <a:cs typeface="Cambria Math"/>
+                            </a:rPr>
+                          </m:ctrlPr>
+                        </m:sSubSupPr>
+                        <m:e>
+                          <m:r>
+                            <m:rPr>
+                              <m:sty m:val="i"/>
+                            </m:rPr>
+                            <a:rPr lang="ru-RU" sz="2600">
+                              <a:solidFill>
+                                <a:schemeClr val="tx1"/>
+                              </a:solidFill>
+                              <a:latin typeface="Cambria Math"/>
+                              <a:ea typeface="Cambria Math"/>
+                              <a:cs typeface="Cambria Math"/>
+                            </a:rPr>
+                            <m:t>m</m:t>
+                          </m:r>
+                        </m:e>
+                        <m:sub>
+                          <m:r>
+                            <m:rPr>
+                              <m:sty m:val="i"/>
+                            </m:rPr>
+                            <a:rPr lang="ru-RU" sz="2600">
+                              <a:solidFill>
+                                <a:schemeClr val="tx1"/>
+                              </a:solidFill>
+                              <a:latin typeface="Cambria Math"/>
+                              <a:ea typeface="Cambria Math"/>
+                              <a:cs typeface="Cambria Math"/>
+                            </a:rPr>
+                            <m:t>i</m:t>
+                          </m:r>
+                        </m:sub>
+                        <m:sup>
+                          <m:r>
+                            <m:rPr>
+                              <m:sty m:val="i"/>
+                            </m:rPr>
+                            <a:rPr lang="ru-RU" sz="2600">
+                              <a:solidFill>
+                                <a:schemeClr val="tx1"/>
+                              </a:solidFill>
+                              <a:latin typeface="Cambria Math"/>
+                              <a:ea typeface="Cambria Math"/>
+                              <a:cs typeface="Cambria Math"/>
+                            </a:rPr>
+                            <m:t>`</m:t>
+                          </m:r>
+                        </m:sup>
+                      </m:sSubSup>
+                      <m:r>
+                        <m:rPr>
+                          <m:sty m:val="i"/>
+                        </m:rPr>
+                        <a:rPr lang="ru-RU" sz="2600">
+                          <a:solidFill>
+                            <a:schemeClr val="tx1"/>
+                          </a:solidFill>
+                          <a:latin typeface="Cambria Math"/>
+                          <a:ea typeface="Cambria Math"/>
+                          <a:cs typeface="Cambria Math"/>
+                        </a:rPr>
+                        <m:t> = </m:t>
+                      </m:r>
+                      <m:d>
+                        <m:dPr>
+                          <m:begChr m:val="{"/>
+                          <m:endChr m:val=""/>
+                          <m:ctrlPr>
+                            <a:rPr lang="ru-RU" sz="2600" i="1">
+                              <a:solidFill>
+                                <a:schemeClr val="tx1"/>
+                              </a:solidFill>
+                              <a:latin typeface="Cambria Math"/>
+                              <a:ea typeface="Cambria Math"/>
+                              <a:cs typeface="Cambria Math"/>
+                            </a:rPr>
+                          </m:ctrlPr>
+                        </m:dPr>
+                        <m:e>
+                          <m:eqArr>
+                            <m:eqArrPr>
+                              <m:baseJc m:val="center"/>
+                              <m:maxDist m:val="off"/>
+                              <m:objDist m:val="off"/>
+                              <m:rSp/>
+                              <m:rSpRule/>
+                              <m:ctrlPr>
+                                <a:rPr lang="ru-RU" sz="2600" i="1">
+                                  <a:solidFill>
+                                    <a:schemeClr val="tx1"/>
+                                  </a:solidFill>
+                                  <a:latin typeface="Cambria Math"/>
+                                  <a:ea typeface="Cambria Math"/>
+                                  <a:cs typeface="Cambria Math"/>
+                                </a:rPr>
+                              </m:ctrlPr>
+                            </m:eqArrPr>
+                            <m:e>
+                              <m:r>
+                                <m:rPr>
+                                  <m:sty m:val="i"/>
+                                </m:rPr>
+                                <a:rPr lang="ru-RU" sz="2600">
+                                  <a:solidFill>
+                                    <a:schemeClr val="tx1"/>
+                                  </a:solidFill>
+                                  <a:latin typeface="Cambria Math"/>
+                                  <a:ea typeface="Cambria Math"/>
+                                  <a:cs typeface="Cambria Math"/>
+                                </a:rPr>
+                                <m:t>1, если (m`</m:t>
+                              </m:r>
+                              <m:sSub>
+                                <m:sSubPr>
+                                  <m:ctrlPr>
+                                    <a:rPr lang="ru-RU" sz="2600" i="1">
+                                      <a:solidFill>
+                                        <a:schemeClr val="tx1"/>
+                                      </a:solidFill>
+                                      <a:latin typeface="Cambria Math"/>
+                                      <a:ea typeface="Cambria Math"/>
+                                      <a:cs typeface="Cambria Math"/>
+                                    </a:rPr>
+                                  </m:ctrlPr>
+                                </m:sSubPr>
+                                <m:e>
+                                  <m:r>
+                                    <m:rPr>
+                                      <m:sty m:val="i"/>
+                                    </m:rPr>
+                                    <a:rPr lang="ru-RU" sz="2600">
+                                      <a:solidFill>
+                                        <a:schemeClr val="tx1"/>
+                                      </a:solidFill>
+                                      <a:latin typeface="Cambria Math"/>
+                                      <a:ea typeface="Cambria Math"/>
+                                      <a:cs typeface="Cambria Math"/>
+                                    </a:rPr>
+                                    <m:t>)</m:t>
+                                  </m:r>
+                                </m:e>
+                                <m:sub>
+                                  <m:r>
+                                    <m:rPr>
+                                      <m:sty m:val="i"/>
+                                    </m:rPr>
+                                    <a:rPr lang="ru-RU" sz="2600">
+                                      <a:solidFill>
+                                        <a:schemeClr val="tx1"/>
+                                      </a:solidFill>
+                                      <a:latin typeface="Cambria Math"/>
+                                      <a:ea typeface="Cambria Math"/>
+                                      <a:cs typeface="Cambria Math"/>
+                                    </a:rPr>
+                                    <m:t>i</m:t>
+                                  </m:r>
+                                </m:sub>
+                              </m:sSub>
+                              <m:r>
+                                <m:rPr>
+                                  <m:sty m:val="i"/>
+                                </m:rPr>
+                                <a:rPr lang="ru-RU" sz="2600">
+                                  <a:solidFill>
+                                    <a:schemeClr val="tx1"/>
+                                  </a:solidFill>
+                                  <a:latin typeface="Cambria Math"/>
+                                  <a:ea typeface="Cambria Math"/>
+                                  <a:cs typeface="Cambria Math"/>
+                                </a:rPr>
+                                <m:t> </m:t>
+                              </m:r>
+                              <m:r>
+                                <m:rPr>
+                                  <m:sty m:val="i"/>
+                                </m:rPr>
+                                <a:rPr lang="ru-RU" sz="2600">
+                                  <a:solidFill>
+                                    <a:schemeClr val="tx1"/>
+                                  </a:solidFill>
+                                  <a:latin typeface="Cambria Math"/>
+                                  <a:ea typeface="Cambria Math"/>
+                                  <a:cs typeface="Cambria Math"/>
+                                </a:rPr>
+                                <m:t>≥ </m:t>
+                              </m:r>
+                              <m:f>
+                                <m:fPr>
+                                  <m:ctrlPr>
+                                    <a:rPr lang="ru-RU" sz="2600" i="1">
+                                      <a:solidFill>
+                                        <a:schemeClr val="tx1"/>
+                                      </a:solidFill>
+                                      <a:latin typeface="Cambria Math"/>
+                                      <a:ea typeface="Cambria Math"/>
+                                      <a:cs typeface="Cambria Math"/>
+                                    </a:rPr>
+                                  </m:ctrlPr>
+                                </m:fPr>
+                                <m:num>
+                                  <m:r>
+                                    <m:rPr>
+                                      <m:sty m:val="i"/>
+                                    </m:rPr>
+                                    <a:rPr lang="ru-RU" sz="2600">
+                                      <a:solidFill>
+                                        <a:schemeClr val="tx1"/>
+                                      </a:solidFill>
+                                      <a:latin typeface="Cambria Math"/>
+                                      <a:ea typeface="Cambria Math"/>
+                                      <a:cs typeface="Cambria Math"/>
+                                    </a:rPr>
+                                    <m:t>p</m:t>
+                                  </m:r>
+                                </m:num>
+                                <m:den>
+                                  <m:r>
+                                    <m:rPr>
+                                      <m:sty m:val="i"/>
+                                    </m:rPr>
+                                    <a:rPr lang="ru-RU" sz="2600">
+                                      <a:solidFill>
+                                        <a:schemeClr val="tx1"/>
+                                      </a:solidFill>
+                                      <a:latin typeface="Cambria Math"/>
+                                      <a:ea typeface="Cambria Math"/>
+                                      <a:cs typeface="Cambria Math"/>
+                                    </a:rPr>
+                                    <m:t>2</m:t>
+                                  </m:r>
+                                </m:den>
+                              </m:f>
+                            </m:e>
+                            <m:e>
+                              <m:r>
+                                <m:rPr>
+                                  <m:sty m:val="i"/>
+                                </m:rPr>
+                                <a:rPr lang="ru-RU" sz="2600">
+                                  <a:solidFill>
+                                    <a:schemeClr val="tx1"/>
+                                  </a:solidFill>
+                                  <a:latin typeface="Cambria Math"/>
+                                  <a:ea typeface="Cambria Math"/>
+                                  <a:cs typeface="Cambria Math"/>
+                                </a:rPr>
+                                <m:t>0, иначе</m:t>
+                              </m:r>
+                            </m:e>
+                          </m:eqArr>
+                        </m:e>
+                      </m:d>
+                    </m:oMath>
+                  </m:oMathPara>
+                </a14:m>
+              </mc:Choice>
+              <mc:Fallback/>
+            </mc:AlternateContent>
+            <a:endParaRPr lang="en-US" sz="2400">
+              <a:solidFill>
+                <a:schemeClr val="tx1"/>
+              </a:solidFill>
+            </a:endParaRPr>
+          </a:p>
+          <a:p>
+            <a:pPr>
+              <a:defRPr/>
+            </a:pPr>
+            <a:endParaRPr lang="en-US" sz="2400">
+              <a:solidFill>
+                <a:schemeClr val="tx1"/>
+              </a:solidFill>
+            </a:endParaRPr>
+          </a:p>
+        </p:txBody>
+      </p:sp>
+    </p:spTree>
+  </p:cSld>
+  <p:clrMapOvr>
+    <a:masterClrMapping/>
+  </p:clrMapOvr>
+  <mc:AlternateContent xmlns:mc="http://schemas.openxmlformats.org/markup-compatibility/2006">
+    <mc:Choice xmlns:p159="http://schemas.microsoft.com/office/powerpoint/2015/09/main" xmlns:p14="http://schemas.microsoft.com/office/powerpoint/2010/main" Requires="p159">
+      <p:transition spd="med" p14:dur="700" advClick="1">
+        <p:fade thruBlk="0"/>
+      </p:transition>
+    </mc:Choice>
+    <mc:Fallback>
+      <p:transition spd="med" advClick="1">
+        <p:fade thruBlk="0"/>
+      </p:transition>
+    </mc:Fallback>
+  </mc:AlternateContent>
+</p:sld>
+</file>
+
+<file path=ppt/slides/slide21.xml><?xml version="1.0" encoding="utf-8"?>
+<p:sld xmlns:a="http://schemas.openxmlformats.org/drawingml/2006/main" xmlns:r="http://schemas.openxmlformats.org/officeDocument/2006/relationships" xmlns:p="http://schemas.openxmlformats.org/presentationml/2006/main" xmlns:m="http://schemas.openxmlformats.org/officeDocument/2006/math" xmlns:w="http://schemas.openxmlformats.org/wordprocessingml/2006/main" xmlns:mc="http://schemas.openxmlformats.org/markup-compatibility/2006" showMasterPhAnim="0" showMasterSp="1" show="1">
+  <p:cSld name="">
+    <p:spTree>
+      <p:nvGrpSpPr>
+        <p:cNvPr id="1" name=""/>
+        <p:cNvGrpSpPr/>
+        <p:nvPr/>
+      </p:nvGrpSpPr>
+      <p:grpSpPr bwMode="auto">
+        <a:xfrm>
+          <a:off x="0" y="0"/>
+          <a:ext cx="0" cy="0"/>
+          <a:chOff x="0" y="0"/>
+          <a:chExt cx="0" cy="0"/>
+        </a:xfrm>
+      </p:grpSpPr>
+      <p:sp>
+        <p:nvSpPr>
+          <p:cNvPr id="318538508" name="PlaceHolder 1"/>
+          <p:cNvSpPr>
+            <a:spLocks noGrp="1"/>
+          </p:cNvSpPr>
+          <p:nvPr>
+            <p:ph type="title"/>
+          </p:nvPr>
+        </p:nvSpPr>
+        <p:spPr bwMode="auto">
+          <a:xfrm>
+            <a:off x="1218960" y="274680"/>
+            <a:ext cx="10358640" cy="1222200"/>
+          </a:xfrm>
+          <a:prstGeom prst="rect">
+            <a:avLst/>
+          </a:prstGeom>
+          <a:noFill/>
+          <a:ln w="0">
+            <a:noFill/>
+          </a:ln>
+        </p:spPr>
+        <p:txBody>
+          <a:bodyPr lIns="122040" tIns="60840" rIns="122040" bIns="60840" anchor="b">
+            <a:noAutofit/>
+          </a:bodyPr>
+          <a:p>
+            <a:pPr indent="0" defTabSz="1218960">
+              <a:lnSpc>
+                <a:spcPct val="90000"/>
+              </a:lnSpc>
+              <a:buNone/>
+              <a:tabLst>
+                <a:tab pos="0" algn="l"/>
+              </a:tabLst>
+              <a:defRPr/>
+            </a:pPr>
+            <a:r>
+              <a:rPr lang="ru-RU" sz="3600" b="0" u="none" strike="noStrike">
+                <a:solidFill>
+                  <a:schemeClr val="lt1"/>
+                </a:solidFill>
+                <a:latin typeface="Calibri"/>
+              </a:rPr>
+              <a:t>Ключевые этапы разработки</a:t>
+            </a:r>
+            <a:endParaRPr lang="en-US" sz="3600" b="0" u="none" strike="noStrike">
+              <a:solidFill>
+                <a:srgbClr val="FFFFFF"/>
+              </a:solidFill>
+              <a:latin typeface="Arial"/>
+            </a:endParaRPr>
+          </a:p>
+        </p:txBody>
+      </p:sp>
+      <p:sp>
+        <p:nvSpPr>
+          <p:cNvPr id="1568208955" name="PlaceHolder 2"/>
+          <p:cNvSpPr>
+            <a:spLocks noGrp="1"/>
+          </p:cNvSpPr>
+          <p:nvPr>
+            <p:ph/>
+          </p:nvPr>
+        </p:nvSpPr>
+        <p:spPr bwMode="auto">
+          <a:xfrm>
+            <a:off x="1218960" y="1701720"/>
+            <a:ext cx="10358640" cy="4460400"/>
+          </a:xfrm>
+          <a:prstGeom prst="rect">
+            <a:avLst/>
+          </a:prstGeom>
+          <a:noFill/>
+          <a:ln w="0">
+            <a:noFill/>
+          </a:ln>
+        </p:spPr>
+        <p:txBody>
+          <a:bodyPr lIns="122040" tIns="60840" rIns="122040" bIns="60840" anchor="t">
+            <a:noAutofit/>
+          </a:bodyPr>
+          <a:p>
+            <a:pPr>
+              <a:defRPr/>
+            </a:pPr>
+            <a:r>
+              <a:rPr lang="ru-RU" sz="2400" b="1">
+                <a:solidFill>
+                  <a:schemeClr val="tx1"/>
+                </a:solidFill>
+              </a:rPr>
+              <a:t>Кодирование сообщения</a:t>
+            </a:r>
+            <a:endParaRPr lang="ru-RU" sz="2400" b="0">
+              <a:solidFill>
+                <a:schemeClr val="tx1"/>
+              </a:solidFill>
+            </a:endParaRPr>
+          </a:p>
+          <a:p>
+            <a:pPr>
+              <a:defRPr/>
+            </a:pPr>
+            <a:endParaRPr sz="2400" b="0">
+              <a:solidFill>
+                <a:schemeClr val="tx1"/>
+              </a:solidFill>
+            </a:endParaRPr>
+          </a:p>
+          <a:p>
+            <a:pPr>
+              <a:defRPr/>
+            </a:pPr>
+            <a:r>
+              <a:rPr lang="en-US" sz="2400" b="0">
+                <a:solidFill>
+                  <a:schemeClr val="tx1"/>
+                </a:solidFill>
+              </a:rPr>
+              <a:t>m</a:t>
+            </a:r>
+            <a:r>
+              <a:rPr lang="en-US" sz="2400" b="0" baseline="-25000">
+                <a:solidFill>
+                  <a:schemeClr val="tx1"/>
+                </a:solidFill>
+              </a:rPr>
+              <a:t>enc</a:t>
+            </a:r>
+            <a:r>
+              <a:rPr lang="en-US" sz="2400" b="0">
+                <a:solidFill>
+                  <a:schemeClr val="tx1"/>
+                </a:solidFill>
+              </a:rPr>
+              <a:t>(x) </a:t>
+            </a:r>
+            <a:r>
+              <a:rPr lang="ru-RU" sz="2400" b="0">
+                <a:solidFill>
+                  <a:schemeClr val="tx1"/>
+                </a:solidFill>
+              </a:rPr>
+              <a:t>– кодированное сообщение</a:t>
+            </a:r>
+            <a:endParaRPr lang="ru-RU" sz="2400" b="0">
+              <a:solidFill>
+                <a:schemeClr val="tx1"/>
+              </a:solidFill>
+            </a:endParaRPr>
+          </a:p>
+          <a:p>
+            <a:pPr>
+              <a:defRPr/>
+            </a:pPr>
+            <mc:AlternateContent xmlns:mc="http://schemas.openxmlformats.org/markup-compatibility/2006" xmlns:m="http://schemas.openxmlformats.org/officeDocument/2006/math">
+              <mc:Choice xmlns:a14="http://schemas.microsoft.com/office/drawing/2010/main" Requires="a14">
+                <a14:m>
+                  <m:oMathPara>
+                    <m:oMathParaPr/>
+                    <m:oMath>
+                      <m:r>
+                        <m:rPr>
+                          <m:sty m:val="i"/>
+                        </m:rPr>
+                        <a:rPr lang="ru-RU" sz="2600">
+                          <a:solidFill>
+                            <a:schemeClr val="tx1"/>
+                          </a:solidFill>
+                          <a:latin typeface="Cambria Math"/>
+                          <a:ea typeface="Cambria Math"/>
+                          <a:cs typeface="Cambria Math"/>
+                        </a:rPr>
+                        <m:t>(</m:t>
+                      </m:r>
+                      <m:sSub>
+                        <m:sSubPr>
+                          <m:ctrlPr>
+                            <a:rPr lang="ru-RU" sz="2600" i="1">
+                              <a:solidFill>
+                                <a:schemeClr val="tx1"/>
+                              </a:solidFill>
+                              <a:latin typeface="Cambria Math"/>
+                              <a:ea typeface="Cambria Math"/>
+                              <a:cs typeface="Cambria Math"/>
+                            </a:rPr>
+                          </m:ctrlPr>
+                        </m:sSubPr>
+                        <m:e>
+                          <m:r>
+                            <m:rPr>
+                              <m:sty m:val="i"/>
+                            </m:rPr>
+                            <a:rPr lang="ru-RU" sz="2600">
+                              <a:solidFill>
+                                <a:schemeClr val="tx1"/>
+                              </a:solidFill>
+                              <a:latin typeface="Cambria Math"/>
+                              <a:ea typeface="Cambria Math"/>
+                              <a:cs typeface="Cambria Math"/>
+                            </a:rPr>
+                            <m:t>m</m:t>
+                          </m:r>
+                        </m:e>
+                        <m:sub>
+                          <m:r>
+                            <m:rPr>
+                              <m:sty m:val="i"/>
+                            </m:rPr>
+                            <a:rPr lang="ru-RU" sz="2600">
+                              <a:solidFill>
+                                <a:schemeClr val="tx1"/>
+                              </a:solidFill>
+                              <a:latin typeface="Cambria Math"/>
+                              <a:ea typeface="Cambria Math"/>
+                              <a:cs typeface="Cambria Math"/>
+                            </a:rPr>
+                            <m:t>enc</m:t>
+                          </m:r>
+                        </m:sub>
+                      </m:sSub>
+                      <m:sSub>
+                        <m:sSubPr>
+                          <m:ctrlPr>
+                            <a:rPr lang="ru-RU" sz="2600" i="1">
+                              <a:solidFill>
+                                <a:schemeClr val="tx1"/>
+                              </a:solidFill>
+                              <a:latin typeface="Cambria Math"/>
+                              <a:ea typeface="Cambria Math"/>
+                              <a:cs typeface="Cambria Math"/>
+                            </a:rPr>
+                          </m:ctrlPr>
+                        </m:sSubPr>
+                        <m:e>
+                          <m:r>
+                            <m:rPr>
+                              <m:sty m:val="i"/>
+                            </m:rPr>
+                            <a:rPr lang="ru-RU" sz="2600">
+                              <a:solidFill>
+                                <a:schemeClr val="tx1"/>
+                              </a:solidFill>
+                              <a:latin typeface="Cambria Math"/>
+                              <a:ea typeface="Cambria Math"/>
+                              <a:cs typeface="Cambria Math"/>
+                            </a:rPr>
+                            <m:t>)</m:t>
+                          </m:r>
+                        </m:e>
+                        <m:sub>
+                          <m:r>
+                            <m:rPr>
+                              <m:sty m:val="i"/>
+                            </m:rPr>
+                            <a:rPr lang="ru-RU" sz="2600">
+                              <a:solidFill>
+                                <a:schemeClr val="tx1"/>
+                              </a:solidFill>
+                              <a:latin typeface="Cambria Math"/>
+                              <a:ea typeface="Cambria Math"/>
+                              <a:cs typeface="Cambria Math"/>
+                            </a:rPr>
+                            <m:t>i</m:t>
+                          </m:r>
+                        </m:sub>
+                      </m:sSub>
+                      <m:r>
+                        <m:rPr>
+                          <m:sty m:val="i"/>
+                        </m:rPr>
+                        <a:rPr lang="ru-RU" sz="2600">
+                          <a:solidFill>
+                            <a:schemeClr val="tx1"/>
+                          </a:solidFill>
+                          <a:latin typeface="Cambria Math"/>
+                          <a:ea typeface="Cambria Math"/>
+                          <a:cs typeface="Cambria Math"/>
+                        </a:rPr>
+                        <m:t> = </m:t>
+                      </m:r>
+                      <m:d>
+                        <m:dPr>
+                          <m:begChr m:val="{"/>
+                          <m:endChr m:val=""/>
+                          <m:ctrlPr>
+                            <a:rPr lang="ru-RU" sz="2600" i="1">
+                              <a:solidFill>
+                                <a:schemeClr val="tx1"/>
+                              </a:solidFill>
+                              <a:latin typeface="Cambria Math"/>
+                              <a:ea typeface="Cambria Math"/>
+                              <a:cs typeface="Cambria Math"/>
+                            </a:rPr>
+                          </m:ctrlPr>
+                        </m:dPr>
+                        <m:e>
+                          <m:eqArr>
+                            <m:eqArrPr>
+                              <m:baseJc m:val="center"/>
+                              <m:maxDist m:val="off"/>
+                              <m:objDist m:val="off"/>
+                              <m:rSp/>
+                              <m:rSpRule/>
+                              <m:ctrlPr>
+                                <a:rPr lang="ru-RU" sz="2600" i="1">
+                                  <a:solidFill>
+                                    <a:schemeClr val="tx1"/>
+                                  </a:solidFill>
+                                  <a:latin typeface="Cambria Math"/>
+                                  <a:ea typeface="Cambria Math"/>
+                                  <a:cs typeface="Cambria Math"/>
+                                </a:rPr>
+                              </m:ctrlPr>
+                            </m:eqArrPr>
+                            <m:e>
+                              <m:r>
+                                <m:rPr>
+                                  <m:sty m:val="i"/>
+                                </m:rPr>
+                                <a:rPr lang="ru-RU" sz="2600">
+                                  <a:solidFill>
+                                    <a:schemeClr val="tx1"/>
+                                  </a:solidFill>
+                                  <a:latin typeface="Cambria Math"/>
+                                  <a:ea typeface="Cambria Math"/>
+                                  <a:cs typeface="Cambria Math"/>
+                                </a:rPr>
+                                <m:t>0, если </m:t>
+                              </m:r>
+                              <m:sSub>
+                                <m:sSubPr>
+                                  <m:ctrlPr>
+                                    <a:rPr lang="ru-RU" sz="2600" i="1">
+                                      <a:solidFill>
+                                        <a:schemeClr val="tx1"/>
+                                      </a:solidFill>
+                                      <a:latin typeface="Cambria Math"/>
+                                      <a:ea typeface="Cambria Math"/>
+                                      <a:cs typeface="Cambria Math"/>
+                                    </a:rPr>
+                                  </m:ctrlPr>
+                                </m:sSubPr>
+                                <m:e>
+                                  <m:r>
+                                    <m:rPr>
+                                      <m:sty m:val="i"/>
+                                    </m:rPr>
+                                    <a:rPr lang="ru-RU" sz="2600">
+                                      <a:solidFill>
+                                        <a:schemeClr val="tx1"/>
+                                      </a:solidFill>
+                                      <a:latin typeface="Cambria Math"/>
+                                      <a:ea typeface="Cambria Math"/>
+                                      <a:cs typeface="Cambria Math"/>
+                                    </a:rPr>
+                                    <m:t>m</m:t>
+                                  </m:r>
+                                </m:e>
+                                <m:sub>
+                                  <m:r>
+                                    <m:rPr>
+                                      <m:sty m:val="i"/>
+                                    </m:rPr>
+                                    <a:rPr lang="ru-RU" sz="2600">
+                                      <a:solidFill>
+                                        <a:schemeClr val="tx1"/>
+                                      </a:solidFill>
+                                      <a:latin typeface="Cambria Math"/>
+                                      <a:ea typeface="Cambria Math"/>
+                                      <a:cs typeface="Cambria Math"/>
+                                    </a:rPr>
+                                    <m:t>i</m:t>
+                                  </m:r>
+                                </m:sub>
+                              </m:sSub>
+                              <m:r>
+                                <m:rPr>
+                                  <m:sty m:val="i"/>
+                                </m:rPr>
+                                <a:rPr lang="ru-RU" sz="2600">
+                                  <a:solidFill>
+                                    <a:schemeClr val="tx1"/>
+                                  </a:solidFill>
+                                  <a:latin typeface="Cambria Math"/>
+                                  <a:ea typeface="Cambria Math"/>
+                                  <a:cs typeface="Cambria Math"/>
+                                </a:rPr>
+                                <m:t> = 0</m:t>
+                              </m:r>
+                            </m:e>
+                            <m:e>
+                              <m:f>
+                                <m:fPr>
+                                  <m:ctrlPr>
+                                    <a:rPr lang="ru-RU" sz="2600" i="1">
+                                      <a:solidFill>
+                                        <a:schemeClr val="tx1"/>
+                                      </a:solidFill>
+                                      <a:latin typeface="Cambria Math"/>
+                                      <a:ea typeface="Cambria Math"/>
+                                      <a:cs typeface="Cambria Math"/>
+                                    </a:rPr>
+                                  </m:ctrlPr>
+                                </m:fPr>
+                                <m:num>
+                                  <m:r>
+                                    <m:rPr>
+                                      <m:sty m:val="i"/>
+                                    </m:rPr>
+                                    <a:rPr lang="ru-RU" sz="2600">
+                                      <a:solidFill>
+                                        <a:schemeClr val="tx1"/>
+                                      </a:solidFill>
+                                      <a:latin typeface="Cambria Math"/>
+                                      <a:ea typeface="Cambria Math"/>
+                                      <a:cs typeface="Cambria Math"/>
+                                    </a:rPr>
+                                    <m:t>p</m:t>
+                                  </m:r>
+                                </m:num>
+                                <m:den>
+                                  <m:r>
+                                    <m:rPr>
+                                      <m:sty m:val="i"/>
+                                    </m:rPr>
+                                    <a:rPr lang="ru-RU" sz="2600">
+                                      <a:solidFill>
+                                        <a:schemeClr val="tx1"/>
+                                      </a:solidFill>
+                                      <a:latin typeface="Cambria Math"/>
+                                      <a:ea typeface="Cambria Math"/>
+                                      <a:cs typeface="Cambria Math"/>
+                                    </a:rPr>
+                                    <m:t>2</m:t>
+                                  </m:r>
+                                </m:den>
+                              </m:f>
+                              <m:r>
+                                <m:rPr>
+                                  <m:sty m:val="i"/>
+                                </m:rPr>
+                                <a:rPr lang="ru-RU" sz="2600">
+                                  <a:solidFill>
+                                    <a:schemeClr val="tx1"/>
+                                  </a:solidFill>
+                                  <a:latin typeface="Cambria Math"/>
+                                  <a:ea typeface="Cambria Math"/>
+                                  <a:cs typeface="Cambria Math"/>
+                                </a:rPr>
+                                <m:t>, если </m:t>
+                              </m:r>
+                              <m:sSub>
+                                <m:sSubPr>
+                                  <m:ctrlPr>
+                                    <a:rPr lang="ru-RU" sz="2600" i="1">
+                                      <a:solidFill>
+                                        <a:schemeClr val="tx1"/>
+                                      </a:solidFill>
+                                      <a:latin typeface="Cambria Math"/>
+                                      <a:ea typeface="Cambria Math"/>
+                                      <a:cs typeface="Cambria Math"/>
+                                    </a:rPr>
+                                  </m:ctrlPr>
+                                </m:sSubPr>
+                                <m:e>
+                                  <m:r>
+                                    <m:rPr>
+                                      <m:sty m:val="i"/>
+                                    </m:rPr>
+                                    <a:rPr lang="ru-RU" sz="2600">
+                                      <a:solidFill>
+                                        <a:schemeClr val="tx1"/>
+                                      </a:solidFill>
+                                      <a:latin typeface="Cambria Math"/>
+                                      <a:ea typeface="Cambria Math"/>
+                                      <a:cs typeface="Cambria Math"/>
+                                    </a:rPr>
+                                    <m:t>m</m:t>
+                                  </m:r>
+                                </m:e>
+                                <m:sub>
+                                  <m:r>
+                                    <m:rPr>
+                                      <m:sty m:val="i"/>
+                                    </m:rPr>
+                                    <a:rPr lang="ru-RU" sz="2600">
+                                      <a:solidFill>
+                                        <a:schemeClr val="tx1"/>
+                                      </a:solidFill>
+                                      <a:latin typeface="Cambria Math"/>
+                                      <a:ea typeface="Cambria Math"/>
+                                      <a:cs typeface="Cambria Math"/>
+                                    </a:rPr>
+                                    <m:t>i</m:t>
+                                  </m:r>
+                                </m:sub>
+                              </m:sSub>
+                              <m:r>
+                                <m:rPr>
+                                  <m:sty m:val="i"/>
+                                </m:rPr>
+                                <a:rPr lang="ru-RU" sz="2600">
+                                  <a:solidFill>
+                                    <a:schemeClr val="tx1"/>
+                                  </a:solidFill>
+                                  <a:latin typeface="Cambria Math"/>
+                                  <a:ea typeface="Cambria Math"/>
+                                  <a:cs typeface="Cambria Math"/>
+                                </a:rPr>
+                                <m:t> = 1</m:t>
+                              </m:r>
+                            </m:e>
+                          </m:eqArr>
+                        </m:e>
+                      </m:d>
+                    </m:oMath>
+                  </m:oMathPara>
+                </a14:m>
+              </mc:Choice>
+              <mc:Fallback/>
+            </mc:AlternateContent>
+            <a:endParaRPr lang="ru-RU" sz="2600" b="0">
+              <a:solidFill>
+                <a:schemeClr val="tx1"/>
+              </a:solidFill>
+            </a:endParaRPr>
+          </a:p>
+          <a:p>
+            <a:pPr>
+              <a:defRPr/>
+            </a:pPr>
+            <a:endParaRPr lang="ru-RU" sz="2400" b="0">
+              <a:solidFill>
+                <a:schemeClr val="tx1"/>
+              </a:solidFill>
+            </a:endParaRPr>
+          </a:p>
+        </p:txBody>
+      </p:sp>
+    </p:spTree>
+  </p:cSld>
+  <p:clrMapOvr>
+    <a:masterClrMapping/>
+  </p:clrMapOvr>
+  <mc:AlternateContent xmlns:mc="http://schemas.openxmlformats.org/markup-compatibility/2006">
+    <mc:Choice xmlns:p159="http://schemas.microsoft.com/office/powerpoint/2015/09/main" xmlns:p14="http://schemas.microsoft.com/office/powerpoint/2010/main" Requires="p159">
+      <p:transition spd="med" p14:dur="700" advClick="1">
+        <p:fade thruBlk="0"/>
+      </p:transition>
+    </mc:Choice>
+    <mc:Fallback>
+      <p:transition spd="med" advClick="1">
+        <p:fade thruBlk="0"/>
+      </p:transition>
+    </mc:Fallback>
+  </mc:AlternateContent>
+</p:sld>
+</file>
+
+<file path=ppt/slides/slide22.xml><?xml version="1.0" encoding="utf-8"?>
+<p:sld xmlns:a="http://schemas.openxmlformats.org/drawingml/2006/main" xmlns:r="http://schemas.openxmlformats.org/officeDocument/2006/relationships" xmlns:p="http://schemas.openxmlformats.org/presentationml/2006/main" xmlns:m="http://schemas.openxmlformats.org/officeDocument/2006/math" xmlns:w="http://schemas.openxmlformats.org/wordprocessingml/2006/main" xmlns:mc="http://schemas.openxmlformats.org/markup-compatibility/2006" showMasterPhAnim="0" showMasterSp="1" show="1">
+  <p:cSld name="">
+    <p:spTree>
+      <p:nvGrpSpPr>
+        <p:cNvPr id="1" name=""/>
+        <p:cNvGrpSpPr/>
+        <p:nvPr/>
+      </p:nvGrpSpPr>
+      <p:grpSpPr bwMode="auto">
+        <a:xfrm>
+          <a:off x="0" y="0"/>
+          <a:ext cx="0" cy="0"/>
+          <a:chOff x="0" y="0"/>
+          <a:chExt cx="0" cy="0"/>
+        </a:xfrm>
+      </p:grpSpPr>
+      <p:sp>
+        <p:nvSpPr>
+          <p:cNvPr id="446" name="Скругленный прямоугольник 7"/>
+          <p:cNvSpPr/>
+          <p:nvPr/>
+        </p:nvSpPr>
+        <p:spPr bwMode="auto">
+          <a:xfrm>
+            <a:off x="8357400" y="370080"/>
+            <a:ext cx="3166560" cy="3211200"/>
+          </a:xfrm>
+          <a:prstGeom prst="roundRect">
+            <a:avLst>
+              <a:gd name="adj" fmla="val 16667"/>
+            </a:avLst>
+          </a:prstGeom>
+          <a:solidFill>
+            <a:srgbClr val="6974D9">
+              <a:alpha val="87000"/>
+            </a:srgbClr>
+          </a:solidFill>
+          <a:ln>
+            <a:noFill/>
+          </a:ln>
+          <a:effectLst>
+            <a:outerShdw blurRad="190440" dist="228593" dir="2700000" algn="ctr">
+              <a:srgbClr val="000000">
+                <a:alpha val="30000"/>
+              </a:srgbClr>
+            </a:outerShdw>
+          </a:effectLst>
+        </p:spPr>
+        <p:style>
+          <a:lnRef idx="2">
+            <a:schemeClr val="accent1">
+              <a:shade val="50000"/>
+            </a:schemeClr>
+          </a:lnRef>
+          <a:fillRef idx="1">
+            <a:schemeClr val="accent1"/>
+          </a:fillRef>
+          <a:effectRef idx="0">
+            <a:schemeClr val="accent1"/>
+          </a:effectRef>
+          <a:fontRef idx="minor"/>
+        </p:style>
+        <p:txBody>
+          <a:bodyPr lIns="90000" tIns="45000" rIns="90000" bIns="45000" anchor="ctr">
+            <a:noAutofit/>
+          </a:bodyPr>
+          <a:p>
+            <a:pPr algn="ctr" defTabSz="1218960">
+              <a:lnSpc>
+                <a:spcPct val="100000"/>
+              </a:lnSpc>
+              <a:defRPr/>
+            </a:pPr>
+            <a:endParaRPr lang="ru-RU" sz="2800" b="0" u="none" strike="noStrike">
+              <a:solidFill>
+                <a:schemeClr val="lt1"/>
+              </a:solidFill>
+              <a:latin typeface="Calibri"/>
+            </a:endParaRPr>
+          </a:p>
+        </p:txBody>
+      </p:sp>
+      <p:sp>
+        <p:nvSpPr>
+          <p:cNvPr id="447" name="PlaceHolder 1"/>
+          <p:cNvSpPr>
+            <a:spLocks noGrp="1"/>
+          </p:cNvSpPr>
+          <p:nvPr>
+            <p:ph type="title"/>
+          </p:nvPr>
+        </p:nvSpPr>
+        <p:spPr bwMode="auto">
+          <a:xfrm>
+            <a:off x="1702080" y="548640"/>
+            <a:ext cx="4966920" cy="1870560"/>
+          </a:xfrm>
+          <a:prstGeom prst="rect">
+            <a:avLst/>
+          </a:prstGeom>
+          <a:noFill/>
+          <a:ln w="0">
+            <a:noFill/>
+          </a:ln>
+        </p:spPr>
+        <p:txBody>
+          <a:bodyPr lIns="122040" tIns="60840" rIns="122040" bIns="60840" anchor="b">
+            <a:noAutofit/>
+          </a:bodyPr>
+          <a:p>
+            <a:pPr indent="0" defTabSz="1218960">
+              <a:lnSpc>
+                <a:spcPct val="90000"/>
+              </a:lnSpc>
+              <a:buNone/>
+              <a:tabLst>
+                <a:tab pos="0" algn="l"/>
+              </a:tabLst>
+              <a:defRPr/>
+            </a:pPr>
+            <a:r>
+              <a:rPr lang="ru-RU" sz="6000" b="0" u="none" strike="noStrike" cap="all" spc="201">
+                <a:solidFill>
+                  <a:schemeClr val="accent1"/>
+                </a:solidFill>
+                <a:latin typeface="Calibri"/>
+              </a:rPr>
+              <a:t>Спасибо за внимание!</a:t>
+            </a:r>
+            <a:endParaRPr lang="en-US" sz="6000" b="0" u="none" strike="noStrike">
+              <a:solidFill>
+                <a:srgbClr val="FFFFFF"/>
+              </a:solidFill>
+              <a:latin typeface="Arial"/>
+            </a:endParaRPr>
+          </a:p>
+        </p:txBody>
+      </p:sp>
+      <p:sp>
+        <p:nvSpPr>
+          <p:cNvPr id="448" name="PlaceHolder 2"/>
+          <p:cNvSpPr>
+            <a:spLocks noGrp="1"/>
+          </p:cNvSpPr>
+          <p:nvPr>
+            <p:ph/>
+          </p:nvPr>
+        </p:nvSpPr>
+        <p:spPr bwMode="auto">
+          <a:xfrm>
+            <a:off x="1702080" y="4343400"/>
+            <a:ext cx="6818039" cy="2152800"/>
+          </a:xfrm>
+          <a:prstGeom prst="rect">
+            <a:avLst/>
+          </a:prstGeom>
+          <a:noFill/>
+          <a:ln w="0">
+            <a:noFill/>
+          </a:ln>
+        </p:spPr>
+        <p:txBody>
+          <a:bodyPr lIns="122040" tIns="60840" rIns="122040" bIns="60840" anchor="t">
+            <a:noAutofit/>
+          </a:bodyPr>
+          <a:p>
+            <a:pPr indent="0" defTabSz="1218960">
+              <a:lnSpc>
+                <a:spcPct val="90000"/>
+              </a:lnSpc>
+              <a:spcBef>
+                <a:spcPts val="1599"/>
+              </a:spcBef>
+              <a:buNone/>
+              <a:tabLst>
+                <a:tab pos="0" algn="l"/>
+              </a:tabLst>
+              <a:defRPr/>
+            </a:pPr>
+            <a:r>
+              <a:rPr lang="ru-RU" sz="2200" b="0" i="1" u="none" strike="noStrike">
+                <a:solidFill>
+                  <a:schemeClr val="lt1"/>
+                </a:solidFill>
+                <a:latin typeface="Comic Sans MS"/>
+              </a:rPr>
+              <a:t>Постквантовая криптография</a:t>
+            </a:r>
+            <a:r>
+              <a:rPr lang="ru-RU" sz="2200" b="0" i="1" u="none" strike="noStrike">
+                <a:solidFill>
+                  <a:schemeClr val="lt1"/>
+                </a:solidFill>
+                <a:latin typeface="Comic Sans MS"/>
+              </a:rPr>
+              <a:t> — это не будущее, а необходимость уже сегодня. Начните подготовку сейчас, чтобы </a:t>
+            </a:r>
+            <a:r>
+              <a:rPr lang="ru-RU" sz="2200" b="0" i="1" u="none" strike="sngStrike">
+                <a:solidFill>
+                  <a:schemeClr val="lt1"/>
+                </a:solidFill>
+                <a:latin typeface="Comic Sans MS"/>
+              </a:rPr>
+              <a:t>(перевести деньги на безопасный счёт)</a:t>
+            </a:r>
+            <a:r>
+              <a:rPr lang="ru-RU" sz="2200" b="0" i="1" u="none" strike="noStrike">
+                <a:solidFill>
+                  <a:schemeClr val="lt1"/>
+                </a:solidFill>
+                <a:latin typeface="Comic Sans MS"/>
+              </a:rPr>
+              <a:t> оставаться защищёнными завтра.</a:t>
+            </a:r>
+            <a:endParaRPr lang="en-US" sz="2200" b="0" u="none" strike="noStrike">
+              <a:solidFill>
+                <a:srgbClr val="FFFFFF"/>
+              </a:solidFill>
+              <a:latin typeface="Arial"/>
+            </a:endParaRPr>
+          </a:p>
+          <a:p>
+            <a:pPr indent="0" defTabSz="1218960">
+              <a:lnSpc>
+                <a:spcPct val="90000"/>
+              </a:lnSpc>
+              <a:spcBef>
+                <a:spcPts val="1599"/>
+              </a:spcBef>
+              <a:buNone/>
+              <a:tabLst>
+                <a:tab pos="0" algn="l"/>
+              </a:tabLst>
+              <a:defRPr/>
+            </a:pPr>
+            <a:r>
+              <a:rPr lang="ru-RU" sz="3600" b="0" i="1" u="none" strike="noStrike">
+                <a:solidFill>
+                  <a:schemeClr val="lt1"/>
+                </a:solidFill>
+                <a:latin typeface="Alexandra Zeferino Two"/>
+              </a:rPr>
+              <a:t>	</a:t>
+            </a:r>
+            <a:r>
+              <a:rPr lang="ru-RU" sz="3600" b="0" i="1" u="none" strike="noStrike">
+                <a:solidFill>
+                  <a:schemeClr val="lt1"/>
+                </a:solidFill>
+                <a:latin typeface="Alexandra Zeferino Two"/>
+              </a:rPr>
+              <a:t>         </a:t>
+            </a:r>
+            <a:r>
+              <a:rPr lang="en-US" sz="3600" b="0" i="1" u="none" strike="noStrike">
+                <a:solidFill>
+                  <a:schemeClr val="lt1"/>
+                </a:solidFill>
+                <a:latin typeface="Comic Sans MS"/>
+                <a:ea typeface="Comic Sans MS"/>
+                <a:cs typeface="Comic Sans MS"/>
+              </a:rPr>
+              <a:t>@</a:t>
+            </a:r>
+            <a:r>
+              <a:rPr lang="ru-RU" sz="3600" b="0" i="1" u="none" strike="noStrike">
+                <a:solidFill>
+                  <a:schemeClr val="lt1"/>
+                </a:solidFill>
+                <a:latin typeface="Comic Sans MS"/>
+                <a:ea typeface="Comic Sans MS"/>
+                <a:cs typeface="Comic Sans MS"/>
+              </a:rPr>
+              <a:t>Брылёв  Альберт</a:t>
+            </a:r>
+            <a:endParaRPr sz="3600" b="0" u="none" strike="noStrike">
+              <a:solidFill>
+                <a:srgbClr val="FFFFFF"/>
+              </a:solidFill>
+              <a:latin typeface="Comic Sans MS"/>
+              <a:cs typeface="Comic Sans MS"/>
+            </a:endParaRPr>
+          </a:p>
+        </p:txBody>
+      </p:sp>
+      <p:pic>
+        <p:nvPicPr>
+          <p:cNvPr id="450" name="" descr=""/>
+          <p:cNvPicPr/>
+          <p:nvPr/>
+        </p:nvPicPr>
+        <p:blipFill>
+          <a:blip r:embed="rId3"/>
+          <a:stretch/>
+        </p:blipFill>
+        <p:spPr bwMode="auto">
+          <a:xfrm>
+            <a:off x="8706240" y="4219999"/>
+            <a:ext cx="2817720" cy="2577240"/>
+          </a:xfrm>
+          <a:prstGeom prst="rect">
+            <a:avLst/>
+          </a:prstGeom>
+          <a:noFill/>
+          <a:ln w="0">
+            <a:noFill/>
+          </a:ln>
+        </p:spPr>
+      </p:pic>
+      <p:sp>
+        <p:nvSpPr>
+          <p:cNvPr id="2417768" name=""/>
+          <p:cNvSpPr txBox="1"/>
+          <p:nvPr/>
+        </p:nvSpPr>
+        <p:spPr bwMode="auto">
+          <a:xfrm flipH="0" flipV="0">
+            <a:off x="7831650" y="3692978"/>
+            <a:ext cx="4188898" cy="427079"/>
+          </a:xfrm>
+          <a:prstGeom prst="rect">
+            <a:avLst/>
+          </a:prstGeom>
+          <a:noFill/>
+        </p:spPr>
+        <p:txBody>
+          <a:bodyPr vertOverflow="overflow" horzOverflow="overflow" vert="horz" wrap="square" lIns="91440" tIns="45720" rIns="91440" bIns="45720" numCol="1" spcCol="0" rtlCol="0" fromWordArt="0" anchor="t" anchorCtr="0" forceAA="0" upright="0" compatLnSpc="0">
+            <a:spAutoFit/>
+          </a:bodyPr>
+          <a:p>
+            <a:pPr>
+              <a:defRPr/>
+            </a:pPr>
+            <a:r>
+              <a:rPr lang="en-US" sz="2200" b="0" i="0" u="none" strike="noStrike" cap="none" spc="0">
+                <a:solidFill>
+                  <a:schemeClr val="tx1"/>
+                </a:solidFill>
+                <a:latin typeface="Calibri"/>
+                <a:ea typeface="Calibri"/>
+                <a:cs typeface="Calibri"/>
+              </a:rPr>
+              <a:t>github.com/Terexi110/Oxygraphis</a:t>
+            </a:r>
+            <a:endParaRPr sz="2200">
+              <a:solidFill>
+                <a:schemeClr val="tx1"/>
+              </a:solidFill>
+            </a:endParaRPr>
+          </a:p>
+        </p:txBody>
+      </p:sp>
+      <p:pic>
+        <p:nvPicPr>
+          <p:cNvPr id="843470379" name=""/>
+          <p:cNvPicPr>
+            <a:picLocks noChangeAspect="1"/>
+          </p:cNvPicPr>
+          <p:nvPr/>
+        </p:nvPicPr>
+        <p:blipFill>
+          <a:blip r:embed="rId4"/>
+          <a:stretch/>
+        </p:blipFill>
+        <p:spPr bwMode="auto">
+          <a:xfrm flipH="0" flipV="0">
+            <a:off x="8442912" y="492492"/>
+            <a:ext cx="2966374" cy="2966374"/>
+          </a:xfrm>
+          <a:prstGeom prst="rect">
+            <a:avLst/>
+          </a:prstGeom>
+        </p:spPr>
+      </p:pic>
     </p:spTree>
   </p:cSld>
   <p:clrMapOvr>
@@ -38072,7 +42487,7 @@
         <p:spPr bwMode="auto">
           <a:xfrm flipH="0" flipV="0">
             <a:off x="3172634" y="2194367"/>
-            <a:ext cx="6451290" cy="4294716"/>
+            <a:ext cx="6451289" cy="4294716"/>
           </a:xfrm>
           <a:prstGeom prst="rect">
             <a:avLst/>
